--- a/doc/poster/poster.pptx
+++ b/doc/poster/poster.pptx
@@ -59,17 +59,17 @@
           <a:noFill/>
         </a:ln>
         <a:solidFill>
-          <a:srgbClr val="2A5FA3"/>
+          <a:srgbClr val="FFFFFF"/>
         </a:solidFill>
         <a:effectLst/>
         <a:uFillTx/>
-        <a:latin typeface="Gill Sans"/>
-        <a:ea typeface="Gill Sans"/>
-        <a:cs typeface="Gill Sans"/>
-        <a:sym typeface="Gill Sans"/>
+        <a:latin typeface="+mj-lt"/>
+        <a:ea typeface="+mj-ea"/>
+        <a:cs typeface="+mj-cs"/>
+        <a:sym typeface="Helvetica"/>
       </a:defRPr>
     </a:lvl1pPr>
-    <a:lvl2pPr marL="0" marR="0" indent="396875" algn="l" defTabSz="396875" rtl="0" fontAlgn="auto" latinLnBrk="0" hangingPunct="0">
+    <a:lvl2pPr marL="0" marR="0" indent="0" algn="l" defTabSz="396875" rtl="0" fontAlgn="auto" latinLnBrk="0" hangingPunct="0">
       <a:lnSpc>
         <a:spcPct val="100000"/>
       </a:lnSpc>
@@ -89,17 +89,17 @@
           <a:noFill/>
         </a:ln>
         <a:solidFill>
-          <a:srgbClr val="2A5FA3"/>
+          <a:srgbClr val="FFFFFF"/>
         </a:solidFill>
         <a:effectLst/>
         <a:uFillTx/>
-        <a:latin typeface="Gill Sans"/>
-        <a:ea typeface="Gill Sans"/>
-        <a:cs typeface="Gill Sans"/>
-        <a:sym typeface="Gill Sans"/>
+        <a:latin typeface="+mj-lt"/>
+        <a:ea typeface="+mj-ea"/>
+        <a:cs typeface="+mj-cs"/>
+        <a:sym typeface="Helvetica"/>
       </a:defRPr>
     </a:lvl2pPr>
-    <a:lvl3pPr marL="0" marR="0" indent="793750" algn="l" defTabSz="396875" rtl="0" fontAlgn="auto" latinLnBrk="0" hangingPunct="0">
+    <a:lvl3pPr marL="0" marR="0" indent="0" algn="l" defTabSz="396875" rtl="0" fontAlgn="auto" latinLnBrk="0" hangingPunct="0">
       <a:lnSpc>
         <a:spcPct val="100000"/>
       </a:lnSpc>
@@ -119,17 +119,17 @@
           <a:noFill/>
         </a:ln>
         <a:solidFill>
-          <a:srgbClr val="2A5FA3"/>
+          <a:srgbClr val="FFFFFF"/>
         </a:solidFill>
         <a:effectLst/>
         <a:uFillTx/>
-        <a:latin typeface="Gill Sans"/>
-        <a:ea typeface="Gill Sans"/>
-        <a:cs typeface="Gill Sans"/>
-        <a:sym typeface="Gill Sans"/>
+        <a:latin typeface="+mj-lt"/>
+        <a:ea typeface="+mj-ea"/>
+        <a:cs typeface="+mj-cs"/>
+        <a:sym typeface="Helvetica"/>
       </a:defRPr>
     </a:lvl3pPr>
-    <a:lvl4pPr marL="0" marR="0" indent="1190625" algn="l" defTabSz="396875" rtl="0" fontAlgn="auto" latinLnBrk="0" hangingPunct="0">
+    <a:lvl4pPr marL="0" marR="0" indent="0" algn="l" defTabSz="396875" rtl="0" fontAlgn="auto" latinLnBrk="0" hangingPunct="0">
       <a:lnSpc>
         <a:spcPct val="100000"/>
       </a:lnSpc>
@@ -149,17 +149,17 @@
           <a:noFill/>
         </a:ln>
         <a:solidFill>
-          <a:srgbClr val="2A5FA3"/>
+          <a:srgbClr val="FFFFFF"/>
         </a:solidFill>
         <a:effectLst/>
         <a:uFillTx/>
-        <a:latin typeface="Gill Sans"/>
-        <a:ea typeface="Gill Sans"/>
-        <a:cs typeface="Gill Sans"/>
-        <a:sym typeface="Gill Sans"/>
+        <a:latin typeface="+mj-lt"/>
+        <a:ea typeface="+mj-ea"/>
+        <a:cs typeface="+mj-cs"/>
+        <a:sym typeface="Helvetica"/>
       </a:defRPr>
     </a:lvl4pPr>
-    <a:lvl5pPr marL="0" marR="0" indent="1587500" algn="l" defTabSz="396875" rtl="0" fontAlgn="auto" latinLnBrk="0" hangingPunct="0">
+    <a:lvl5pPr marL="0" marR="0" indent="0" algn="l" defTabSz="396875" rtl="0" fontAlgn="auto" latinLnBrk="0" hangingPunct="0">
       <a:lnSpc>
         <a:spcPct val="100000"/>
       </a:lnSpc>
@@ -179,17 +179,17 @@
           <a:noFill/>
         </a:ln>
         <a:solidFill>
-          <a:srgbClr val="2A5FA3"/>
+          <a:srgbClr val="FFFFFF"/>
         </a:solidFill>
         <a:effectLst/>
         <a:uFillTx/>
-        <a:latin typeface="Gill Sans"/>
-        <a:ea typeface="Gill Sans"/>
-        <a:cs typeface="Gill Sans"/>
-        <a:sym typeface="Gill Sans"/>
+        <a:latin typeface="+mj-lt"/>
+        <a:ea typeface="+mj-ea"/>
+        <a:cs typeface="+mj-cs"/>
+        <a:sym typeface="Helvetica"/>
       </a:defRPr>
     </a:lvl5pPr>
-    <a:lvl6pPr marL="0" marR="0" indent="2286000" algn="l" defTabSz="396875" rtl="0" fontAlgn="auto" latinLnBrk="0" hangingPunct="0">
+    <a:lvl6pPr marL="0" marR="0" indent="0" algn="l" defTabSz="396875" rtl="0" fontAlgn="auto" latinLnBrk="0" hangingPunct="0">
       <a:lnSpc>
         <a:spcPct val="100000"/>
       </a:lnSpc>
@@ -209,17 +209,17 @@
           <a:noFill/>
         </a:ln>
         <a:solidFill>
-          <a:srgbClr val="2A5FA3"/>
+          <a:srgbClr val="FFFFFF"/>
         </a:solidFill>
         <a:effectLst/>
         <a:uFillTx/>
-        <a:latin typeface="Gill Sans"/>
-        <a:ea typeface="Gill Sans"/>
-        <a:cs typeface="Gill Sans"/>
-        <a:sym typeface="Gill Sans"/>
+        <a:latin typeface="+mj-lt"/>
+        <a:ea typeface="+mj-ea"/>
+        <a:cs typeface="+mj-cs"/>
+        <a:sym typeface="Helvetica"/>
       </a:defRPr>
     </a:lvl6pPr>
-    <a:lvl7pPr marL="0" marR="0" indent="2743200" algn="l" defTabSz="396875" rtl="0" fontAlgn="auto" latinLnBrk="0" hangingPunct="0">
+    <a:lvl7pPr marL="0" marR="0" indent="0" algn="l" defTabSz="396875" rtl="0" fontAlgn="auto" latinLnBrk="0" hangingPunct="0">
       <a:lnSpc>
         <a:spcPct val="100000"/>
       </a:lnSpc>
@@ -239,17 +239,17 @@
           <a:noFill/>
         </a:ln>
         <a:solidFill>
-          <a:srgbClr val="2A5FA3"/>
+          <a:srgbClr val="FFFFFF"/>
         </a:solidFill>
         <a:effectLst/>
         <a:uFillTx/>
-        <a:latin typeface="Gill Sans"/>
-        <a:ea typeface="Gill Sans"/>
-        <a:cs typeface="Gill Sans"/>
-        <a:sym typeface="Gill Sans"/>
+        <a:latin typeface="+mj-lt"/>
+        <a:ea typeface="+mj-ea"/>
+        <a:cs typeface="+mj-cs"/>
+        <a:sym typeface="Helvetica"/>
       </a:defRPr>
     </a:lvl7pPr>
-    <a:lvl8pPr marL="0" marR="0" indent="3200400" algn="l" defTabSz="396875" rtl="0" fontAlgn="auto" latinLnBrk="0" hangingPunct="0">
+    <a:lvl8pPr marL="0" marR="0" indent="0" algn="l" defTabSz="396875" rtl="0" fontAlgn="auto" latinLnBrk="0" hangingPunct="0">
       <a:lnSpc>
         <a:spcPct val="100000"/>
       </a:lnSpc>
@@ -269,17 +269,17 @@
           <a:noFill/>
         </a:ln>
         <a:solidFill>
-          <a:srgbClr val="2A5FA3"/>
+          <a:srgbClr val="FFFFFF"/>
         </a:solidFill>
         <a:effectLst/>
         <a:uFillTx/>
-        <a:latin typeface="Gill Sans"/>
-        <a:ea typeface="Gill Sans"/>
-        <a:cs typeface="Gill Sans"/>
-        <a:sym typeface="Gill Sans"/>
+        <a:latin typeface="+mj-lt"/>
+        <a:ea typeface="+mj-ea"/>
+        <a:cs typeface="+mj-cs"/>
+        <a:sym typeface="Helvetica"/>
       </a:defRPr>
     </a:lvl8pPr>
-    <a:lvl9pPr marL="0" marR="0" indent="3657600" algn="l" defTabSz="396875" rtl="0" fontAlgn="auto" latinLnBrk="0" hangingPunct="0">
+    <a:lvl9pPr marL="0" marR="0" indent="0" algn="l" defTabSz="396875" rtl="0" fontAlgn="auto" latinLnBrk="0" hangingPunct="0">
       <a:lnSpc>
         <a:spcPct val="100000"/>
       </a:lnSpc>
@@ -299,14 +299,14 @@
           <a:noFill/>
         </a:ln>
         <a:solidFill>
-          <a:srgbClr val="2A5FA3"/>
+          <a:srgbClr val="FFFFFF"/>
         </a:solidFill>
         <a:effectLst/>
         <a:uFillTx/>
-        <a:latin typeface="Gill Sans"/>
-        <a:ea typeface="Gill Sans"/>
-        <a:cs typeface="Gill Sans"/>
-        <a:sym typeface="Gill Sans"/>
+        <a:latin typeface="+mj-lt"/>
+        <a:ea typeface="+mj-ea"/>
+        <a:cs typeface="+mj-cs"/>
+        <a:sym typeface="Helvetica"/>
       </a:defRPr>
     </a:lvl9pPr>
   </p:defaultTextStyle>
@@ -393,9 +393,9 @@
         <a:spcPts val="300"/>
       </a:spcBef>
       <a:defRPr sz="1000">
-        <a:latin typeface="+mj-lt"/>
-        <a:ea typeface="+mj-ea"/>
-        <a:cs typeface="+mj-cs"/>
+        <a:latin typeface="+mn-lt"/>
+        <a:ea typeface="+mn-ea"/>
+        <a:cs typeface="+mn-cs"/>
         <a:sym typeface="Times New Roman"/>
       </a:defRPr>
     </a:lvl1pPr>
@@ -404,9 +404,9 @@
         <a:spcPts val="300"/>
       </a:spcBef>
       <a:defRPr sz="1000">
-        <a:latin typeface="+mj-lt"/>
-        <a:ea typeface="+mj-ea"/>
-        <a:cs typeface="+mj-cs"/>
+        <a:latin typeface="+mn-lt"/>
+        <a:ea typeface="+mn-ea"/>
+        <a:cs typeface="+mn-cs"/>
         <a:sym typeface="Times New Roman"/>
       </a:defRPr>
     </a:lvl2pPr>
@@ -415,9 +415,9 @@
         <a:spcPts val="300"/>
       </a:spcBef>
       <a:defRPr sz="1000">
-        <a:latin typeface="+mj-lt"/>
-        <a:ea typeface="+mj-ea"/>
-        <a:cs typeface="+mj-cs"/>
+        <a:latin typeface="+mn-lt"/>
+        <a:ea typeface="+mn-ea"/>
+        <a:cs typeface="+mn-cs"/>
         <a:sym typeface="Times New Roman"/>
       </a:defRPr>
     </a:lvl3pPr>
@@ -426,9 +426,9 @@
         <a:spcPts val="300"/>
       </a:spcBef>
       <a:defRPr sz="1000">
-        <a:latin typeface="+mj-lt"/>
-        <a:ea typeface="+mj-ea"/>
-        <a:cs typeface="+mj-cs"/>
+        <a:latin typeface="+mn-lt"/>
+        <a:ea typeface="+mn-ea"/>
+        <a:cs typeface="+mn-cs"/>
         <a:sym typeface="Times New Roman"/>
       </a:defRPr>
     </a:lvl4pPr>
@@ -437,9 +437,9 @@
         <a:spcPts val="300"/>
       </a:spcBef>
       <a:defRPr sz="1000">
-        <a:latin typeface="+mj-lt"/>
-        <a:ea typeface="+mj-ea"/>
-        <a:cs typeface="+mj-cs"/>
+        <a:latin typeface="+mn-lt"/>
+        <a:ea typeface="+mn-ea"/>
+        <a:cs typeface="+mn-cs"/>
         <a:sym typeface="Times New Roman"/>
       </a:defRPr>
     </a:lvl5pPr>
@@ -448,9 +448,9 @@
         <a:spcPts val="300"/>
       </a:spcBef>
       <a:defRPr sz="1000">
-        <a:latin typeface="+mj-lt"/>
-        <a:ea typeface="+mj-ea"/>
-        <a:cs typeface="+mj-cs"/>
+        <a:latin typeface="+mn-lt"/>
+        <a:ea typeface="+mn-ea"/>
+        <a:cs typeface="+mn-cs"/>
         <a:sym typeface="Times New Roman"/>
       </a:defRPr>
     </a:lvl6pPr>
@@ -459,9 +459,9 @@
         <a:spcPts val="300"/>
       </a:spcBef>
       <a:defRPr sz="1000">
-        <a:latin typeface="+mj-lt"/>
-        <a:ea typeface="+mj-ea"/>
-        <a:cs typeface="+mj-cs"/>
+        <a:latin typeface="+mn-lt"/>
+        <a:ea typeface="+mn-ea"/>
+        <a:cs typeface="+mn-cs"/>
         <a:sym typeface="Times New Roman"/>
       </a:defRPr>
     </a:lvl7pPr>
@@ -470,9 +470,9 @@
         <a:spcPts val="300"/>
       </a:spcBef>
       <a:defRPr sz="1000">
-        <a:latin typeface="+mj-lt"/>
-        <a:ea typeface="+mj-ea"/>
-        <a:cs typeface="+mj-cs"/>
+        <a:latin typeface="+mn-lt"/>
+        <a:ea typeface="+mn-ea"/>
+        <a:cs typeface="+mn-cs"/>
         <a:sym typeface="Times New Roman"/>
       </a:defRPr>
     </a:lvl8pPr>
@@ -481,9 +481,9 @@
         <a:spcPts val="300"/>
       </a:spcBef>
       <a:defRPr sz="1000">
-        <a:latin typeface="+mj-lt"/>
-        <a:ea typeface="+mj-ea"/>
-        <a:cs typeface="+mj-cs"/>
+        <a:latin typeface="+mn-lt"/>
+        <a:ea typeface="+mn-ea"/>
+        <a:cs typeface="+mn-cs"/>
         <a:sym typeface="Times New Roman"/>
       </a:defRPr>
     </a:lvl9pPr>
@@ -518,8 +518,8 @@
         </p:nvSpPr>
         <p:spPr>
           <a:xfrm>
-            <a:off x="2270350" y="19948532"/>
-            <a:ext cx="25734516" cy="13766214"/>
+            <a:off x="2270349" y="19948532"/>
+            <a:ext cx="25734518" cy="13766217"/>
           </a:xfrm>
           <a:prstGeom prst="rect">
             <a:avLst/>
@@ -551,7 +551,7 @@
         <p:spPr>
           <a:xfrm>
             <a:off x="4540698" y="36390476"/>
-            <a:ext cx="21193818" cy="16410091"/>
+            <a:ext cx="21193820" cy="16410092"/>
           </a:xfrm>
           <a:prstGeom prst="rect">
             <a:avLst/>
@@ -667,7 +667,7 @@
         <p:spPr>
           <a:xfrm>
             <a:off x="3294062" y="382588"/>
-            <a:ext cx="23687089" cy="19118263"/>
+            <a:ext cx="23687091" cy="19118263"/>
           </a:xfrm>
           <a:prstGeom prst="rect">
             <a:avLst/>
@@ -699,7 +699,7 @@
         <p:spPr>
           <a:xfrm>
             <a:off x="3294062" y="19078575"/>
-            <a:ext cx="23687089" cy="1270"/>
+            <a:ext cx="23687091" cy="1271"/>
           </a:xfrm>
           <a:prstGeom prst="rect">
             <a:avLst/>
@@ -711,16 +711,16 @@
             <a:lvl1pPr marL="296863" indent="-296863">
               <a:defRPr sz="13900"/>
             </a:lvl1pPr>
-            <a:lvl2pPr marL="296863" indent="100011">
+            <a:lvl2pPr marL="296863">
               <a:defRPr sz="13900"/>
             </a:lvl2pPr>
-            <a:lvl3pPr marL="296863" indent="496887">
+            <a:lvl3pPr marL="296863">
               <a:defRPr sz="13900"/>
             </a:lvl3pPr>
-            <a:lvl4pPr marL="296863" indent="893762">
+            <a:lvl4pPr marL="296863">
               <a:defRPr sz="13900"/>
             </a:lvl4pPr>
-            <a:lvl5pPr marL="296863" indent="1290637">
+            <a:lvl5pPr marL="296863">
               <a:defRPr sz="13900"/>
             </a:lvl5pPr>
           </a:lstStyle>
@@ -814,8 +814,8 @@
         </p:nvSpPr>
         <p:spPr>
           <a:xfrm>
-            <a:off x="2270350" y="19948532"/>
-            <a:ext cx="25734516" cy="13766214"/>
+            <a:off x="2270349" y="19948532"/>
+            <a:ext cx="25734518" cy="13766217"/>
           </a:xfrm>
           <a:prstGeom prst="rect">
             <a:avLst/>
@@ -847,7 +847,7 @@
         <p:spPr>
           <a:xfrm>
             <a:off x="4540698" y="36390476"/>
-            <a:ext cx="21193818" cy="16410091"/>
+            <a:ext cx="21193820" cy="16410092"/>
           </a:xfrm>
           <a:prstGeom prst="rect">
             <a:avLst/>
@@ -1010,7 +1010,7 @@
         <p:spPr>
           <a:xfrm>
             <a:off x="1892300" y="15230475"/>
-            <a:ext cx="26489025" cy="1270"/>
+            <a:ext cx="26489025" cy="1271"/>
           </a:xfrm>
           <a:prstGeom prst="rect">
             <a:avLst/>
@@ -1025,25 +1025,25 @@
               </a:spcBef>
               <a:defRPr sz="16300"/>
             </a:lvl1pPr>
-            <a:lvl2pPr marL="296863" indent="100011" algn="l">
+            <a:lvl2pPr marL="296863" algn="l">
               <a:spcBef>
                 <a:spcPts val="9400"/>
               </a:spcBef>
               <a:defRPr sz="16300"/>
             </a:lvl2pPr>
-            <a:lvl3pPr marL="296863" indent="496887" algn="l">
+            <a:lvl3pPr marL="296863" algn="l">
               <a:spcBef>
                 <a:spcPts val="9400"/>
               </a:spcBef>
               <a:defRPr sz="16300"/>
             </a:lvl3pPr>
-            <a:lvl4pPr marL="296863" indent="893762" algn="l">
+            <a:lvl4pPr marL="296863" algn="l">
               <a:spcBef>
                 <a:spcPts val="9400"/>
               </a:spcBef>
               <a:defRPr sz="16300"/>
             </a:lvl4pPr>
-            <a:lvl5pPr marL="296863" indent="1290637" algn="l">
+            <a:lvl5pPr marL="296863" algn="l">
               <a:spcBef>
                 <a:spcPts val="9400"/>
               </a:spcBef>
@@ -1318,8 +1318,8 @@
         </p:nvSpPr>
         <p:spPr>
           <a:xfrm>
-            <a:off x="1892201" y="15230166"/>
-            <a:ext cx="13173867" cy="1271"/>
+            <a:off x="1892200" y="15230166"/>
+            <a:ext cx="13173869" cy="1273"/>
           </a:xfrm>
           <a:prstGeom prst="rect">
             <a:avLst/>
@@ -1334,25 +1334,25 @@
               </a:spcBef>
               <a:defRPr sz="2400"/>
             </a:lvl1pPr>
-            <a:lvl2pPr marL="296863" indent="100011" algn="l">
+            <a:lvl2pPr marL="296863" algn="l">
               <a:spcBef>
                 <a:spcPts val="9400"/>
               </a:spcBef>
               <a:defRPr sz="2400"/>
             </a:lvl2pPr>
-            <a:lvl3pPr marL="296863" indent="496887" algn="l">
+            <a:lvl3pPr marL="296863" algn="l">
               <a:spcBef>
                 <a:spcPts val="9400"/>
               </a:spcBef>
               <a:defRPr sz="2400"/>
             </a:lvl3pPr>
-            <a:lvl4pPr marL="296863" indent="893762" algn="l">
+            <a:lvl4pPr marL="296863" algn="l">
               <a:spcBef>
                 <a:spcPts val="9400"/>
               </a:spcBef>
               <a:defRPr sz="2400"/>
             </a:lvl4pPr>
-            <a:lvl5pPr marL="296863" indent="1290637" algn="l">
+            <a:lvl5pPr marL="296863" algn="l">
               <a:spcBef>
                 <a:spcPts val="9400"/>
               </a:spcBef>
@@ -1449,8 +1449,8 @@
         </p:nvSpPr>
         <p:spPr>
           <a:xfrm>
-            <a:off x="1514053" y="2572206"/>
-            <a:ext cx="27247109" cy="10702926"/>
+            <a:off x="1514053" y="2572205"/>
+            <a:ext cx="27247109" cy="10702928"/>
           </a:xfrm>
           <a:prstGeom prst="rect">
             <a:avLst/>
@@ -1482,7 +1482,7 @@
         <p:spPr>
           <a:xfrm>
             <a:off x="1514053" y="14374091"/>
-            <a:ext cx="13376809" cy="5991197"/>
+            <a:ext cx="13376809" cy="5991199"/>
           </a:xfrm>
           <a:prstGeom prst="rect">
             <a:avLst/>
@@ -1564,8 +1564,8 @@
         </p:nvSpPr>
         <p:spPr>
           <a:xfrm>
-            <a:off x="15379972" y="14374091"/>
-            <a:ext cx="13381191" cy="5991197"/>
+            <a:off x="15379971" y="14374091"/>
+            <a:ext cx="13381194" cy="5991199"/>
           </a:xfrm>
           <a:prstGeom prst="rect">
             <a:avLst/>
@@ -1575,12 +1575,7 @@
           <a:bodyPr/>
           <a:lstStyle/>
           <a:p>
-            <a:pPr algn="l">
-              <a:spcBef>
-                <a:spcPts val="9400"/>
-              </a:spcBef>
-              <a:defRPr b="1" sz="2100"/>
-            </a:pPr>
+            <a:pPr/>
           </a:p>
         </p:txBody>
       </p:sp>
@@ -1771,7 +1766,7 @@
         <p:spPr>
           <a:xfrm>
             <a:off x="1514053" y="2556279"/>
-            <a:ext cx="9960336" cy="10882105"/>
+            <a:ext cx="9960338" cy="10882105"/>
           </a:xfrm>
           <a:prstGeom prst="rect">
             <a:avLst/>
@@ -1802,8 +1797,8 @@
         </p:nvSpPr>
         <p:spPr>
           <a:xfrm>
-            <a:off x="11836476" y="2556279"/>
-            <a:ext cx="16924686" cy="54808692"/>
+            <a:off x="11836475" y="2556279"/>
+            <a:ext cx="16924689" cy="54808692"/>
           </a:xfrm>
           <a:prstGeom prst="rect">
             <a:avLst/>
@@ -1818,25 +1813,25 @@
               </a:spcBef>
               <a:defRPr sz="2800"/>
             </a:lvl1pPr>
-            <a:lvl2pPr marL="296863" indent="100011" algn="l">
+            <a:lvl2pPr marL="296863" algn="l">
               <a:spcBef>
                 <a:spcPts val="9400"/>
               </a:spcBef>
               <a:defRPr sz="2800"/>
             </a:lvl2pPr>
-            <a:lvl3pPr marL="296863" indent="496887" algn="l">
+            <a:lvl3pPr marL="296863" algn="l">
               <a:spcBef>
                 <a:spcPts val="9400"/>
               </a:spcBef>
               <a:defRPr sz="2800"/>
             </a:lvl3pPr>
-            <a:lvl4pPr marL="296863" indent="893762" algn="l">
+            <a:lvl4pPr marL="296863" algn="l">
               <a:spcBef>
                 <a:spcPts val="9400"/>
               </a:spcBef>
               <a:defRPr sz="2800"/>
             </a:lvl4pPr>
-            <a:lvl5pPr marL="296863" indent="1290637" algn="l">
+            <a:lvl5pPr marL="296863" algn="l">
               <a:spcBef>
                 <a:spcPts val="9400"/>
               </a:spcBef>
@@ -1885,7 +1880,7 @@
         </p:nvSpPr>
         <p:spPr>
           <a:xfrm>
-            <a:off x="1514054" y="13438381"/>
+            <a:off x="1514054" y="13438382"/>
             <a:ext cx="9960335" cy="43926591"/>
           </a:xfrm>
           <a:prstGeom prst="rect">
@@ -1896,12 +1891,7 @@
           <a:bodyPr anchor="t"/>
           <a:lstStyle/>
           <a:p>
-            <a:pPr algn="l">
-              <a:spcBef>
-                <a:spcPts val="9400"/>
-              </a:spcBef>
-              <a:defRPr sz="1200"/>
-            </a:pPr>
+            <a:pPr/>
           </a:p>
         </p:txBody>
       </p:sp>
@@ -1964,7 +1954,7 @@
         <p:spPr>
           <a:xfrm>
             <a:off x="5933568" y="44952552"/>
-            <a:ext cx="18165712" cy="5306337"/>
+            <a:ext cx="18165712" cy="5306339"/>
           </a:xfrm>
           <a:prstGeom prst="rect">
             <a:avLst/>
@@ -2023,7 +2013,7 @@
         <p:spPr>
           <a:xfrm>
             <a:off x="5933568" y="50258888"/>
-            <a:ext cx="18165712" cy="7537440"/>
+            <a:ext cx="18165712" cy="7537442"/>
           </a:xfrm>
           <a:prstGeom prst="rect">
             <a:avLst/>
@@ -2186,7 +2176,7 @@
         <p:spPr>
           <a:xfrm>
             <a:off x="1892300" y="15230475"/>
-            <a:ext cx="26489025" cy="1270"/>
+            <a:ext cx="26489025" cy="1271"/>
           </a:xfrm>
           <a:prstGeom prst="rect">
             <a:avLst/>
@@ -2201,25 +2191,25 @@
               </a:spcBef>
               <a:defRPr sz="16300"/>
             </a:lvl1pPr>
-            <a:lvl2pPr marL="296863" indent="100011" algn="l">
+            <a:lvl2pPr marL="296863" algn="l">
               <a:spcBef>
                 <a:spcPts val="9400"/>
               </a:spcBef>
               <a:defRPr sz="16300"/>
             </a:lvl2pPr>
-            <a:lvl3pPr marL="296863" indent="496887" algn="l">
+            <a:lvl3pPr marL="296863" algn="l">
               <a:spcBef>
                 <a:spcPts val="9400"/>
               </a:spcBef>
               <a:defRPr sz="16300"/>
             </a:lvl3pPr>
-            <a:lvl4pPr marL="296863" indent="893762" algn="l">
+            <a:lvl4pPr marL="296863" algn="l">
               <a:spcBef>
                 <a:spcPts val="9400"/>
               </a:spcBef>
               <a:defRPr sz="16300"/>
             </a:lvl4pPr>
-            <a:lvl5pPr marL="296863" indent="1290637" algn="l">
+            <a:lvl5pPr marL="296863" algn="l">
               <a:spcBef>
                 <a:spcPts val="9400"/>
               </a:spcBef>
@@ -2316,8 +2306,8 @@
         </p:nvSpPr>
         <p:spPr>
           <a:xfrm>
-            <a:off x="21059494" y="382246"/>
-            <a:ext cx="5921889" cy="19119005"/>
+            <a:off x="21059494" y="382245"/>
+            <a:ext cx="5921891" cy="19119007"/>
           </a:xfrm>
           <a:prstGeom prst="rect">
             <a:avLst/>
@@ -2348,8 +2338,8 @@
         </p:nvSpPr>
         <p:spPr>
           <a:xfrm>
-            <a:off x="3293831" y="382246"/>
-            <a:ext cx="17625500" cy="19119005"/>
+            <a:off x="3293831" y="382245"/>
+            <a:ext cx="17625500" cy="19119007"/>
           </a:xfrm>
           <a:prstGeom prst="rect">
             <a:avLst/>
@@ -2361,16 +2351,16 @@
             <a:lvl1pPr marL="296863" indent="-296863">
               <a:defRPr sz="13900"/>
             </a:lvl1pPr>
-            <a:lvl2pPr marL="296863" indent="100011">
+            <a:lvl2pPr marL="296863">
               <a:defRPr sz="13900"/>
             </a:lvl2pPr>
-            <a:lvl3pPr marL="296863" indent="496887">
+            <a:lvl3pPr marL="296863">
               <a:defRPr sz="13900"/>
             </a:lvl3pPr>
-            <a:lvl4pPr marL="296863" indent="893762">
+            <a:lvl4pPr marL="296863">
               <a:defRPr sz="13900"/>
             </a:lvl4pPr>
-            <a:lvl5pPr marL="296863" indent="1290637">
+            <a:lvl5pPr marL="296863">
               <a:defRPr sz="13900"/>
             </a:lvl5pPr>
           </a:lstStyle>
@@ -2465,7 +2455,7 @@
         <p:spPr>
           <a:xfrm>
             <a:off x="21760310" y="2913308"/>
-            <a:ext cx="6621244" cy="12316860"/>
+            <a:ext cx="6621246" cy="12316860"/>
           </a:xfrm>
           <a:prstGeom prst="rect">
             <a:avLst/>
@@ -2512,25 +2502,25 @@
               </a:spcBef>
               <a:defRPr sz="16300"/>
             </a:lvl1pPr>
-            <a:lvl2pPr marL="296863" indent="100011" algn="l">
+            <a:lvl2pPr marL="296863" algn="l">
               <a:spcBef>
                 <a:spcPts val="9400"/>
               </a:spcBef>
               <a:defRPr sz="16300"/>
             </a:lvl2pPr>
-            <a:lvl3pPr marL="296863" indent="496887" algn="l">
+            <a:lvl3pPr marL="296863" algn="l">
               <a:spcBef>
                 <a:spcPts val="9400"/>
               </a:spcBef>
               <a:defRPr sz="16300"/>
             </a:lvl3pPr>
-            <a:lvl4pPr marL="296863" indent="893762" algn="l">
+            <a:lvl4pPr marL="296863" algn="l">
               <a:spcBef>
                 <a:spcPts val="9400"/>
               </a:spcBef>
               <a:defRPr sz="16300"/>
             </a:lvl4pPr>
-            <a:lvl5pPr marL="296863" indent="1290637" algn="l">
+            <a:lvl5pPr marL="296863" algn="l">
               <a:spcBef>
                 <a:spcPts val="9400"/>
               </a:spcBef>
@@ -2627,8 +2617,8 @@
         </p:nvSpPr>
         <p:spPr>
           <a:xfrm>
-            <a:off x="2270350" y="19948532"/>
-            <a:ext cx="25734516" cy="13766214"/>
+            <a:off x="2270349" y="19948532"/>
+            <a:ext cx="25734518" cy="13766217"/>
           </a:xfrm>
           <a:prstGeom prst="rect">
             <a:avLst/>
@@ -2660,7 +2650,7 @@
         <p:spPr>
           <a:xfrm>
             <a:off x="4540698" y="36390476"/>
-            <a:ext cx="21193818" cy="16410091"/>
+            <a:ext cx="21193820" cy="16410092"/>
           </a:xfrm>
           <a:prstGeom prst="rect">
             <a:avLst/>
@@ -2791,7 +2781,7 @@
         <p:spPr>
           <a:xfrm>
             <a:off x="3294062" y="382588"/>
-            <a:ext cx="23687089" cy="19118263"/>
+            <a:ext cx="23687091" cy="19118263"/>
           </a:xfrm>
           <a:prstGeom prst="rect">
             <a:avLst/>
@@ -2838,25 +2828,25 @@
               </a:spcBef>
               <a:defRPr sz="12300"/>
             </a:lvl1pPr>
-            <a:lvl2pPr marL="296863" indent="100011" algn="l">
+            <a:lvl2pPr marL="296863" algn="l">
               <a:spcBef>
                 <a:spcPts val="15000"/>
               </a:spcBef>
               <a:defRPr sz="12300"/>
             </a:lvl2pPr>
-            <a:lvl3pPr marL="296863" indent="496887" algn="l">
+            <a:lvl3pPr marL="296863" algn="l">
               <a:spcBef>
                 <a:spcPts val="15000"/>
               </a:spcBef>
               <a:defRPr sz="12300"/>
             </a:lvl3pPr>
-            <a:lvl4pPr marL="296863" indent="893762" algn="l">
+            <a:lvl4pPr marL="296863" algn="l">
               <a:spcBef>
                 <a:spcPts val="15000"/>
               </a:spcBef>
               <a:defRPr sz="12300"/>
             </a:lvl4pPr>
-            <a:lvl5pPr marL="296863" indent="1290637" algn="l">
+            <a:lvl5pPr marL="296863" algn="l">
               <a:spcBef>
                 <a:spcPts val="15000"/>
               </a:spcBef>
@@ -3100,7 +3090,7 @@
         <p:spPr>
           <a:xfrm>
             <a:off x="3294062" y="382588"/>
-            <a:ext cx="23687089" cy="19118263"/>
+            <a:ext cx="23687091" cy="19118263"/>
           </a:xfrm>
           <a:prstGeom prst="rect">
             <a:avLst/>
@@ -3132,7 +3122,7 @@
         <p:spPr>
           <a:xfrm>
             <a:off x="3293831" y="6390697"/>
-            <a:ext cx="5635723" cy="30096670"/>
+            <a:ext cx="5635724" cy="30096672"/>
           </a:xfrm>
           <a:prstGeom prst="rect">
             <a:avLst/>
@@ -3147,25 +3137,25 @@
               </a:spcBef>
               <a:defRPr sz="2400"/>
             </a:lvl1pPr>
-            <a:lvl2pPr marL="296863" indent="100011" algn="l">
+            <a:lvl2pPr marL="296863" algn="l">
               <a:spcBef>
                 <a:spcPts val="15000"/>
               </a:spcBef>
               <a:defRPr sz="2400"/>
             </a:lvl2pPr>
-            <a:lvl3pPr marL="296863" indent="496887" algn="l">
+            <a:lvl3pPr marL="296863" algn="l">
               <a:spcBef>
                 <a:spcPts val="15000"/>
               </a:spcBef>
               <a:defRPr sz="2400"/>
             </a:lvl3pPr>
-            <a:lvl4pPr marL="296863" indent="893762" algn="l">
+            <a:lvl4pPr marL="296863" algn="l">
               <a:spcBef>
                 <a:spcPts val="15000"/>
               </a:spcBef>
               <a:defRPr sz="2400"/>
             </a:lvl4pPr>
-            <a:lvl5pPr marL="296863" indent="1290637" algn="l">
+            <a:lvl5pPr marL="296863" algn="l">
               <a:spcBef>
                 <a:spcPts val="15000"/>
               </a:spcBef>
@@ -3262,8 +3252,8 @@
         </p:nvSpPr>
         <p:spPr>
           <a:xfrm>
-            <a:off x="1514053" y="2572206"/>
-            <a:ext cx="27247109" cy="10702926"/>
+            <a:off x="1514053" y="2572205"/>
+            <a:ext cx="27247109" cy="10702928"/>
           </a:xfrm>
           <a:prstGeom prst="rect">
             <a:avLst/>
@@ -3295,7 +3285,7 @@
         <p:spPr>
           <a:xfrm>
             <a:off x="1514053" y="14374091"/>
-            <a:ext cx="13376809" cy="5991197"/>
+            <a:ext cx="13376809" cy="5991199"/>
           </a:xfrm>
           <a:prstGeom prst="rect">
             <a:avLst/>
@@ -3377,8 +3367,8 @@
         </p:nvSpPr>
         <p:spPr>
           <a:xfrm>
-            <a:off x="15379972" y="14374091"/>
-            <a:ext cx="13381191" cy="5991197"/>
+            <a:off x="15379971" y="14374091"/>
+            <a:ext cx="13381194" cy="5991199"/>
           </a:xfrm>
           <a:prstGeom prst="rect">
             <a:avLst/>
@@ -3388,12 +3378,7 @@
           <a:bodyPr/>
           <a:lstStyle/>
           <a:p>
-            <a:pPr algn="l">
-              <a:spcBef>
-                <a:spcPts val="15000"/>
-              </a:spcBef>
-              <a:defRPr b="1" sz="2100"/>
-            </a:pPr>
+            <a:pPr/>
           </a:p>
         </p:txBody>
       </p:sp>
@@ -3456,7 +3441,7 @@
         <p:spPr>
           <a:xfrm>
             <a:off x="3294062" y="382588"/>
-            <a:ext cx="23687089" cy="19118263"/>
+            <a:ext cx="23687091" cy="19118263"/>
           </a:xfrm>
           <a:prstGeom prst="rect">
             <a:avLst/>
@@ -3584,7 +3569,7 @@
         <p:spPr>
           <a:xfrm>
             <a:off x="1514053" y="2556279"/>
-            <a:ext cx="9960336" cy="10882105"/>
+            <a:ext cx="9960338" cy="10882105"/>
           </a:xfrm>
           <a:prstGeom prst="rect">
             <a:avLst/>
@@ -3615,8 +3600,8 @@
         </p:nvSpPr>
         <p:spPr>
           <a:xfrm>
-            <a:off x="11836476" y="2556279"/>
-            <a:ext cx="16924686" cy="54808692"/>
+            <a:off x="11836475" y="2556279"/>
+            <a:ext cx="16924689" cy="54808692"/>
           </a:xfrm>
           <a:prstGeom prst="rect">
             <a:avLst/>
@@ -3631,25 +3616,25 @@
               </a:spcBef>
               <a:defRPr sz="2800"/>
             </a:lvl1pPr>
-            <a:lvl2pPr marL="296863" indent="100011" algn="l">
+            <a:lvl2pPr marL="296863" algn="l">
               <a:spcBef>
                 <a:spcPts val="15000"/>
               </a:spcBef>
               <a:defRPr sz="2800"/>
             </a:lvl2pPr>
-            <a:lvl3pPr marL="296863" indent="496887" algn="l">
+            <a:lvl3pPr marL="296863" algn="l">
               <a:spcBef>
                 <a:spcPts val="15000"/>
               </a:spcBef>
               <a:defRPr sz="2800"/>
             </a:lvl3pPr>
-            <a:lvl4pPr marL="296863" indent="893762" algn="l">
+            <a:lvl4pPr marL="296863" algn="l">
               <a:spcBef>
                 <a:spcPts val="15000"/>
               </a:spcBef>
               <a:defRPr sz="2800"/>
             </a:lvl4pPr>
-            <a:lvl5pPr marL="296863" indent="1290637" algn="l">
+            <a:lvl5pPr marL="296863" algn="l">
               <a:spcBef>
                 <a:spcPts val="15000"/>
               </a:spcBef>
@@ -3698,7 +3683,7 @@
         </p:nvSpPr>
         <p:spPr>
           <a:xfrm>
-            <a:off x="1514054" y="13438381"/>
+            <a:off x="1514054" y="13438382"/>
             <a:ext cx="9960335" cy="43926591"/>
           </a:xfrm>
           <a:prstGeom prst="rect">
@@ -3709,12 +3694,7 @@
           <a:bodyPr anchor="t"/>
           <a:lstStyle/>
           <a:p>
-            <a:pPr algn="l">
-              <a:spcBef>
-                <a:spcPts val="15000"/>
-              </a:spcBef>
-              <a:defRPr sz="1200"/>
-            </a:pPr>
+            <a:pPr/>
           </a:p>
         </p:txBody>
       </p:sp>
@@ -3777,7 +3757,7 @@
         <p:spPr>
           <a:xfrm>
             <a:off x="5933568" y="44952552"/>
-            <a:ext cx="18165712" cy="5306337"/>
+            <a:ext cx="18165712" cy="5306339"/>
           </a:xfrm>
           <a:prstGeom prst="rect">
             <a:avLst/>
@@ -3836,7 +3816,7 @@
         <p:spPr>
           <a:xfrm>
             <a:off x="5933568" y="50258888"/>
-            <a:ext cx="18165712" cy="7537440"/>
+            <a:ext cx="18165712" cy="7537442"/>
           </a:xfrm>
           <a:prstGeom prst="rect">
             <a:avLst/>
@@ -3966,8 +3946,8 @@
         </p:nvSpPr>
         <p:spPr>
           <a:xfrm>
-            <a:off x="2270350" y="19948532"/>
-            <a:ext cx="25734516" cy="13766214"/>
+            <a:off x="2270349" y="19948532"/>
+            <a:ext cx="25734518" cy="13766217"/>
           </a:xfrm>
           <a:prstGeom prst="rect">
             <a:avLst/>
@@ -3999,7 +3979,7 @@
         <p:spPr>
           <a:xfrm>
             <a:off x="4540698" y="36390476"/>
-            <a:ext cx="21193818" cy="16410091"/>
+            <a:ext cx="21193820" cy="16410092"/>
           </a:xfrm>
           <a:prstGeom prst="rect">
             <a:avLst/>
@@ -4130,7 +4110,7 @@
         <p:spPr>
           <a:xfrm>
             <a:off x="3294062" y="382588"/>
-            <a:ext cx="23687089" cy="19118263"/>
+            <a:ext cx="23687091" cy="19118263"/>
           </a:xfrm>
           <a:prstGeom prst="rect">
             <a:avLst/>
@@ -4177,25 +4157,25 @@
               </a:spcBef>
               <a:defRPr sz="12300"/>
             </a:lvl1pPr>
-            <a:lvl2pPr marL="296863" indent="100011" algn="l">
+            <a:lvl2pPr marL="296863" algn="l">
               <a:spcBef>
                 <a:spcPts val="15000"/>
               </a:spcBef>
               <a:defRPr sz="12300"/>
             </a:lvl2pPr>
-            <a:lvl3pPr marL="296863" indent="496887" algn="l">
+            <a:lvl3pPr marL="296863" algn="l">
               <a:spcBef>
                 <a:spcPts val="15000"/>
               </a:spcBef>
               <a:defRPr sz="12300"/>
             </a:lvl3pPr>
-            <a:lvl4pPr marL="296863" indent="893762" algn="l">
+            <a:lvl4pPr marL="296863" algn="l">
               <a:spcBef>
                 <a:spcPts val="15000"/>
               </a:spcBef>
               <a:defRPr sz="12300"/>
             </a:lvl4pPr>
-            <a:lvl5pPr marL="296863" indent="1290637" algn="l">
+            <a:lvl5pPr marL="296863" algn="l">
               <a:spcBef>
                 <a:spcPts val="15000"/>
               </a:spcBef>
@@ -4293,7 +4273,7 @@
         <p:spPr>
           <a:xfrm>
             <a:off x="21059494" y="382249"/>
-            <a:ext cx="5921889" cy="36105118"/>
+            <a:ext cx="5921891" cy="36105118"/>
           </a:xfrm>
           <a:prstGeom prst="rect">
             <a:avLst/>
@@ -4340,25 +4320,25 @@
               </a:spcBef>
               <a:defRPr sz="12300"/>
             </a:lvl1pPr>
-            <a:lvl2pPr marL="296863" indent="100011" algn="l">
+            <a:lvl2pPr marL="296863" algn="l">
               <a:spcBef>
                 <a:spcPts val="15000"/>
               </a:spcBef>
               <a:defRPr sz="12300"/>
             </a:lvl2pPr>
-            <a:lvl3pPr marL="296863" indent="496887" algn="l">
+            <a:lvl3pPr marL="296863" algn="l">
               <a:spcBef>
                 <a:spcPts val="15000"/>
               </a:spcBef>
               <a:defRPr sz="12300"/>
             </a:lvl3pPr>
-            <a:lvl4pPr marL="296863" indent="893762" algn="l">
+            <a:lvl4pPr marL="296863" algn="l">
               <a:spcBef>
                 <a:spcPts val="15000"/>
               </a:spcBef>
               <a:defRPr sz="12300"/>
             </a:lvl4pPr>
-            <a:lvl5pPr marL="296863" indent="1290637" algn="l">
+            <a:lvl5pPr marL="296863" algn="l">
               <a:spcBef>
                 <a:spcPts val="15000"/>
               </a:spcBef>
@@ -4455,8 +4435,8 @@
         </p:nvSpPr>
         <p:spPr>
           <a:xfrm>
-            <a:off x="2270350" y="19948532"/>
-            <a:ext cx="25734516" cy="13766214"/>
+            <a:off x="2270349" y="19948532"/>
+            <a:ext cx="25734518" cy="13766217"/>
           </a:xfrm>
           <a:prstGeom prst="rect">
             <a:avLst/>
@@ -4488,7 +4468,7 @@
         <p:spPr>
           <a:xfrm>
             <a:off x="4540698" y="36390476"/>
-            <a:ext cx="21193818" cy="16410091"/>
+            <a:ext cx="21193820" cy="16410092"/>
           </a:xfrm>
           <a:prstGeom prst="rect">
             <a:avLst/>
@@ -4619,7 +4599,7 @@
         <p:spPr>
           <a:xfrm>
             <a:off x="3294062" y="382588"/>
-            <a:ext cx="23687089" cy="19118263"/>
+            <a:ext cx="23687091" cy="19118263"/>
           </a:xfrm>
           <a:prstGeom prst="rect">
             <a:avLst/>
@@ -4651,7 +4631,7 @@
         <p:spPr>
           <a:xfrm>
             <a:off x="3294062" y="10674350"/>
-            <a:ext cx="23687089" cy="30097413"/>
+            <a:ext cx="23687091" cy="30097413"/>
           </a:xfrm>
           <a:prstGeom prst="rect">
             <a:avLst/>
@@ -4666,25 +4646,25 @@
               </a:spcBef>
               <a:defRPr sz="12300"/>
             </a:lvl1pPr>
-            <a:lvl2pPr marL="296863" indent="100011" algn="l">
+            <a:lvl2pPr marL="296863" algn="l">
               <a:spcBef>
                 <a:spcPts val="15000"/>
               </a:spcBef>
               <a:defRPr sz="12300"/>
             </a:lvl2pPr>
-            <a:lvl3pPr marL="296863" indent="496887" algn="l">
+            <a:lvl3pPr marL="296863" algn="l">
               <a:spcBef>
                 <a:spcPts val="15000"/>
               </a:spcBef>
               <a:defRPr sz="12300"/>
             </a:lvl3pPr>
-            <a:lvl4pPr marL="296863" indent="893762" algn="l">
+            <a:lvl4pPr marL="296863" algn="l">
               <a:spcBef>
                 <a:spcPts val="15000"/>
               </a:spcBef>
               <a:defRPr sz="12300"/>
             </a:lvl4pPr>
-            <a:lvl5pPr marL="296863" indent="1290637" algn="l">
+            <a:lvl5pPr marL="296863" algn="l">
               <a:spcBef>
                 <a:spcPts val="15000"/>
               </a:spcBef>
@@ -4928,7 +4908,7 @@
         <p:spPr>
           <a:xfrm>
             <a:off x="3294062" y="382588"/>
-            <a:ext cx="23687089" cy="19118263"/>
+            <a:ext cx="23687091" cy="19118263"/>
           </a:xfrm>
           <a:prstGeom prst="rect">
             <a:avLst/>
@@ -4975,25 +4955,25 @@
               </a:spcBef>
               <a:defRPr sz="2400"/>
             </a:lvl1pPr>
-            <a:lvl2pPr marL="296863" indent="100011" algn="l">
+            <a:lvl2pPr marL="296863" algn="l">
               <a:spcBef>
                 <a:spcPts val="15000"/>
               </a:spcBef>
               <a:defRPr sz="2400"/>
             </a:lvl2pPr>
-            <a:lvl3pPr marL="296863" indent="496887" algn="l">
+            <a:lvl3pPr marL="296863" algn="l">
               <a:spcBef>
                 <a:spcPts val="15000"/>
               </a:spcBef>
               <a:defRPr sz="2400"/>
             </a:lvl3pPr>
-            <a:lvl4pPr marL="296863" indent="893762" algn="l">
+            <a:lvl4pPr marL="296863" algn="l">
               <a:spcBef>
                 <a:spcPts val="15000"/>
               </a:spcBef>
               <a:defRPr sz="2400"/>
             </a:lvl4pPr>
-            <a:lvl5pPr marL="296863" indent="1290637" algn="l">
+            <a:lvl5pPr marL="296863" algn="l">
               <a:spcBef>
                 <a:spcPts val="15000"/>
               </a:spcBef>
@@ -5090,8 +5070,8 @@
         </p:nvSpPr>
         <p:spPr>
           <a:xfrm>
-            <a:off x="1514053" y="2572206"/>
-            <a:ext cx="27247109" cy="10702926"/>
+            <a:off x="1514053" y="2572205"/>
+            <a:ext cx="27247109" cy="10702928"/>
           </a:xfrm>
           <a:prstGeom prst="rect">
             <a:avLst/>
@@ -5123,7 +5103,7 @@
         <p:spPr>
           <a:xfrm>
             <a:off x="1514053" y="14374091"/>
-            <a:ext cx="13376809" cy="5991197"/>
+            <a:ext cx="13376809" cy="5991199"/>
           </a:xfrm>
           <a:prstGeom prst="rect">
             <a:avLst/>
@@ -5205,8 +5185,8 @@
         </p:nvSpPr>
         <p:spPr>
           <a:xfrm>
-            <a:off x="15379972" y="14374091"/>
-            <a:ext cx="13381191" cy="5991197"/>
+            <a:off x="15379971" y="14374091"/>
+            <a:ext cx="13381194" cy="5991199"/>
           </a:xfrm>
           <a:prstGeom prst="rect">
             <a:avLst/>
@@ -5216,12 +5196,7 @@
           <a:bodyPr/>
           <a:lstStyle/>
           <a:p>
-            <a:pPr algn="l">
-              <a:spcBef>
-                <a:spcPts val="15000"/>
-              </a:spcBef>
-              <a:defRPr b="1" sz="2100"/>
-            </a:pPr>
+            <a:pPr/>
           </a:p>
         </p:txBody>
       </p:sp>
@@ -5284,7 +5259,7 @@
         <p:spPr>
           <a:xfrm>
             <a:off x="3294062" y="382588"/>
-            <a:ext cx="23687089" cy="19118263"/>
+            <a:ext cx="23687091" cy="19118263"/>
           </a:xfrm>
           <a:prstGeom prst="rect">
             <a:avLst/>
@@ -5412,7 +5387,7 @@
         <p:spPr>
           <a:xfrm>
             <a:off x="1514053" y="2556279"/>
-            <a:ext cx="9960336" cy="10882105"/>
+            <a:ext cx="9960338" cy="10882105"/>
           </a:xfrm>
           <a:prstGeom prst="rect">
             <a:avLst/>
@@ -5443,8 +5418,8 @@
         </p:nvSpPr>
         <p:spPr>
           <a:xfrm>
-            <a:off x="11836476" y="2556279"/>
-            <a:ext cx="16924686" cy="54808692"/>
+            <a:off x="11836475" y="2556279"/>
+            <a:ext cx="16924689" cy="54808692"/>
           </a:xfrm>
           <a:prstGeom prst="rect">
             <a:avLst/>
@@ -5459,25 +5434,25 @@
               </a:spcBef>
               <a:defRPr sz="2800"/>
             </a:lvl1pPr>
-            <a:lvl2pPr marL="296863" indent="100011" algn="l">
+            <a:lvl2pPr marL="296863" algn="l">
               <a:spcBef>
                 <a:spcPts val="15000"/>
               </a:spcBef>
               <a:defRPr sz="2800"/>
             </a:lvl2pPr>
-            <a:lvl3pPr marL="296863" indent="496887" algn="l">
+            <a:lvl3pPr marL="296863" algn="l">
               <a:spcBef>
                 <a:spcPts val="15000"/>
               </a:spcBef>
               <a:defRPr sz="2800"/>
             </a:lvl3pPr>
-            <a:lvl4pPr marL="296863" indent="893762" algn="l">
+            <a:lvl4pPr marL="296863" algn="l">
               <a:spcBef>
                 <a:spcPts val="15000"/>
               </a:spcBef>
               <a:defRPr sz="2800"/>
             </a:lvl4pPr>
-            <a:lvl5pPr marL="296863" indent="1290637" algn="l">
+            <a:lvl5pPr marL="296863" algn="l">
               <a:spcBef>
                 <a:spcPts val="15000"/>
               </a:spcBef>
@@ -5526,7 +5501,7 @@
         </p:nvSpPr>
         <p:spPr>
           <a:xfrm>
-            <a:off x="1514054" y="13438381"/>
+            <a:off x="1514054" y="13438382"/>
             <a:ext cx="9960335" cy="43926591"/>
           </a:xfrm>
           <a:prstGeom prst="rect">
@@ -5537,12 +5512,7 @@
           <a:bodyPr anchor="t"/>
           <a:lstStyle/>
           <a:p>
-            <a:pPr algn="l">
-              <a:spcBef>
-                <a:spcPts val="15000"/>
-              </a:spcBef>
-              <a:defRPr sz="1200"/>
-            </a:pPr>
+            <a:pPr/>
           </a:p>
         </p:txBody>
       </p:sp>
@@ -5605,7 +5575,7 @@
         <p:spPr>
           <a:xfrm>
             <a:off x="3294062" y="382588"/>
-            <a:ext cx="23687089" cy="19118263"/>
+            <a:ext cx="23687091" cy="19118263"/>
           </a:xfrm>
           <a:prstGeom prst="rect">
             <a:avLst/>
@@ -5637,7 +5607,7 @@
         <p:spPr>
           <a:xfrm>
             <a:off x="3294062" y="6391275"/>
-            <a:ext cx="23687089" cy="30095825"/>
+            <a:ext cx="23687091" cy="30095825"/>
           </a:xfrm>
           <a:prstGeom prst="rect">
             <a:avLst/>
@@ -5652,25 +5622,25 @@
               </a:spcBef>
               <a:defRPr sz="16300"/>
             </a:lvl1pPr>
-            <a:lvl2pPr marL="296863" indent="100011" algn="l">
+            <a:lvl2pPr marL="296863" algn="l">
               <a:spcBef>
                 <a:spcPts val="9400"/>
               </a:spcBef>
               <a:defRPr sz="16300"/>
             </a:lvl2pPr>
-            <a:lvl3pPr marL="296863" indent="496887" algn="l">
+            <a:lvl3pPr marL="296863" algn="l">
               <a:spcBef>
                 <a:spcPts val="9400"/>
               </a:spcBef>
               <a:defRPr sz="16300"/>
             </a:lvl3pPr>
-            <a:lvl4pPr marL="296863" indent="893762" algn="l">
+            <a:lvl4pPr marL="296863" algn="l">
               <a:spcBef>
                 <a:spcPts val="9400"/>
               </a:spcBef>
               <a:defRPr sz="16300"/>
             </a:lvl4pPr>
-            <a:lvl5pPr marL="296863" indent="1290637" algn="l">
+            <a:lvl5pPr marL="296863" algn="l">
               <a:spcBef>
                 <a:spcPts val="9400"/>
               </a:spcBef>
@@ -5768,7 +5738,7 @@
         <p:spPr>
           <a:xfrm>
             <a:off x="5933568" y="44952552"/>
-            <a:ext cx="18165712" cy="5306337"/>
+            <a:ext cx="18165712" cy="5306339"/>
           </a:xfrm>
           <a:prstGeom prst="rect">
             <a:avLst/>
@@ -5827,7 +5797,7 @@
         <p:spPr>
           <a:xfrm>
             <a:off x="5933568" y="50258888"/>
-            <a:ext cx="18165712" cy="7537440"/>
+            <a:ext cx="18165712" cy="7537442"/>
           </a:xfrm>
           <a:prstGeom prst="rect">
             <a:avLst/>
@@ -5958,7 +5928,7 @@
         <p:spPr>
           <a:xfrm>
             <a:off x="3294062" y="382588"/>
-            <a:ext cx="23687089" cy="19118263"/>
+            <a:ext cx="23687091" cy="19118263"/>
           </a:xfrm>
           <a:prstGeom prst="rect">
             <a:avLst/>
@@ -5990,7 +5960,7 @@
         <p:spPr>
           <a:xfrm>
             <a:off x="3294062" y="10674350"/>
-            <a:ext cx="23687089" cy="30097413"/>
+            <a:ext cx="23687091" cy="30097413"/>
           </a:xfrm>
           <a:prstGeom prst="rect">
             <a:avLst/>
@@ -6005,25 +5975,25 @@
               </a:spcBef>
               <a:defRPr sz="12300"/>
             </a:lvl1pPr>
-            <a:lvl2pPr marL="296863" indent="100011" algn="l">
+            <a:lvl2pPr marL="296863" algn="l">
               <a:spcBef>
                 <a:spcPts val="15000"/>
               </a:spcBef>
               <a:defRPr sz="12300"/>
             </a:lvl2pPr>
-            <a:lvl3pPr marL="296863" indent="496887" algn="l">
+            <a:lvl3pPr marL="296863" algn="l">
               <a:spcBef>
                 <a:spcPts val="15000"/>
               </a:spcBef>
               <a:defRPr sz="12300"/>
             </a:lvl3pPr>
-            <a:lvl4pPr marL="296863" indent="893762" algn="l">
+            <a:lvl4pPr marL="296863" algn="l">
               <a:spcBef>
                 <a:spcPts val="15000"/>
               </a:spcBef>
               <a:defRPr sz="12300"/>
             </a:lvl4pPr>
-            <a:lvl5pPr marL="296863" indent="1290637" algn="l">
+            <a:lvl5pPr marL="296863" algn="l">
               <a:spcBef>
                 <a:spcPts val="15000"/>
               </a:spcBef>
@@ -6121,7 +6091,7 @@
         <p:spPr>
           <a:xfrm>
             <a:off x="21059494" y="382249"/>
-            <a:ext cx="5921889" cy="40389473"/>
+            <a:ext cx="5921891" cy="40389473"/>
           </a:xfrm>
           <a:prstGeom prst="rect">
             <a:avLst/>
@@ -6168,25 +6138,25 @@
               </a:spcBef>
               <a:defRPr sz="12300"/>
             </a:lvl1pPr>
-            <a:lvl2pPr marL="296863" indent="100011" algn="l">
+            <a:lvl2pPr marL="296863" algn="l">
               <a:spcBef>
                 <a:spcPts val="15000"/>
               </a:spcBef>
               <a:defRPr sz="12300"/>
             </a:lvl2pPr>
-            <a:lvl3pPr marL="296863" indent="496887" algn="l">
+            <a:lvl3pPr marL="296863" algn="l">
               <a:spcBef>
                 <a:spcPts val="15000"/>
               </a:spcBef>
               <a:defRPr sz="12300"/>
             </a:lvl3pPr>
-            <a:lvl4pPr marL="296863" indent="893762" algn="l">
+            <a:lvl4pPr marL="296863" algn="l">
               <a:spcBef>
                 <a:spcPts val="15000"/>
               </a:spcBef>
               <a:defRPr sz="12300"/>
             </a:lvl4pPr>
-            <a:lvl5pPr marL="296863" indent="1290637" algn="l">
+            <a:lvl5pPr marL="296863" algn="l">
               <a:spcBef>
                 <a:spcPts val="15000"/>
               </a:spcBef>
@@ -6283,8 +6253,8 @@
         </p:nvSpPr>
         <p:spPr>
           <a:xfrm>
-            <a:off x="2270350" y="19948532"/>
-            <a:ext cx="25734516" cy="13766214"/>
+            <a:off x="2270349" y="19948532"/>
+            <a:ext cx="25734518" cy="13766217"/>
           </a:xfrm>
           <a:prstGeom prst="rect">
             <a:avLst/>
@@ -6316,7 +6286,7 @@
         <p:spPr>
           <a:xfrm>
             <a:off x="4540698" y="36390476"/>
-            <a:ext cx="21193818" cy="16410091"/>
+            <a:ext cx="21193820" cy="16410092"/>
           </a:xfrm>
           <a:prstGeom prst="rect">
             <a:avLst/>
@@ -6447,7 +6417,7 @@
         <p:spPr>
           <a:xfrm>
             <a:off x="3294062" y="382588"/>
-            <a:ext cx="23687089" cy="19118263"/>
+            <a:ext cx="23687091" cy="19118263"/>
           </a:xfrm>
           <a:prstGeom prst="rect">
             <a:avLst/>
@@ -6479,7 +6449,7 @@
         <p:spPr>
           <a:xfrm>
             <a:off x="18010187" y="6391275"/>
-            <a:ext cx="8970963" cy="30095825"/>
+            <a:ext cx="8970965" cy="30095825"/>
           </a:xfrm>
           <a:prstGeom prst="rect">
             <a:avLst/>
@@ -6494,25 +6464,25 @@
               </a:spcBef>
               <a:defRPr sz="12300"/>
             </a:lvl1pPr>
-            <a:lvl2pPr marL="296863" indent="100011" algn="l">
+            <a:lvl2pPr marL="296863" algn="l">
               <a:spcBef>
                 <a:spcPts val="15000"/>
               </a:spcBef>
               <a:defRPr sz="12300"/>
             </a:lvl2pPr>
-            <a:lvl3pPr marL="296863" indent="496887" algn="l">
+            <a:lvl3pPr marL="296863" algn="l">
               <a:spcBef>
                 <a:spcPts val="15000"/>
               </a:spcBef>
               <a:defRPr sz="12300"/>
             </a:lvl3pPr>
-            <a:lvl4pPr marL="296863" indent="893762" algn="l">
+            <a:lvl4pPr marL="296863" algn="l">
               <a:spcBef>
                 <a:spcPts val="15000"/>
               </a:spcBef>
               <a:defRPr sz="12300"/>
             </a:lvl4pPr>
-            <a:lvl5pPr marL="296863" indent="1290637" algn="l">
+            <a:lvl5pPr marL="296863" algn="l">
               <a:spcBef>
                 <a:spcPts val="15000"/>
               </a:spcBef>
@@ -6756,7 +6726,7 @@
         <p:spPr>
           <a:xfrm>
             <a:off x="3294062" y="382588"/>
-            <a:ext cx="23687089" cy="19118263"/>
+            <a:ext cx="23687091" cy="19118263"/>
           </a:xfrm>
           <a:prstGeom prst="rect">
             <a:avLst/>
@@ -6788,7 +6758,7 @@
         <p:spPr>
           <a:xfrm>
             <a:off x="18010950" y="6390697"/>
-            <a:ext cx="4415136" cy="30096670"/>
+            <a:ext cx="4415138" cy="30096672"/>
           </a:xfrm>
           <a:prstGeom prst="rect">
             <a:avLst/>
@@ -6803,25 +6773,25 @@
               </a:spcBef>
               <a:defRPr sz="2400"/>
             </a:lvl1pPr>
-            <a:lvl2pPr marL="296863" indent="100011" algn="l">
+            <a:lvl2pPr marL="296863" algn="l">
               <a:spcBef>
                 <a:spcPts val="15000"/>
               </a:spcBef>
               <a:defRPr sz="2400"/>
             </a:lvl2pPr>
-            <a:lvl3pPr marL="296863" indent="496887" algn="l">
+            <a:lvl3pPr marL="296863" algn="l">
               <a:spcBef>
                 <a:spcPts val="15000"/>
               </a:spcBef>
               <a:defRPr sz="2400"/>
             </a:lvl3pPr>
-            <a:lvl4pPr marL="296863" indent="893762" algn="l">
+            <a:lvl4pPr marL="296863" algn="l">
               <a:spcBef>
                 <a:spcPts val="15000"/>
               </a:spcBef>
               <a:defRPr sz="2400"/>
             </a:lvl4pPr>
-            <a:lvl5pPr marL="296863" indent="1290637" algn="l">
+            <a:lvl5pPr marL="296863" algn="l">
               <a:spcBef>
                 <a:spcPts val="15000"/>
               </a:spcBef>
@@ -6918,8 +6888,8 @@
         </p:nvSpPr>
         <p:spPr>
           <a:xfrm>
-            <a:off x="1514053" y="2572206"/>
-            <a:ext cx="27247109" cy="10702926"/>
+            <a:off x="1514053" y="2572205"/>
+            <a:ext cx="27247109" cy="10702928"/>
           </a:xfrm>
           <a:prstGeom prst="rect">
             <a:avLst/>
@@ -6951,7 +6921,7 @@
         <p:spPr>
           <a:xfrm>
             <a:off x="1514053" y="14374091"/>
-            <a:ext cx="13376809" cy="5991197"/>
+            <a:ext cx="13376809" cy="5991199"/>
           </a:xfrm>
           <a:prstGeom prst="rect">
             <a:avLst/>
@@ -7033,8 +7003,8 @@
         </p:nvSpPr>
         <p:spPr>
           <a:xfrm>
-            <a:off x="15379972" y="14374091"/>
-            <a:ext cx="13381191" cy="5991197"/>
+            <a:off x="15379971" y="14374091"/>
+            <a:ext cx="13381194" cy="5991199"/>
           </a:xfrm>
           <a:prstGeom prst="rect">
             <a:avLst/>
@@ -7044,12 +7014,7 @@
           <a:bodyPr/>
           <a:lstStyle/>
           <a:p>
-            <a:pPr algn="l">
-              <a:spcBef>
-                <a:spcPts val="15000"/>
-              </a:spcBef>
-              <a:defRPr b="1" sz="2100"/>
-            </a:pPr>
+            <a:pPr/>
           </a:p>
         </p:txBody>
       </p:sp>
@@ -7112,7 +7077,7 @@
         <p:spPr>
           <a:xfrm>
             <a:off x="3294062" y="382588"/>
-            <a:ext cx="23687089" cy="19118263"/>
+            <a:ext cx="23687091" cy="19118263"/>
           </a:xfrm>
           <a:prstGeom prst="rect">
             <a:avLst/>
@@ -7386,7 +7351,7 @@
         <p:spPr>
           <a:xfrm>
             <a:off x="1514053" y="2556279"/>
-            <a:ext cx="9960336" cy="10882105"/>
+            <a:ext cx="9960338" cy="10882105"/>
           </a:xfrm>
           <a:prstGeom prst="rect">
             <a:avLst/>
@@ -7417,8 +7382,8 @@
         </p:nvSpPr>
         <p:spPr>
           <a:xfrm>
-            <a:off x="11836476" y="2556279"/>
-            <a:ext cx="16924686" cy="54808692"/>
+            <a:off x="11836475" y="2556279"/>
+            <a:ext cx="16924689" cy="54808692"/>
           </a:xfrm>
           <a:prstGeom prst="rect">
             <a:avLst/>
@@ -7433,25 +7398,25 @@
               </a:spcBef>
               <a:defRPr sz="2800"/>
             </a:lvl1pPr>
-            <a:lvl2pPr marL="296863" indent="100011" algn="l">
+            <a:lvl2pPr marL="296863" algn="l">
               <a:spcBef>
                 <a:spcPts val="15000"/>
               </a:spcBef>
               <a:defRPr sz="2800"/>
             </a:lvl2pPr>
-            <a:lvl3pPr marL="296863" indent="496887" algn="l">
+            <a:lvl3pPr marL="296863" algn="l">
               <a:spcBef>
                 <a:spcPts val="15000"/>
               </a:spcBef>
               <a:defRPr sz="2800"/>
             </a:lvl3pPr>
-            <a:lvl4pPr marL="296863" indent="893762" algn="l">
+            <a:lvl4pPr marL="296863" algn="l">
               <a:spcBef>
                 <a:spcPts val="15000"/>
               </a:spcBef>
               <a:defRPr sz="2800"/>
             </a:lvl4pPr>
-            <a:lvl5pPr marL="296863" indent="1290637" algn="l">
+            <a:lvl5pPr marL="296863" algn="l">
               <a:spcBef>
                 <a:spcPts val="15000"/>
               </a:spcBef>
@@ -7500,7 +7465,7 @@
         </p:nvSpPr>
         <p:spPr>
           <a:xfrm>
-            <a:off x="1514054" y="13438381"/>
+            <a:off x="1514054" y="13438382"/>
             <a:ext cx="9960335" cy="43926591"/>
           </a:xfrm>
           <a:prstGeom prst="rect">
@@ -7511,12 +7476,7 @@
           <a:bodyPr anchor="t"/>
           <a:lstStyle/>
           <a:p>
-            <a:pPr algn="l">
-              <a:spcBef>
-                <a:spcPts val="15000"/>
-              </a:spcBef>
-              <a:defRPr sz="1200"/>
-            </a:pPr>
+            <a:pPr/>
           </a:p>
         </p:txBody>
       </p:sp>
@@ -7579,7 +7539,7 @@
         <p:spPr>
           <a:xfrm>
             <a:off x="5933568" y="44952552"/>
-            <a:ext cx="18165712" cy="5306337"/>
+            <a:ext cx="18165712" cy="5306339"/>
           </a:xfrm>
           <a:prstGeom prst="rect">
             <a:avLst/>
@@ -7638,7 +7598,7 @@
         <p:spPr>
           <a:xfrm>
             <a:off x="5933568" y="50258888"/>
-            <a:ext cx="18165712" cy="7537440"/>
+            <a:ext cx="18165712" cy="7537442"/>
           </a:xfrm>
           <a:prstGeom prst="rect">
             <a:avLst/>
@@ -7769,7 +7729,7 @@
         <p:spPr>
           <a:xfrm>
             <a:off x="3294062" y="382588"/>
-            <a:ext cx="23687089" cy="19118263"/>
+            <a:ext cx="23687091" cy="19118263"/>
           </a:xfrm>
           <a:prstGeom prst="rect">
             <a:avLst/>
@@ -7801,7 +7761,7 @@
         <p:spPr>
           <a:xfrm>
             <a:off x="18010187" y="6391275"/>
-            <a:ext cx="8970963" cy="30095825"/>
+            <a:ext cx="8970965" cy="30095825"/>
           </a:xfrm>
           <a:prstGeom prst="rect">
             <a:avLst/>
@@ -7816,25 +7776,25 @@
               </a:spcBef>
               <a:defRPr sz="12300"/>
             </a:lvl1pPr>
-            <a:lvl2pPr marL="296863" indent="100011" algn="l">
+            <a:lvl2pPr marL="296863" algn="l">
               <a:spcBef>
                 <a:spcPts val="15000"/>
               </a:spcBef>
               <a:defRPr sz="12300"/>
             </a:lvl2pPr>
-            <a:lvl3pPr marL="296863" indent="496887" algn="l">
+            <a:lvl3pPr marL="296863" algn="l">
               <a:spcBef>
                 <a:spcPts val="15000"/>
               </a:spcBef>
               <a:defRPr sz="12300"/>
             </a:lvl3pPr>
-            <a:lvl4pPr marL="296863" indent="893762" algn="l">
+            <a:lvl4pPr marL="296863" algn="l">
               <a:spcBef>
                 <a:spcPts val="15000"/>
               </a:spcBef>
               <a:defRPr sz="12300"/>
             </a:lvl4pPr>
-            <a:lvl5pPr marL="296863" indent="1290637" algn="l">
+            <a:lvl5pPr marL="296863" algn="l">
               <a:spcBef>
                 <a:spcPts val="15000"/>
               </a:spcBef>
@@ -7932,7 +7892,7 @@
         <p:spPr>
           <a:xfrm>
             <a:off x="21059494" y="382249"/>
-            <a:ext cx="5921889" cy="36105118"/>
+            <a:ext cx="5921891" cy="36105118"/>
           </a:xfrm>
           <a:prstGeom prst="rect">
             <a:avLst/>
@@ -7979,25 +7939,25 @@
               </a:spcBef>
               <a:defRPr sz="12300"/>
             </a:lvl1pPr>
-            <a:lvl2pPr marL="296863" indent="100011" algn="l">
+            <a:lvl2pPr marL="296863" algn="l">
               <a:spcBef>
                 <a:spcPts val="15000"/>
               </a:spcBef>
               <a:defRPr sz="12300"/>
             </a:lvl2pPr>
-            <a:lvl3pPr marL="296863" indent="496887" algn="l">
+            <a:lvl3pPr marL="296863" algn="l">
               <a:spcBef>
                 <a:spcPts val="15000"/>
               </a:spcBef>
               <a:defRPr sz="12300"/>
             </a:lvl3pPr>
-            <a:lvl4pPr marL="296863" indent="893762" algn="l">
+            <a:lvl4pPr marL="296863" algn="l">
               <a:spcBef>
                 <a:spcPts val="15000"/>
               </a:spcBef>
               <a:defRPr sz="12300"/>
             </a:lvl4pPr>
-            <a:lvl5pPr marL="296863" indent="1290637" algn="l">
+            <a:lvl5pPr marL="296863" algn="l">
               <a:spcBef>
                 <a:spcPts val="15000"/>
               </a:spcBef>
@@ -8094,8 +8054,8 @@
         </p:nvSpPr>
         <p:spPr>
           <a:xfrm>
-            <a:off x="2270350" y="19948532"/>
-            <a:ext cx="25734516" cy="13766214"/>
+            <a:off x="2270349" y="19948532"/>
+            <a:ext cx="25734518" cy="13766217"/>
           </a:xfrm>
           <a:prstGeom prst="rect">
             <a:avLst/>
@@ -8127,7 +8087,7 @@
         <p:spPr>
           <a:xfrm>
             <a:off x="4540698" y="36390476"/>
-            <a:ext cx="21193818" cy="16410091"/>
+            <a:ext cx="21193820" cy="16410092"/>
           </a:xfrm>
           <a:prstGeom prst="rect">
             <a:avLst/>
@@ -8258,7 +8218,7 @@
         <p:spPr>
           <a:xfrm>
             <a:off x="3294062" y="382588"/>
-            <a:ext cx="23687089" cy="19118263"/>
+            <a:ext cx="23687091" cy="19118263"/>
           </a:xfrm>
           <a:prstGeom prst="rect">
             <a:avLst/>
@@ -8305,25 +8265,25 @@
               </a:spcBef>
               <a:defRPr sz="12300"/>
             </a:lvl1pPr>
-            <a:lvl2pPr marL="296863" indent="100011" algn="l">
+            <a:lvl2pPr marL="296863" algn="l">
               <a:spcBef>
                 <a:spcPts val="15000"/>
               </a:spcBef>
               <a:defRPr sz="12300"/>
             </a:lvl2pPr>
-            <a:lvl3pPr marL="296863" indent="496887" algn="l">
+            <a:lvl3pPr marL="296863" algn="l">
               <a:spcBef>
                 <a:spcPts val="15000"/>
               </a:spcBef>
               <a:defRPr sz="12300"/>
             </a:lvl3pPr>
-            <a:lvl4pPr marL="296863" indent="893762" algn="l">
+            <a:lvl4pPr marL="296863" algn="l">
               <a:spcBef>
                 <a:spcPts val="15000"/>
               </a:spcBef>
               <a:defRPr sz="12300"/>
             </a:lvl4pPr>
-            <a:lvl5pPr marL="296863" indent="1290637" algn="l">
+            <a:lvl5pPr marL="296863" algn="l">
               <a:spcBef>
                 <a:spcPts val="15000"/>
               </a:spcBef>
@@ -8567,7 +8527,7 @@
         <p:spPr>
           <a:xfrm>
             <a:off x="3294062" y="382588"/>
-            <a:ext cx="23687089" cy="19118263"/>
+            <a:ext cx="23687091" cy="19118263"/>
           </a:xfrm>
           <a:prstGeom prst="rect">
             <a:avLst/>
@@ -8599,7 +8559,7 @@
         <p:spPr>
           <a:xfrm>
             <a:off x="3293831" y="6390697"/>
-            <a:ext cx="5635723" cy="30096670"/>
+            <a:ext cx="5635724" cy="30096672"/>
           </a:xfrm>
           <a:prstGeom prst="rect">
             <a:avLst/>
@@ -8614,25 +8574,25 @@
               </a:spcBef>
               <a:defRPr sz="2400"/>
             </a:lvl1pPr>
-            <a:lvl2pPr marL="296863" indent="100011" algn="l">
+            <a:lvl2pPr marL="296863" algn="l">
               <a:spcBef>
                 <a:spcPts val="15000"/>
               </a:spcBef>
               <a:defRPr sz="2400"/>
             </a:lvl2pPr>
-            <a:lvl3pPr marL="296863" indent="496887" algn="l">
+            <a:lvl3pPr marL="296863" algn="l">
               <a:spcBef>
                 <a:spcPts val="15000"/>
               </a:spcBef>
               <a:defRPr sz="2400"/>
             </a:lvl3pPr>
-            <a:lvl4pPr marL="296863" indent="893762" algn="l">
+            <a:lvl4pPr marL="296863" algn="l">
               <a:spcBef>
                 <a:spcPts val="15000"/>
               </a:spcBef>
               <a:defRPr sz="2400"/>
             </a:lvl4pPr>
-            <a:lvl5pPr marL="296863" indent="1290637" algn="l">
+            <a:lvl5pPr marL="296863" algn="l">
               <a:spcBef>
                 <a:spcPts val="15000"/>
               </a:spcBef>
@@ -8729,8 +8689,8 @@
         </p:nvSpPr>
         <p:spPr>
           <a:xfrm>
-            <a:off x="1514053" y="2572206"/>
-            <a:ext cx="27247109" cy="10702926"/>
+            <a:off x="1514053" y="2572205"/>
+            <a:ext cx="27247109" cy="10702928"/>
           </a:xfrm>
           <a:prstGeom prst="rect">
             <a:avLst/>
@@ -8762,7 +8722,7 @@
         <p:spPr>
           <a:xfrm>
             <a:off x="1514053" y="14374091"/>
-            <a:ext cx="13376809" cy="5991197"/>
+            <a:ext cx="13376809" cy="5991199"/>
           </a:xfrm>
           <a:prstGeom prst="rect">
             <a:avLst/>
@@ -8844,8 +8804,8 @@
         </p:nvSpPr>
         <p:spPr>
           <a:xfrm>
-            <a:off x="15379972" y="14374091"/>
-            <a:ext cx="13381191" cy="5991197"/>
+            <a:off x="15379971" y="14374091"/>
+            <a:ext cx="13381194" cy="5991199"/>
           </a:xfrm>
           <a:prstGeom prst="rect">
             <a:avLst/>
@@ -8855,12 +8815,7 @@
           <a:bodyPr/>
           <a:lstStyle/>
           <a:p>
-            <a:pPr algn="l">
-              <a:spcBef>
-                <a:spcPts val="15000"/>
-              </a:spcBef>
-              <a:defRPr b="1" sz="2100"/>
-            </a:pPr>
+            <a:pPr/>
           </a:p>
         </p:txBody>
       </p:sp>
@@ -8923,7 +8878,7 @@
         <p:spPr>
           <a:xfrm>
             <a:off x="3294062" y="382588"/>
-            <a:ext cx="23687089" cy="19118263"/>
+            <a:ext cx="23687091" cy="19118263"/>
           </a:xfrm>
           <a:prstGeom prst="rect">
             <a:avLst/>
@@ -9003,7 +8958,7 @@
         <p:spPr>
           <a:xfrm>
             <a:off x="3294062" y="382588"/>
-            <a:ext cx="23687089" cy="19118263"/>
+            <a:ext cx="23687091" cy="19118263"/>
           </a:xfrm>
           <a:prstGeom prst="rect">
             <a:avLst/>
@@ -9035,7 +8990,7 @@
         <p:spPr>
           <a:xfrm>
             <a:off x="3293831" y="6390697"/>
-            <a:ext cx="11773694" cy="30096670"/>
+            <a:ext cx="11773694" cy="30096672"/>
           </a:xfrm>
           <a:prstGeom prst="rect">
             <a:avLst/>
@@ -9050,25 +9005,25 @@
               </a:spcBef>
               <a:defRPr sz="2400"/>
             </a:lvl1pPr>
-            <a:lvl2pPr marL="296863" indent="100011" algn="l">
+            <a:lvl2pPr marL="296863" algn="l">
               <a:spcBef>
                 <a:spcPts val="9400"/>
               </a:spcBef>
               <a:defRPr sz="2400"/>
             </a:lvl2pPr>
-            <a:lvl3pPr marL="296863" indent="496887" algn="l">
+            <a:lvl3pPr marL="296863" algn="l">
               <a:spcBef>
                 <a:spcPts val="9400"/>
               </a:spcBef>
               <a:defRPr sz="2400"/>
             </a:lvl3pPr>
-            <a:lvl4pPr marL="296863" indent="893762" algn="l">
+            <a:lvl4pPr marL="296863" algn="l">
               <a:spcBef>
                 <a:spcPts val="9400"/>
               </a:spcBef>
               <a:defRPr sz="2400"/>
             </a:lvl4pPr>
-            <a:lvl5pPr marL="296863" indent="1290637" algn="l">
+            <a:lvl5pPr marL="296863" algn="l">
               <a:spcBef>
                 <a:spcPts val="9400"/>
               </a:spcBef>
@@ -9214,7 +9169,7 @@
         <p:spPr>
           <a:xfrm>
             <a:off x="1514053" y="2556279"/>
-            <a:ext cx="9960336" cy="10882105"/>
+            <a:ext cx="9960338" cy="10882105"/>
           </a:xfrm>
           <a:prstGeom prst="rect">
             <a:avLst/>
@@ -9245,8 +9200,8 @@
         </p:nvSpPr>
         <p:spPr>
           <a:xfrm>
-            <a:off x="11836476" y="2556279"/>
-            <a:ext cx="16924686" cy="54808692"/>
+            <a:off x="11836475" y="2556279"/>
+            <a:ext cx="16924689" cy="54808692"/>
           </a:xfrm>
           <a:prstGeom prst="rect">
             <a:avLst/>
@@ -9261,25 +9216,25 @@
               </a:spcBef>
               <a:defRPr sz="2800"/>
             </a:lvl1pPr>
-            <a:lvl2pPr marL="296863" indent="100011" algn="l">
+            <a:lvl2pPr marL="296863" algn="l">
               <a:spcBef>
                 <a:spcPts val="15000"/>
               </a:spcBef>
               <a:defRPr sz="2800"/>
             </a:lvl2pPr>
-            <a:lvl3pPr marL="296863" indent="496887" algn="l">
+            <a:lvl3pPr marL="296863" algn="l">
               <a:spcBef>
                 <a:spcPts val="15000"/>
               </a:spcBef>
               <a:defRPr sz="2800"/>
             </a:lvl3pPr>
-            <a:lvl4pPr marL="296863" indent="893762" algn="l">
+            <a:lvl4pPr marL="296863" algn="l">
               <a:spcBef>
                 <a:spcPts val="15000"/>
               </a:spcBef>
               <a:defRPr sz="2800"/>
             </a:lvl4pPr>
-            <a:lvl5pPr marL="296863" indent="1290637" algn="l">
+            <a:lvl5pPr marL="296863" algn="l">
               <a:spcBef>
                 <a:spcPts val="15000"/>
               </a:spcBef>
@@ -9328,7 +9283,7 @@
         </p:nvSpPr>
         <p:spPr>
           <a:xfrm>
-            <a:off x="1514054" y="13438381"/>
+            <a:off x="1514054" y="13438382"/>
             <a:ext cx="9960335" cy="43926591"/>
           </a:xfrm>
           <a:prstGeom prst="rect">
@@ -9339,12 +9294,7 @@
           <a:bodyPr anchor="t"/>
           <a:lstStyle/>
           <a:p>
-            <a:pPr algn="l">
-              <a:spcBef>
-                <a:spcPts val="15000"/>
-              </a:spcBef>
-              <a:defRPr sz="1200"/>
-            </a:pPr>
+            <a:pPr/>
           </a:p>
         </p:txBody>
       </p:sp>
@@ -9407,7 +9357,7 @@
         <p:spPr>
           <a:xfrm>
             <a:off x="5933568" y="44952552"/>
-            <a:ext cx="18165712" cy="5306337"/>
+            <a:ext cx="18165712" cy="5306339"/>
           </a:xfrm>
           <a:prstGeom prst="rect">
             <a:avLst/>
@@ -9466,7 +9416,7 @@
         <p:spPr>
           <a:xfrm>
             <a:off x="5933568" y="50258888"/>
-            <a:ext cx="18165712" cy="7537440"/>
+            <a:ext cx="18165712" cy="7537442"/>
           </a:xfrm>
           <a:prstGeom prst="rect">
             <a:avLst/>
@@ -9597,7 +9547,7 @@
         <p:spPr>
           <a:xfrm>
             <a:off x="3294062" y="382588"/>
-            <a:ext cx="23687089" cy="19118263"/>
+            <a:ext cx="23687091" cy="19118263"/>
           </a:xfrm>
           <a:prstGeom prst="rect">
             <a:avLst/>
@@ -9644,25 +9594,25 @@
               </a:spcBef>
               <a:defRPr sz="12300"/>
             </a:lvl1pPr>
-            <a:lvl2pPr marL="296863" indent="100011" algn="l">
+            <a:lvl2pPr marL="296863" algn="l">
               <a:spcBef>
                 <a:spcPts val="15000"/>
               </a:spcBef>
               <a:defRPr sz="12300"/>
             </a:lvl2pPr>
-            <a:lvl3pPr marL="296863" indent="496887" algn="l">
+            <a:lvl3pPr marL="296863" algn="l">
               <a:spcBef>
                 <a:spcPts val="15000"/>
               </a:spcBef>
               <a:defRPr sz="12300"/>
             </a:lvl3pPr>
-            <a:lvl4pPr marL="296863" indent="893762" algn="l">
+            <a:lvl4pPr marL="296863" algn="l">
               <a:spcBef>
                 <a:spcPts val="15000"/>
               </a:spcBef>
               <a:defRPr sz="12300"/>
             </a:lvl4pPr>
-            <a:lvl5pPr marL="296863" indent="1290637" algn="l">
+            <a:lvl5pPr marL="296863" algn="l">
               <a:spcBef>
                 <a:spcPts val="15000"/>
               </a:spcBef>
@@ -9760,7 +9710,7 @@
         <p:spPr>
           <a:xfrm>
             <a:off x="21059494" y="382249"/>
-            <a:ext cx="5921889" cy="36105118"/>
+            <a:ext cx="5921891" cy="36105118"/>
           </a:xfrm>
           <a:prstGeom prst="rect">
             <a:avLst/>
@@ -9807,25 +9757,25 @@
               </a:spcBef>
               <a:defRPr sz="12300"/>
             </a:lvl1pPr>
-            <a:lvl2pPr marL="296863" indent="100011" algn="l">
+            <a:lvl2pPr marL="296863" algn="l">
               <a:spcBef>
                 <a:spcPts val="15000"/>
               </a:spcBef>
               <a:defRPr sz="12300"/>
             </a:lvl2pPr>
-            <a:lvl3pPr marL="296863" indent="496887" algn="l">
+            <a:lvl3pPr marL="296863" algn="l">
               <a:spcBef>
                 <a:spcPts val="15000"/>
               </a:spcBef>
               <a:defRPr sz="12300"/>
             </a:lvl3pPr>
-            <a:lvl4pPr marL="296863" indent="893762" algn="l">
+            <a:lvl4pPr marL="296863" algn="l">
               <a:spcBef>
                 <a:spcPts val="15000"/>
               </a:spcBef>
               <a:defRPr sz="12300"/>
             </a:lvl4pPr>
-            <a:lvl5pPr marL="296863" indent="1290637" algn="l">
+            <a:lvl5pPr marL="296863" algn="l">
               <a:spcBef>
                 <a:spcPts val="15000"/>
               </a:spcBef>
@@ -9922,8 +9872,8 @@
         </p:nvSpPr>
         <p:spPr>
           <a:xfrm>
-            <a:off x="1514053" y="2572206"/>
-            <a:ext cx="27247109" cy="10702926"/>
+            <a:off x="1514053" y="2572205"/>
+            <a:ext cx="27247109" cy="10702928"/>
           </a:xfrm>
           <a:prstGeom prst="rect">
             <a:avLst/>
@@ -9955,7 +9905,7 @@
         <p:spPr>
           <a:xfrm>
             <a:off x="1514053" y="14374091"/>
-            <a:ext cx="13376809" cy="5991197"/>
+            <a:ext cx="13376809" cy="5991199"/>
           </a:xfrm>
           <a:prstGeom prst="rect">
             <a:avLst/>
@@ -10037,8 +9987,8 @@
         </p:nvSpPr>
         <p:spPr>
           <a:xfrm>
-            <a:off x="15379972" y="14374091"/>
-            <a:ext cx="13381191" cy="5991197"/>
+            <a:off x="15379971" y="14374091"/>
+            <a:ext cx="13381194" cy="5991199"/>
           </a:xfrm>
           <a:prstGeom prst="rect">
             <a:avLst/>
@@ -10048,12 +9998,7 @@
           <a:bodyPr/>
           <a:lstStyle/>
           <a:p>
-            <a:pPr algn="l">
-              <a:spcBef>
-                <a:spcPts val="9400"/>
-              </a:spcBef>
-              <a:defRPr b="1" sz="2100"/>
-            </a:pPr>
+            <a:pPr/>
           </a:p>
         </p:txBody>
       </p:sp>
@@ -10116,7 +10061,7 @@
         <p:spPr>
           <a:xfrm>
             <a:off x="3294062" y="382588"/>
-            <a:ext cx="23687089" cy="19118263"/>
+            <a:ext cx="23687091" cy="19118263"/>
           </a:xfrm>
           <a:prstGeom prst="rect">
             <a:avLst/>
@@ -10244,7 +10189,7 @@
         <p:spPr>
           <a:xfrm>
             <a:off x="1514053" y="2556279"/>
-            <a:ext cx="9960336" cy="10882105"/>
+            <a:ext cx="9960338" cy="10882105"/>
           </a:xfrm>
           <a:prstGeom prst="rect">
             <a:avLst/>
@@ -10275,8 +10220,8 @@
         </p:nvSpPr>
         <p:spPr>
           <a:xfrm>
-            <a:off x="11836476" y="2556279"/>
-            <a:ext cx="16924686" cy="54808692"/>
+            <a:off x="11836475" y="2556279"/>
+            <a:ext cx="16924689" cy="54808692"/>
           </a:xfrm>
           <a:prstGeom prst="rect">
             <a:avLst/>
@@ -10291,25 +10236,25 @@
               </a:spcBef>
               <a:defRPr sz="2800"/>
             </a:lvl1pPr>
-            <a:lvl2pPr marL="296863" indent="100011" algn="l">
+            <a:lvl2pPr marL="296863" algn="l">
               <a:spcBef>
                 <a:spcPts val="9400"/>
               </a:spcBef>
               <a:defRPr sz="2800"/>
             </a:lvl2pPr>
-            <a:lvl3pPr marL="296863" indent="496887" algn="l">
+            <a:lvl3pPr marL="296863" algn="l">
               <a:spcBef>
                 <a:spcPts val="9400"/>
               </a:spcBef>
               <a:defRPr sz="2800"/>
             </a:lvl3pPr>
-            <a:lvl4pPr marL="296863" indent="893762" algn="l">
+            <a:lvl4pPr marL="296863" algn="l">
               <a:spcBef>
                 <a:spcPts val="9400"/>
               </a:spcBef>
               <a:defRPr sz="2800"/>
             </a:lvl4pPr>
-            <a:lvl5pPr marL="296863" indent="1290637" algn="l">
+            <a:lvl5pPr marL="296863" algn="l">
               <a:spcBef>
                 <a:spcPts val="9400"/>
               </a:spcBef>
@@ -10358,7 +10303,7 @@
         </p:nvSpPr>
         <p:spPr>
           <a:xfrm>
-            <a:off x="1514054" y="13438381"/>
+            <a:off x="1514054" y="13438382"/>
             <a:ext cx="9960335" cy="43926591"/>
           </a:xfrm>
           <a:prstGeom prst="rect">
@@ -10369,12 +10314,7 @@
           <a:bodyPr anchor="t"/>
           <a:lstStyle/>
           <a:p>
-            <a:pPr algn="l">
-              <a:spcBef>
-                <a:spcPts val="9400"/>
-              </a:spcBef>
-              <a:defRPr sz="1200"/>
-            </a:pPr>
+            <a:pPr/>
           </a:p>
         </p:txBody>
       </p:sp>
@@ -10437,7 +10377,7 @@
         <p:spPr>
           <a:xfrm>
             <a:off x="3294062" y="382588"/>
-            <a:ext cx="23687089" cy="19118263"/>
+            <a:ext cx="23687091" cy="19118263"/>
           </a:xfrm>
           <a:prstGeom prst="rect">
             <a:avLst/>
@@ -10469,7 +10409,7 @@
         <p:spPr>
           <a:xfrm>
             <a:off x="3294062" y="19078575"/>
-            <a:ext cx="23687089" cy="1270"/>
+            <a:ext cx="23687091" cy="1271"/>
           </a:xfrm>
           <a:prstGeom prst="rect">
             <a:avLst/>
@@ -10481,16 +10421,16 @@
             <a:lvl1pPr marL="296863" indent="-296863">
               <a:defRPr sz="13900"/>
             </a:lvl1pPr>
-            <a:lvl2pPr marL="296863" indent="100011">
+            <a:lvl2pPr marL="296863">
               <a:defRPr sz="13900"/>
             </a:lvl2pPr>
-            <a:lvl3pPr marL="296863" indent="496887">
+            <a:lvl3pPr marL="296863">
               <a:defRPr sz="13900"/>
             </a:lvl3pPr>
-            <a:lvl4pPr marL="296863" indent="893762">
+            <a:lvl4pPr marL="296863">
               <a:defRPr sz="13900"/>
             </a:lvl4pPr>
-            <a:lvl5pPr marL="296863" indent="1290637">
+            <a:lvl5pPr marL="296863">
               <a:defRPr sz="13900"/>
             </a:lvl5pPr>
           </a:lstStyle>
@@ -10585,7 +10525,7 @@
         <p:spPr>
           <a:xfrm>
             <a:off x="5933568" y="44952552"/>
-            <a:ext cx="18165712" cy="5306337"/>
+            <a:ext cx="18165712" cy="5306339"/>
           </a:xfrm>
           <a:prstGeom prst="rect">
             <a:avLst/>
@@ -10644,7 +10584,7 @@
         <p:spPr>
           <a:xfrm>
             <a:off x="5933568" y="50258888"/>
-            <a:ext cx="18165712" cy="7537440"/>
+            <a:ext cx="18165712" cy="7537442"/>
           </a:xfrm>
           <a:prstGeom prst="rect">
             <a:avLst/>
@@ -10775,7 +10715,7 @@
         <p:spPr>
           <a:xfrm>
             <a:off x="3294062" y="382588"/>
-            <a:ext cx="23687089" cy="19118263"/>
+            <a:ext cx="23687091" cy="19118263"/>
           </a:xfrm>
           <a:prstGeom prst="rect">
             <a:avLst/>
@@ -10807,7 +10747,7 @@
         <p:spPr>
           <a:xfrm>
             <a:off x="3294062" y="6391275"/>
-            <a:ext cx="23687089" cy="30095825"/>
+            <a:ext cx="23687091" cy="30095825"/>
           </a:xfrm>
           <a:prstGeom prst="rect">
             <a:avLst/>
@@ -10822,25 +10762,25 @@
               </a:spcBef>
               <a:defRPr sz="16300"/>
             </a:lvl1pPr>
-            <a:lvl2pPr marL="296863" indent="100011" algn="l">
+            <a:lvl2pPr marL="296863" algn="l">
               <a:spcBef>
                 <a:spcPts val="9400"/>
               </a:spcBef>
               <a:defRPr sz="16300"/>
             </a:lvl2pPr>
-            <a:lvl3pPr marL="296863" indent="496887" algn="l">
+            <a:lvl3pPr marL="296863" algn="l">
               <a:spcBef>
                 <a:spcPts val="9400"/>
               </a:spcBef>
               <a:defRPr sz="16300"/>
             </a:lvl3pPr>
-            <a:lvl4pPr marL="296863" indent="893762" algn="l">
+            <a:lvl4pPr marL="296863" algn="l">
               <a:spcBef>
                 <a:spcPts val="9400"/>
               </a:spcBef>
               <a:defRPr sz="16300"/>
             </a:lvl4pPr>
-            <a:lvl5pPr marL="296863" indent="1290637" algn="l">
+            <a:lvl5pPr marL="296863" algn="l">
               <a:spcBef>
                 <a:spcPts val="9400"/>
               </a:spcBef>
@@ -10938,7 +10878,7 @@
         <p:spPr>
           <a:xfrm>
             <a:off x="21059494" y="382249"/>
-            <a:ext cx="5921889" cy="36105118"/>
+            <a:ext cx="5921891" cy="36105118"/>
           </a:xfrm>
           <a:prstGeom prst="rect">
             <a:avLst/>
@@ -10985,25 +10925,25 @@
               </a:spcBef>
               <a:defRPr sz="16300"/>
             </a:lvl1pPr>
-            <a:lvl2pPr marL="296863" indent="100011" algn="l">
+            <a:lvl2pPr marL="296863" algn="l">
               <a:spcBef>
                 <a:spcPts val="9400"/>
               </a:spcBef>
               <a:defRPr sz="16300"/>
             </a:lvl2pPr>
-            <a:lvl3pPr marL="296863" indent="496887" algn="l">
+            <a:lvl3pPr marL="296863" algn="l">
               <a:spcBef>
                 <a:spcPts val="9400"/>
               </a:spcBef>
               <a:defRPr sz="16300"/>
             </a:lvl3pPr>
-            <a:lvl4pPr marL="296863" indent="893762" algn="l">
+            <a:lvl4pPr marL="296863" algn="l">
               <a:spcBef>
                 <a:spcPts val="9400"/>
               </a:spcBef>
               <a:defRPr sz="16300"/>
             </a:lvl4pPr>
-            <a:lvl5pPr marL="296863" indent="1290637" algn="l">
+            <a:lvl5pPr marL="296863" algn="l">
               <a:spcBef>
                 <a:spcPts val="9400"/>
               </a:spcBef>
@@ -11100,8 +11040,8 @@
         </p:nvSpPr>
         <p:spPr>
           <a:xfrm>
-            <a:off x="2270350" y="19948532"/>
-            <a:ext cx="25734516" cy="13766214"/>
+            <a:off x="2270349" y="19948532"/>
+            <a:ext cx="25734518" cy="13766217"/>
           </a:xfrm>
           <a:prstGeom prst="rect">
             <a:avLst/>
@@ -11133,7 +11073,7 @@
         <p:spPr>
           <a:xfrm>
             <a:off x="4540698" y="36390476"/>
-            <a:ext cx="21193818" cy="16410091"/>
+            <a:ext cx="21193820" cy="16410092"/>
           </a:xfrm>
           <a:prstGeom prst="rect">
             <a:avLst/>
@@ -11249,7 +11189,7 @@
         <p:spPr>
           <a:xfrm>
             <a:off x="3294062" y="8950325"/>
-            <a:ext cx="23687089" cy="19119850"/>
+            <a:ext cx="23687091" cy="19119850"/>
           </a:xfrm>
           <a:prstGeom prst="rect">
             <a:avLst/>
@@ -11281,7 +11221,7 @@
         <p:spPr>
           <a:xfrm>
             <a:off x="1892300" y="15230475"/>
-            <a:ext cx="26489025" cy="1270"/>
+            <a:ext cx="26489025" cy="1271"/>
           </a:xfrm>
           <a:prstGeom prst="rect">
             <a:avLst/>
@@ -11293,16 +11233,16 @@
             <a:lvl1pPr marL="296863" indent="-296863">
               <a:defRPr sz="13900"/>
             </a:lvl1pPr>
-            <a:lvl2pPr marL="296863" indent="100011">
+            <a:lvl2pPr marL="296863">
               <a:defRPr sz="13900"/>
             </a:lvl2pPr>
-            <a:lvl3pPr marL="296863" indent="496887">
+            <a:lvl3pPr marL="296863">
               <a:defRPr sz="13900"/>
             </a:lvl3pPr>
-            <a:lvl4pPr marL="296863" indent="893762">
+            <a:lvl4pPr marL="296863">
               <a:defRPr sz="13900"/>
             </a:lvl4pPr>
-            <a:lvl5pPr marL="296863" indent="1290637">
+            <a:lvl5pPr marL="296863">
               <a:defRPr sz="13900"/>
             </a:lvl5pPr>
           </a:lstStyle>
@@ -11517,7 +11457,7 @@
         <p:spPr>
           <a:xfrm>
             <a:off x="3294062" y="8950325"/>
-            <a:ext cx="23687089" cy="19119850"/>
+            <a:ext cx="23687091" cy="19119850"/>
           </a:xfrm>
           <a:prstGeom prst="rect">
             <a:avLst/>
@@ -11548,8 +11488,8 @@
         </p:nvSpPr>
         <p:spPr>
           <a:xfrm>
-            <a:off x="1892201" y="15230166"/>
-            <a:ext cx="13173867" cy="1271"/>
+            <a:off x="1892200" y="15230166"/>
+            <a:ext cx="13173869" cy="1273"/>
           </a:xfrm>
           <a:prstGeom prst="rect">
             <a:avLst/>
@@ -11561,16 +11501,16 @@
             <a:lvl1pPr marL="296863" indent="-296863">
               <a:defRPr sz="2400"/>
             </a:lvl1pPr>
-            <a:lvl2pPr marL="296863" indent="100011">
+            <a:lvl2pPr marL="296863">
               <a:defRPr sz="2400"/>
             </a:lvl2pPr>
-            <a:lvl3pPr marL="296863" indent="496887">
+            <a:lvl3pPr marL="296863">
               <a:defRPr sz="2400"/>
             </a:lvl3pPr>
-            <a:lvl4pPr marL="296863" indent="893762">
+            <a:lvl4pPr marL="296863">
               <a:defRPr sz="2400"/>
             </a:lvl4pPr>
-            <a:lvl5pPr marL="296863" indent="1290637">
+            <a:lvl5pPr marL="296863">
               <a:defRPr sz="2400"/>
             </a:lvl5pPr>
           </a:lstStyle>
@@ -11664,8 +11604,8 @@
         </p:nvSpPr>
         <p:spPr>
           <a:xfrm>
-            <a:off x="1514053" y="2572206"/>
-            <a:ext cx="27247109" cy="10702926"/>
+            <a:off x="1514053" y="2572205"/>
+            <a:ext cx="27247109" cy="10702928"/>
           </a:xfrm>
           <a:prstGeom prst="rect">
             <a:avLst/>
@@ -11697,7 +11637,7 @@
         <p:spPr>
           <a:xfrm>
             <a:off x="1514053" y="14374091"/>
-            <a:ext cx="13376809" cy="5991197"/>
+            <a:ext cx="13376809" cy="5991199"/>
           </a:xfrm>
           <a:prstGeom prst="rect">
             <a:avLst/>
@@ -11764,8 +11704,8 @@
         </p:nvSpPr>
         <p:spPr>
           <a:xfrm>
-            <a:off x="15379972" y="14374091"/>
-            <a:ext cx="13381191" cy="5991197"/>
+            <a:off x="15379971" y="14374091"/>
+            <a:ext cx="13381194" cy="5991199"/>
           </a:xfrm>
           <a:prstGeom prst="rect">
             <a:avLst/>
@@ -11775,9 +11715,7 @@
           <a:bodyPr/>
           <a:lstStyle/>
           <a:p>
-            <a:pPr>
-              <a:defRPr b="1" sz="2100"/>
-            </a:pPr>
+            <a:pPr/>
           </a:p>
         </p:txBody>
       </p:sp>
@@ -11840,7 +11778,7 @@
         <p:spPr>
           <a:xfrm>
             <a:off x="3294062" y="8950325"/>
-            <a:ext cx="23687089" cy="19119850"/>
+            <a:ext cx="23687091" cy="19119850"/>
           </a:xfrm>
           <a:prstGeom prst="rect">
             <a:avLst/>
@@ -12088,7 +12026,7 @@
         <p:spPr>
           <a:xfrm>
             <a:off x="1514053" y="2556279"/>
-            <a:ext cx="9960336" cy="10882105"/>
+            <a:ext cx="9960338" cy="10882105"/>
           </a:xfrm>
           <a:prstGeom prst="rect">
             <a:avLst/>
@@ -12119,8 +12057,8 @@
         </p:nvSpPr>
         <p:spPr>
           <a:xfrm>
-            <a:off x="11836476" y="2556279"/>
-            <a:ext cx="16924686" cy="54808692"/>
+            <a:off x="11836475" y="2556279"/>
+            <a:ext cx="16924689" cy="54808692"/>
           </a:xfrm>
           <a:prstGeom prst="rect">
             <a:avLst/>
@@ -12132,16 +12070,16 @@
             <a:lvl1pPr marL="296863" indent="-296863">
               <a:defRPr sz="2800"/>
             </a:lvl1pPr>
-            <a:lvl2pPr marL="296863" indent="100011">
+            <a:lvl2pPr marL="296863">
               <a:defRPr sz="2800"/>
             </a:lvl2pPr>
-            <a:lvl3pPr marL="296863" indent="496887">
+            <a:lvl3pPr marL="296863">
               <a:defRPr sz="2800"/>
             </a:lvl3pPr>
-            <a:lvl4pPr marL="296863" indent="893762">
+            <a:lvl4pPr marL="296863">
               <a:defRPr sz="2800"/>
             </a:lvl4pPr>
-            <a:lvl5pPr marL="296863" indent="1290637">
+            <a:lvl5pPr marL="296863">
               <a:defRPr sz="2800"/>
             </a:lvl5pPr>
           </a:lstStyle>
@@ -12187,7 +12125,7 @@
         </p:nvSpPr>
         <p:spPr>
           <a:xfrm>
-            <a:off x="1514054" y="13438381"/>
+            <a:off x="1514054" y="13438382"/>
             <a:ext cx="9960335" cy="43926591"/>
           </a:xfrm>
           <a:prstGeom prst="rect">
@@ -12198,9 +12136,7 @@
           <a:bodyPr anchor="t"/>
           <a:lstStyle/>
           <a:p>
-            <a:pPr>
-              <a:defRPr sz="1200"/>
-            </a:pPr>
+            <a:pPr/>
           </a:p>
         </p:txBody>
       </p:sp>
@@ -12263,7 +12199,7 @@
         <p:spPr>
           <a:xfrm>
             <a:off x="5933568" y="44952552"/>
-            <a:ext cx="18165712" cy="5306337"/>
+            <a:ext cx="18165712" cy="5306339"/>
           </a:xfrm>
           <a:prstGeom prst="rect">
             <a:avLst/>
@@ -12322,7 +12258,7 @@
         <p:spPr>
           <a:xfrm>
             <a:off x="5933568" y="50258888"/>
-            <a:ext cx="18165712" cy="7537440"/>
+            <a:ext cx="18165712" cy="7537442"/>
           </a:xfrm>
           <a:prstGeom prst="rect">
             <a:avLst/>
@@ -12438,7 +12374,7 @@
         <p:spPr>
           <a:xfrm>
             <a:off x="3294062" y="8950325"/>
-            <a:ext cx="23687089" cy="19119850"/>
+            <a:ext cx="23687091" cy="19119850"/>
           </a:xfrm>
           <a:prstGeom prst="rect">
             <a:avLst/>
@@ -12470,7 +12406,7 @@
         <p:spPr>
           <a:xfrm>
             <a:off x="1892300" y="15230475"/>
-            <a:ext cx="26489025" cy="1270"/>
+            <a:ext cx="26489025" cy="1271"/>
           </a:xfrm>
           <a:prstGeom prst="rect">
             <a:avLst/>
@@ -12482,16 +12418,16 @@
             <a:lvl1pPr marL="296863" indent="-296863">
               <a:defRPr sz="13900"/>
             </a:lvl1pPr>
-            <a:lvl2pPr marL="296863" indent="100011">
+            <a:lvl2pPr marL="296863">
               <a:defRPr sz="13900"/>
             </a:lvl2pPr>
-            <a:lvl3pPr marL="296863" indent="496887">
+            <a:lvl3pPr marL="296863">
               <a:defRPr sz="13900"/>
             </a:lvl3pPr>
-            <a:lvl4pPr marL="296863" indent="893762">
+            <a:lvl4pPr marL="296863">
               <a:defRPr sz="13900"/>
             </a:lvl4pPr>
-            <a:lvl5pPr marL="296863" indent="1290637">
+            <a:lvl5pPr marL="296863">
               <a:defRPr sz="13900"/>
             </a:lvl5pPr>
           </a:lstStyle>
@@ -12586,7 +12522,7 @@
         <p:spPr>
           <a:xfrm>
             <a:off x="21760310" y="8950959"/>
-            <a:ext cx="6621244" cy="19119004"/>
+            <a:ext cx="6621246" cy="19119004"/>
           </a:xfrm>
           <a:prstGeom prst="rect">
             <a:avLst/>
@@ -12630,16 +12566,16 @@
             <a:lvl1pPr marL="296863" indent="-296863">
               <a:defRPr sz="13900"/>
             </a:lvl1pPr>
-            <a:lvl2pPr marL="296863" indent="100011">
+            <a:lvl2pPr marL="296863">
               <a:defRPr sz="13900"/>
             </a:lvl2pPr>
-            <a:lvl3pPr marL="296863" indent="496887">
+            <a:lvl3pPr marL="296863">
               <a:defRPr sz="13900"/>
             </a:lvl3pPr>
-            <a:lvl4pPr marL="296863" indent="893762">
+            <a:lvl4pPr marL="296863">
               <a:defRPr sz="13900"/>
             </a:lvl4pPr>
-            <a:lvl5pPr marL="296863" indent="1290637">
+            <a:lvl5pPr marL="296863">
               <a:defRPr sz="13900"/>
             </a:lvl5pPr>
           </a:lstStyle>
@@ -12733,8 +12669,8 @@
         </p:nvSpPr>
         <p:spPr>
           <a:xfrm>
-            <a:off x="2270350" y="19948532"/>
-            <a:ext cx="25734516" cy="13766214"/>
+            <a:off x="2270349" y="19948532"/>
+            <a:ext cx="25734518" cy="13766217"/>
           </a:xfrm>
           <a:prstGeom prst="rect">
             <a:avLst/>
@@ -12766,7 +12702,7 @@
         <p:spPr>
           <a:xfrm>
             <a:off x="4540698" y="36390476"/>
-            <a:ext cx="21193818" cy="16410091"/>
+            <a:ext cx="21193820" cy="16410092"/>
           </a:xfrm>
           <a:prstGeom prst="rect">
             <a:avLst/>
@@ -12929,7 +12865,7 @@
         <p:spPr>
           <a:xfrm>
             <a:off x="3294062" y="3594100"/>
-            <a:ext cx="23687089" cy="30097413"/>
+            <a:ext cx="23687091" cy="30097413"/>
           </a:xfrm>
           <a:prstGeom prst="rect">
             <a:avLst/>
@@ -12944,25 +12880,25 @@
               </a:spcBef>
               <a:defRPr sz="16300"/>
             </a:lvl1pPr>
-            <a:lvl2pPr marL="296863" indent="100011" algn="l">
+            <a:lvl2pPr marL="296863" algn="l">
               <a:spcBef>
                 <a:spcPts val="3900"/>
               </a:spcBef>
               <a:defRPr sz="16300"/>
             </a:lvl2pPr>
-            <a:lvl3pPr marL="296863" indent="496887" algn="l">
+            <a:lvl3pPr marL="296863" algn="l">
               <a:spcBef>
                 <a:spcPts val="3900"/>
               </a:spcBef>
               <a:defRPr sz="16300"/>
             </a:lvl3pPr>
-            <a:lvl4pPr marL="296863" indent="893762" algn="l">
+            <a:lvl4pPr marL="296863" algn="l">
               <a:spcBef>
                 <a:spcPts val="3900"/>
               </a:spcBef>
               <a:defRPr sz="16300"/>
             </a:lvl4pPr>
-            <a:lvl5pPr marL="296863" indent="1290637" algn="l">
+            <a:lvl5pPr marL="296863" algn="l">
               <a:spcBef>
                 <a:spcPts val="3900"/>
               </a:spcBef>
@@ -13253,25 +13189,25 @@
               </a:spcBef>
               <a:defRPr sz="2400"/>
             </a:lvl1pPr>
-            <a:lvl2pPr marL="296863" indent="100011" algn="l">
+            <a:lvl2pPr marL="296863" algn="l">
               <a:spcBef>
                 <a:spcPts val="500"/>
               </a:spcBef>
               <a:defRPr sz="2400"/>
             </a:lvl2pPr>
-            <a:lvl3pPr marL="296863" indent="496887" algn="l">
+            <a:lvl3pPr marL="296863" algn="l">
               <a:spcBef>
                 <a:spcPts val="500"/>
               </a:spcBef>
               <a:defRPr sz="2400"/>
             </a:lvl3pPr>
-            <a:lvl4pPr marL="296863" indent="893762" algn="l">
+            <a:lvl4pPr marL="296863" algn="l">
               <a:spcBef>
                 <a:spcPts val="500"/>
               </a:spcBef>
               <a:defRPr sz="2400"/>
             </a:lvl4pPr>
-            <a:lvl5pPr marL="296863" indent="1290637" algn="l">
+            <a:lvl5pPr marL="296863" algn="l">
               <a:spcBef>
                 <a:spcPts val="500"/>
               </a:spcBef>
@@ -13368,8 +13304,8 @@
         </p:nvSpPr>
         <p:spPr>
           <a:xfrm>
-            <a:off x="1514053" y="2572206"/>
-            <a:ext cx="27247109" cy="10702926"/>
+            <a:off x="1514053" y="2572205"/>
+            <a:ext cx="27247109" cy="10702928"/>
           </a:xfrm>
           <a:prstGeom prst="rect">
             <a:avLst/>
@@ -13401,7 +13337,7 @@
         <p:spPr>
           <a:xfrm>
             <a:off x="1514053" y="14374091"/>
-            <a:ext cx="13376809" cy="5991197"/>
+            <a:ext cx="13376809" cy="5991199"/>
           </a:xfrm>
           <a:prstGeom prst="rect">
             <a:avLst/>
@@ -13483,8 +13419,8 @@
         </p:nvSpPr>
         <p:spPr>
           <a:xfrm>
-            <a:off x="15379972" y="14374091"/>
-            <a:ext cx="13381191" cy="5991197"/>
+            <a:off x="15379971" y="14374091"/>
+            <a:ext cx="13381194" cy="5991199"/>
           </a:xfrm>
           <a:prstGeom prst="rect">
             <a:avLst/>
@@ -13494,12 +13430,7 @@
           <a:bodyPr/>
           <a:lstStyle/>
           <a:p>
-            <a:pPr algn="l">
-              <a:spcBef>
-                <a:spcPts val="500"/>
-              </a:spcBef>
-              <a:defRPr b="1" sz="2100"/>
-            </a:pPr>
+            <a:pPr/>
           </a:p>
         </p:txBody>
       </p:sp>
@@ -13642,7 +13573,7 @@
         <p:spPr>
           <a:xfrm>
             <a:off x="3294062" y="382588"/>
-            <a:ext cx="23687089" cy="19118263"/>
+            <a:ext cx="23687091" cy="19118263"/>
           </a:xfrm>
           <a:prstGeom prst="rect">
             <a:avLst/>
@@ -13674,7 +13605,7 @@
         <p:spPr>
           <a:xfrm>
             <a:off x="3293831" y="19077858"/>
-            <a:ext cx="11773694" cy="1271"/>
+            <a:ext cx="11773694" cy="1273"/>
           </a:xfrm>
           <a:prstGeom prst="rect">
             <a:avLst/>
@@ -13686,16 +13617,16 @@
             <a:lvl1pPr marL="296863" indent="-296863">
               <a:defRPr sz="2400"/>
             </a:lvl1pPr>
-            <a:lvl2pPr marL="296863" indent="100011">
+            <a:lvl2pPr marL="296863">
               <a:defRPr sz="2400"/>
             </a:lvl2pPr>
-            <a:lvl3pPr marL="296863" indent="496887">
+            <a:lvl3pPr marL="296863">
               <a:defRPr sz="2400"/>
             </a:lvl3pPr>
-            <a:lvl4pPr marL="296863" indent="893762">
+            <a:lvl4pPr marL="296863">
               <a:defRPr sz="2400"/>
             </a:lvl4pPr>
-            <a:lvl5pPr marL="296863" indent="1290637">
+            <a:lvl5pPr marL="296863">
               <a:defRPr sz="2400"/>
             </a:lvl5pPr>
           </a:lstStyle>
@@ -13838,7 +13769,7 @@
         <p:spPr>
           <a:xfrm>
             <a:off x="1514053" y="2556279"/>
-            <a:ext cx="9960336" cy="10882105"/>
+            <a:ext cx="9960338" cy="10882105"/>
           </a:xfrm>
           <a:prstGeom prst="rect">
             <a:avLst/>
@@ -13869,8 +13800,8 @@
         </p:nvSpPr>
         <p:spPr>
           <a:xfrm>
-            <a:off x="11836476" y="2556279"/>
-            <a:ext cx="16924686" cy="54808692"/>
+            <a:off x="11836475" y="2556279"/>
+            <a:ext cx="16924689" cy="54808692"/>
           </a:xfrm>
           <a:prstGeom prst="rect">
             <a:avLst/>
@@ -13885,25 +13816,25 @@
               </a:spcBef>
               <a:defRPr sz="2800"/>
             </a:lvl1pPr>
-            <a:lvl2pPr marL="296863" indent="100011" algn="l">
+            <a:lvl2pPr marL="296863" algn="l">
               <a:spcBef>
                 <a:spcPts val="600"/>
               </a:spcBef>
               <a:defRPr sz="2800"/>
             </a:lvl2pPr>
-            <a:lvl3pPr marL="296863" indent="496887" algn="l">
+            <a:lvl3pPr marL="296863" algn="l">
               <a:spcBef>
                 <a:spcPts val="600"/>
               </a:spcBef>
               <a:defRPr sz="2800"/>
             </a:lvl3pPr>
-            <a:lvl4pPr marL="296863" indent="893762" algn="l">
+            <a:lvl4pPr marL="296863" algn="l">
               <a:spcBef>
                 <a:spcPts val="600"/>
               </a:spcBef>
               <a:defRPr sz="2800"/>
             </a:lvl4pPr>
-            <a:lvl5pPr marL="296863" indent="1290637" algn="l">
+            <a:lvl5pPr marL="296863" algn="l">
               <a:spcBef>
                 <a:spcPts val="600"/>
               </a:spcBef>
@@ -13952,7 +13883,7 @@
         </p:nvSpPr>
         <p:spPr>
           <a:xfrm>
-            <a:off x="1514054" y="13438381"/>
+            <a:off x="1514054" y="13438382"/>
             <a:ext cx="9960335" cy="43926591"/>
           </a:xfrm>
           <a:prstGeom prst="rect">
@@ -13963,12 +13894,7 @@
           <a:bodyPr anchor="t"/>
           <a:lstStyle/>
           <a:p>
-            <a:pPr algn="l">
-              <a:spcBef>
-                <a:spcPts val="200"/>
-              </a:spcBef>
-              <a:defRPr sz="1200"/>
-            </a:pPr>
+            <a:pPr/>
           </a:p>
         </p:txBody>
       </p:sp>
@@ -14031,7 +13957,7 @@
         <p:spPr>
           <a:xfrm>
             <a:off x="5933568" y="44952552"/>
-            <a:ext cx="18165712" cy="5306337"/>
+            <a:ext cx="18165712" cy="5306339"/>
           </a:xfrm>
           <a:prstGeom prst="rect">
             <a:avLst/>
@@ -14090,7 +14016,7 @@
         <p:spPr>
           <a:xfrm>
             <a:off x="5933568" y="50258888"/>
-            <a:ext cx="18165712" cy="7537440"/>
+            <a:ext cx="18165712" cy="7537442"/>
           </a:xfrm>
           <a:prstGeom prst="rect">
             <a:avLst/>
@@ -14253,7 +14179,7 @@
         <p:spPr>
           <a:xfrm>
             <a:off x="3294062" y="3594100"/>
-            <a:ext cx="23687089" cy="30097413"/>
+            <a:ext cx="23687091" cy="30097413"/>
           </a:xfrm>
           <a:prstGeom prst="rect">
             <a:avLst/>
@@ -14268,25 +14194,25 @@
               </a:spcBef>
               <a:defRPr sz="16300"/>
             </a:lvl1pPr>
-            <a:lvl2pPr marL="296863" indent="100011" algn="l">
+            <a:lvl2pPr marL="296863" algn="l">
               <a:spcBef>
                 <a:spcPts val="3900"/>
               </a:spcBef>
               <a:defRPr sz="16300"/>
             </a:lvl2pPr>
-            <a:lvl3pPr marL="296863" indent="496887" algn="l">
+            <a:lvl3pPr marL="296863" algn="l">
               <a:spcBef>
                 <a:spcPts val="3900"/>
               </a:spcBef>
               <a:defRPr sz="16300"/>
             </a:lvl3pPr>
-            <a:lvl4pPr marL="296863" indent="893762" algn="l">
+            <a:lvl4pPr marL="296863" algn="l">
               <a:spcBef>
                 <a:spcPts val="3900"/>
               </a:spcBef>
               <a:defRPr sz="16300"/>
             </a:lvl4pPr>
-            <a:lvl5pPr marL="296863" indent="1290637" algn="l">
+            <a:lvl5pPr marL="296863" algn="l">
               <a:spcBef>
                 <a:spcPts val="3900"/>
               </a:spcBef>
@@ -14383,8 +14309,8 @@
         </p:nvSpPr>
         <p:spPr>
           <a:xfrm>
-            <a:off x="21760310" y="2913310"/>
-            <a:ext cx="6621244" cy="30777546"/>
+            <a:off x="21760310" y="2913308"/>
+            <a:ext cx="6621246" cy="30777546"/>
           </a:xfrm>
           <a:prstGeom prst="rect">
             <a:avLst/>
@@ -14415,7 +14341,7 @@
         </p:nvSpPr>
         <p:spPr>
           <a:xfrm>
-            <a:off x="1892200" y="2913310"/>
+            <a:off x="1892200" y="2913308"/>
             <a:ext cx="19727948" cy="30777546"/>
           </a:xfrm>
           <a:prstGeom prst="rect">
@@ -14431,25 +14357,25 @@
               </a:spcBef>
               <a:defRPr sz="16300"/>
             </a:lvl1pPr>
-            <a:lvl2pPr marL="296863" indent="100011" algn="l">
+            <a:lvl2pPr marL="296863" algn="l">
               <a:spcBef>
                 <a:spcPts val="3900"/>
               </a:spcBef>
               <a:defRPr sz="16300"/>
             </a:lvl2pPr>
-            <a:lvl3pPr marL="296863" indent="496887" algn="l">
+            <a:lvl3pPr marL="296863" algn="l">
               <a:spcBef>
                 <a:spcPts val="3900"/>
               </a:spcBef>
               <a:defRPr sz="16300"/>
             </a:lvl3pPr>
-            <a:lvl4pPr marL="296863" indent="893762" algn="l">
+            <a:lvl4pPr marL="296863" algn="l">
               <a:spcBef>
                 <a:spcPts val="3900"/>
               </a:spcBef>
               <a:defRPr sz="16300"/>
             </a:lvl4pPr>
-            <a:lvl5pPr marL="296863" indent="1290637" algn="l">
+            <a:lvl5pPr marL="296863" algn="l">
               <a:spcBef>
                 <a:spcPts val="3900"/>
               </a:spcBef>
@@ -14546,8 +14472,8 @@
         </p:nvSpPr>
         <p:spPr>
           <a:xfrm>
-            <a:off x="2270350" y="19948532"/>
-            <a:ext cx="25734516" cy="13766214"/>
+            <a:off x="2270349" y="19948532"/>
+            <a:ext cx="25734518" cy="13766217"/>
           </a:xfrm>
           <a:prstGeom prst="rect">
             <a:avLst/>
@@ -14579,7 +14505,7 @@
         <p:spPr>
           <a:xfrm>
             <a:off x="4540698" y="36390476"/>
-            <a:ext cx="21193818" cy="16410091"/>
+            <a:ext cx="21193820" cy="16410092"/>
           </a:xfrm>
           <a:prstGeom prst="rect">
             <a:avLst/>
@@ -14695,7 +14621,7 @@
         <p:spPr>
           <a:xfrm>
             <a:off x="3294062" y="21369337"/>
-            <a:ext cx="23687089" cy="19118263"/>
+            <a:ext cx="23687091" cy="19118263"/>
           </a:xfrm>
           <a:prstGeom prst="rect">
             <a:avLst/>
@@ -14727,7 +14653,7 @@
         <p:spPr>
           <a:xfrm>
             <a:off x="1892300" y="15230475"/>
-            <a:ext cx="26489025" cy="1270"/>
+            <a:ext cx="26489025" cy="1271"/>
           </a:xfrm>
           <a:prstGeom prst="rect">
             <a:avLst/>
@@ -14739,16 +14665,16 @@
             <a:lvl1pPr marL="296863" indent="-296863">
               <a:defRPr sz="13900"/>
             </a:lvl1pPr>
-            <a:lvl2pPr marL="296863" indent="100011">
+            <a:lvl2pPr marL="296863">
               <a:defRPr sz="13900"/>
             </a:lvl2pPr>
-            <a:lvl3pPr marL="296863" indent="496887">
+            <a:lvl3pPr marL="296863">
               <a:defRPr sz="13900"/>
             </a:lvl3pPr>
-            <a:lvl4pPr marL="296863" indent="893762">
+            <a:lvl4pPr marL="296863">
               <a:defRPr sz="13900"/>
             </a:lvl4pPr>
-            <a:lvl5pPr marL="296863" indent="1290637">
+            <a:lvl5pPr marL="296863">
               <a:defRPr sz="13900"/>
             </a:lvl5pPr>
           </a:lstStyle>
@@ -14963,7 +14889,7 @@
         <p:spPr>
           <a:xfrm>
             <a:off x="3294062" y="21369337"/>
-            <a:ext cx="23687089" cy="19118263"/>
+            <a:ext cx="23687091" cy="19118263"/>
           </a:xfrm>
           <a:prstGeom prst="rect">
             <a:avLst/>
@@ -14994,8 +14920,8 @@
         </p:nvSpPr>
         <p:spPr>
           <a:xfrm>
-            <a:off x="1892201" y="15230166"/>
-            <a:ext cx="13173867" cy="1271"/>
+            <a:off x="1892200" y="15230166"/>
+            <a:ext cx="13173869" cy="1273"/>
           </a:xfrm>
           <a:prstGeom prst="rect">
             <a:avLst/>
@@ -15007,16 +14933,16 @@
             <a:lvl1pPr marL="296863" indent="-296863">
               <a:defRPr sz="2400"/>
             </a:lvl1pPr>
-            <a:lvl2pPr marL="296863" indent="100011">
+            <a:lvl2pPr marL="296863">
               <a:defRPr sz="2400"/>
             </a:lvl2pPr>
-            <a:lvl3pPr marL="296863" indent="496887">
+            <a:lvl3pPr marL="296863">
               <a:defRPr sz="2400"/>
             </a:lvl3pPr>
-            <a:lvl4pPr marL="296863" indent="893762">
+            <a:lvl4pPr marL="296863">
               <a:defRPr sz="2400"/>
             </a:lvl4pPr>
-            <a:lvl5pPr marL="296863" indent="1290637">
+            <a:lvl5pPr marL="296863">
               <a:defRPr sz="2400"/>
             </a:lvl5pPr>
           </a:lstStyle>
@@ -15110,8 +15036,8 @@
         </p:nvSpPr>
         <p:spPr>
           <a:xfrm>
-            <a:off x="1514053" y="2572206"/>
-            <a:ext cx="27247109" cy="10702926"/>
+            <a:off x="1514053" y="2572205"/>
+            <a:ext cx="27247109" cy="10702928"/>
           </a:xfrm>
           <a:prstGeom prst="rect">
             <a:avLst/>
@@ -15143,7 +15069,7 @@
         <p:spPr>
           <a:xfrm>
             <a:off x="1514053" y="14374091"/>
-            <a:ext cx="13376809" cy="5991197"/>
+            <a:ext cx="13376809" cy="5991199"/>
           </a:xfrm>
           <a:prstGeom prst="rect">
             <a:avLst/>
@@ -15210,8 +15136,8 @@
         </p:nvSpPr>
         <p:spPr>
           <a:xfrm>
-            <a:off x="15379972" y="14374091"/>
-            <a:ext cx="13381191" cy="5991197"/>
+            <a:off x="15379971" y="14374091"/>
+            <a:ext cx="13381194" cy="5991199"/>
           </a:xfrm>
           <a:prstGeom prst="rect">
             <a:avLst/>
@@ -15221,9 +15147,7 @@
           <a:bodyPr/>
           <a:lstStyle/>
           <a:p>
-            <a:pPr>
-              <a:defRPr b="1" sz="2100"/>
-            </a:pPr>
+            <a:pPr/>
           </a:p>
         </p:txBody>
       </p:sp>
@@ -15285,8 +15209,8 @@
         </p:nvSpPr>
         <p:spPr>
           <a:xfrm>
-            <a:off x="1514053" y="2572206"/>
-            <a:ext cx="27247109" cy="10702926"/>
+            <a:off x="1514053" y="2572205"/>
+            <a:ext cx="27247109" cy="10702928"/>
           </a:xfrm>
           <a:prstGeom prst="rect">
             <a:avLst/>
@@ -15318,7 +15242,7 @@
         <p:spPr>
           <a:xfrm>
             <a:off x="1514053" y="14374091"/>
-            <a:ext cx="13376809" cy="5991197"/>
+            <a:ext cx="13376809" cy="5991199"/>
           </a:xfrm>
           <a:prstGeom prst="rect">
             <a:avLst/>
@@ -15385,8 +15309,8 @@
         </p:nvSpPr>
         <p:spPr>
           <a:xfrm>
-            <a:off x="15379972" y="14374091"/>
-            <a:ext cx="13381191" cy="5991197"/>
+            <a:off x="15379971" y="14374091"/>
+            <a:ext cx="13381194" cy="5991199"/>
           </a:xfrm>
           <a:prstGeom prst="rect">
             <a:avLst/>
@@ -15396,9 +15320,7 @@
           <a:bodyPr/>
           <a:lstStyle/>
           <a:p>
-            <a:pPr>
-              <a:defRPr b="1" sz="2100"/>
-            </a:pPr>
+            <a:pPr/>
           </a:p>
         </p:txBody>
       </p:sp>
@@ -15461,7 +15383,7 @@
         <p:spPr>
           <a:xfrm>
             <a:off x="3294062" y="21369337"/>
-            <a:ext cx="23687089" cy="19118263"/>
+            <a:ext cx="23687091" cy="19118263"/>
           </a:xfrm>
           <a:prstGeom prst="rect">
             <a:avLst/>
@@ -15589,7 +15511,7 @@
         <p:spPr>
           <a:xfrm>
             <a:off x="1514053" y="2556279"/>
-            <a:ext cx="9960336" cy="10882105"/>
+            <a:ext cx="9960338" cy="10882105"/>
           </a:xfrm>
           <a:prstGeom prst="rect">
             <a:avLst/>
@@ -15620,8 +15542,8 @@
         </p:nvSpPr>
         <p:spPr>
           <a:xfrm>
-            <a:off x="11836476" y="2556279"/>
-            <a:ext cx="16924686" cy="54808692"/>
+            <a:off x="11836475" y="2556279"/>
+            <a:ext cx="16924689" cy="54808692"/>
           </a:xfrm>
           <a:prstGeom prst="rect">
             <a:avLst/>
@@ -15633,16 +15555,16 @@
             <a:lvl1pPr marL="296863" indent="-296863">
               <a:defRPr sz="2800"/>
             </a:lvl1pPr>
-            <a:lvl2pPr marL="296863" indent="100011">
+            <a:lvl2pPr marL="296863">
               <a:defRPr sz="2800"/>
             </a:lvl2pPr>
-            <a:lvl3pPr marL="296863" indent="496887">
+            <a:lvl3pPr marL="296863">
               <a:defRPr sz="2800"/>
             </a:lvl3pPr>
-            <a:lvl4pPr marL="296863" indent="893762">
+            <a:lvl4pPr marL="296863">
               <a:defRPr sz="2800"/>
             </a:lvl4pPr>
-            <a:lvl5pPr marL="296863" indent="1290637">
+            <a:lvl5pPr marL="296863">
               <a:defRPr sz="2800"/>
             </a:lvl5pPr>
           </a:lstStyle>
@@ -15688,7 +15610,7 @@
         </p:nvSpPr>
         <p:spPr>
           <a:xfrm>
-            <a:off x="1514054" y="13438381"/>
+            <a:off x="1514054" y="13438382"/>
             <a:ext cx="9960335" cy="43926591"/>
           </a:xfrm>
           <a:prstGeom prst="rect">
@@ -15699,9 +15621,7 @@
           <a:bodyPr anchor="t"/>
           <a:lstStyle/>
           <a:p>
-            <a:pPr>
-              <a:defRPr sz="1200"/>
-            </a:pPr>
+            <a:pPr/>
           </a:p>
         </p:txBody>
       </p:sp>
@@ -15764,7 +15684,7 @@
         <p:spPr>
           <a:xfrm>
             <a:off x="5933568" y="44952552"/>
-            <a:ext cx="18165712" cy="5306337"/>
+            <a:ext cx="18165712" cy="5306339"/>
           </a:xfrm>
           <a:prstGeom prst="rect">
             <a:avLst/>
@@ -15823,7 +15743,7 @@
         <p:spPr>
           <a:xfrm>
             <a:off x="5933568" y="50258888"/>
-            <a:ext cx="18165712" cy="7537440"/>
+            <a:ext cx="18165712" cy="7537442"/>
           </a:xfrm>
           <a:prstGeom prst="rect">
             <a:avLst/>
@@ -15939,7 +15859,7 @@
         <p:spPr>
           <a:xfrm>
             <a:off x="3294062" y="21369337"/>
-            <a:ext cx="23687089" cy="19118263"/>
+            <a:ext cx="23687091" cy="19118263"/>
           </a:xfrm>
           <a:prstGeom prst="rect">
             <a:avLst/>
@@ -15971,7 +15891,7 @@
         <p:spPr>
           <a:xfrm>
             <a:off x="1892300" y="15230475"/>
-            <a:ext cx="26489025" cy="1270"/>
+            <a:ext cx="26489025" cy="1271"/>
           </a:xfrm>
           <a:prstGeom prst="rect">
             <a:avLst/>
@@ -15983,16 +15903,16 @@
             <a:lvl1pPr marL="296863" indent="-296863">
               <a:defRPr sz="13900"/>
             </a:lvl1pPr>
-            <a:lvl2pPr marL="296863" indent="100011">
+            <a:lvl2pPr marL="296863">
               <a:defRPr sz="13900"/>
             </a:lvl2pPr>
-            <a:lvl3pPr marL="296863" indent="496887">
+            <a:lvl3pPr marL="296863">
               <a:defRPr sz="13900"/>
             </a:lvl3pPr>
-            <a:lvl4pPr marL="296863" indent="893762">
+            <a:lvl4pPr marL="296863">
               <a:defRPr sz="13900"/>
             </a:lvl4pPr>
-            <a:lvl5pPr marL="296863" indent="1290637">
+            <a:lvl5pPr marL="296863">
               <a:defRPr sz="13900"/>
             </a:lvl5pPr>
           </a:lstStyle>
@@ -16087,7 +16007,7 @@
         <p:spPr>
           <a:xfrm>
             <a:off x="21760310" y="15230168"/>
-            <a:ext cx="6621244" cy="25257524"/>
+            <a:ext cx="6621246" cy="25257524"/>
           </a:xfrm>
           <a:prstGeom prst="rect">
             <a:avLst/>
@@ -16131,16 +16051,16 @@
             <a:lvl1pPr marL="296863" indent="-296863">
               <a:defRPr sz="13900"/>
             </a:lvl1pPr>
-            <a:lvl2pPr marL="296863" indent="100011">
+            <a:lvl2pPr marL="296863">
               <a:defRPr sz="13900"/>
             </a:lvl2pPr>
-            <a:lvl3pPr marL="296863" indent="496887">
+            <a:lvl3pPr marL="296863">
               <a:defRPr sz="13900"/>
             </a:lvl3pPr>
-            <a:lvl4pPr marL="296863" indent="893762">
+            <a:lvl4pPr marL="296863">
               <a:defRPr sz="13900"/>
             </a:lvl4pPr>
-            <a:lvl5pPr marL="296863" indent="1290637">
+            <a:lvl5pPr marL="296863">
               <a:defRPr sz="13900"/>
             </a:lvl5pPr>
           </a:lstStyle>
@@ -16234,8 +16154,8 @@
         </p:nvSpPr>
         <p:spPr>
           <a:xfrm>
-            <a:off x="2270350" y="19948532"/>
-            <a:ext cx="25734516" cy="13766214"/>
+            <a:off x="2270349" y="19948532"/>
+            <a:ext cx="25734518" cy="13766217"/>
           </a:xfrm>
           <a:prstGeom prst="rect">
             <a:avLst/>
@@ -16267,7 +16187,7 @@
         <p:spPr>
           <a:xfrm>
             <a:off x="4540698" y="36390476"/>
-            <a:ext cx="21193818" cy="16410091"/>
+            <a:ext cx="21193820" cy="16410092"/>
           </a:xfrm>
           <a:prstGeom prst="rect">
             <a:avLst/>
@@ -16383,7 +16303,7 @@
         <p:spPr>
           <a:xfrm>
             <a:off x="3294062" y="21369337"/>
-            <a:ext cx="23687089" cy="19118263"/>
+            <a:ext cx="23687091" cy="19118263"/>
           </a:xfrm>
           <a:prstGeom prst="rect">
             <a:avLst/>
@@ -16415,7 +16335,7 @@
         <p:spPr>
           <a:xfrm>
             <a:off x="1892300" y="15230475"/>
-            <a:ext cx="26489025" cy="1270"/>
+            <a:ext cx="26489025" cy="1271"/>
           </a:xfrm>
           <a:prstGeom prst="rect">
             <a:avLst/>
@@ -16427,16 +16347,16 @@
             <a:lvl1pPr marL="296863" indent="-296863">
               <a:defRPr sz="13900"/>
             </a:lvl1pPr>
-            <a:lvl2pPr marL="296863" indent="100011">
+            <a:lvl2pPr marL="296863">
               <a:defRPr sz="13900"/>
             </a:lvl2pPr>
-            <a:lvl3pPr marL="296863" indent="496887">
+            <a:lvl3pPr marL="296863">
               <a:defRPr sz="13900"/>
             </a:lvl3pPr>
-            <a:lvl4pPr marL="296863" indent="893762">
+            <a:lvl4pPr marL="296863">
               <a:defRPr sz="13900"/>
             </a:lvl4pPr>
-            <a:lvl5pPr marL="296863" indent="1290637">
+            <a:lvl5pPr marL="296863">
               <a:defRPr sz="13900"/>
             </a:lvl5pPr>
           </a:lstStyle>
@@ -16651,7 +16571,7 @@
         <p:spPr>
           <a:xfrm>
             <a:off x="3294062" y="21369337"/>
-            <a:ext cx="23687089" cy="19118263"/>
+            <a:ext cx="23687091" cy="19118263"/>
           </a:xfrm>
           <a:prstGeom prst="rect">
             <a:avLst/>
@@ -16682,8 +16602,8 @@
         </p:nvSpPr>
         <p:spPr>
           <a:xfrm>
-            <a:off x="1892201" y="15230166"/>
-            <a:ext cx="13173867" cy="1271"/>
+            <a:off x="1892200" y="15230166"/>
+            <a:ext cx="13173869" cy="1273"/>
           </a:xfrm>
           <a:prstGeom prst="rect">
             <a:avLst/>
@@ -16695,16 +16615,16 @@
             <a:lvl1pPr marL="296863" indent="-296863">
               <a:defRPr sz="2400"/>
             </a:lvl1pPr>
-            <a:lvl2pPr marL="296863" indent="100011">
+            <a:lvl2pPr marL="296863">
               <a:defRPr sz="2400"/>
             </a:lvl2pPr>
-            <a:lvl3pPr marL="296863" indent="496887">
+            <a:lvl3pPr marL="296863">
               <a:defRPr sz="2400"/>
             </a:lvl3pPr>
-            <a:lvl4pPr marL="296863" indent="893762">
+            <a:lvl4pPr marL="296863">
               <a:defRPr sz="2400"/>
             </a:lvl4pPr>
-            <a:lvl5pPr marL="296863" indent="1290637">
+            <a:lvl5pPr marL="296863">
               <a:defRPr sz="2400"/>
             </a:lvl5pPr>
           </a:lstStyle>
@@ -16799,7 +16719,7 @@
         <p:spPr>
           <a:xfrm>
             <a:off x="3294062" y="382588"/>
-            <a:ext cx="23687089" cy="19118263"/>
+            <a:ext cx="23687091" cy="19118263"/>
           </a:xfrm>
           <a:prstGeom prst="rect">
             <a:avLst/>
@@ -16878,8 +16798,8 @@
         </p:nvSpPr>
         <p:spPr>
           <a:xfrm>
-            <a:off x="1514053" y="2572206"/>
-            <a:ext cx="27247109" cy="10702926"/>
+            <a:off x="1514053" y="2572205"/>
+            <a:ext cx="27247109" cy="10702928"/>
           </a:xfrm>
           <a:prstGeom prst="rect">
             <a:avLst/>
@@ -16911,7 +16831,7 @@
         <p:spPr>
           <a:xfrm>
             <a:off x="1514053" y="14374091"/>
-            <a:ext cx="13376809" cy="5991197"/>
+            <a:ext cx="13376809" cy="5991199"/>
           </a:xfrm>
           <a:prstGeom prst="rect">
             <a:avLst/>
@@ -16978,8 +16898,8 @@
         </p:nvSpPr>
         <p:spPr>
           <a:xfrm>
-            <a:off x="15379972" y="14374091"/>
-            <a:ext cx="13381191" cy="5991197"/>
+            <a:off x="15379971" y="14374091"/>
+            <a:ext cx="13381194" cy="5991199"/>
           </a:xfrm>
           <a:prstGeom prst="rect">
             <a:avLst/>
@@ -16989,9 +16909,7 @@
           <a:bodyPr/>
           <a:lstStyle/>
           <a:p>
-            <a:pPr>
-              <a:defRPr b="1" sz="2100"/>
-            </a:pPr>
+            <a:pPr/>
           </a:p>
         </p:txBody>
       </p:sp>
@@ -17054,7 +16972,7 @@
         <p:spPr>
           <a:xfrm>
             <a:off x="3294062" y="21369337"/>
-            <a:ext cx="23687089" cy="19118263"/>
+            <a:ext cx="23687091" cy="19118263"/>
           </a:xfrm>
           <a:prstGeom prst="rect">
             <a:avLst/>
@@ -17182,7 +17100,7 @@
         <p:spPr>
           <a:xfrm>
             <a:off x="1514053" y="2556279"/>
-            <a:ext cx="9960336" cy="10882105"/>
+            <a:ext cx="9960338" cy="10882105"/>
           </a:xfrm>
           <a:prstGeom prst="rect">
             <a:avLst/>
@@ -17213,8 +17131,8 @@
         </p:nvSpPr>
         <p:spPr>
           <a:xfrm>
-            <a:off x="11836476" y="2556279"/>
-            <a:ext cx="16924686" cy="54808692"/>
+            <a:off x="11836475" y="2556279"/>
+            <a:ext cx="16924689" cy="54808692"/>
           </a:xfrm>
           <a:prstGeom prst="rect">
             <a:avLst/>
@@ -17226,16 +17144,16 @@
             <a:lvl1pPr marL="296863" indent="-296863">
               <a:defRPr sz="2800"/>
             </a:lvl1pPr>
-            <a:lvl2pPr marL="296863" indent="100011">
+            <a:lvl2pPr marL="296863">
               <a:defRPr sz="2800"/>
             </a:lvl2pPr>
-            <a:lvl3pPr marL="296863" indent="496887">
+            <a:lvl3pPr marL="296863">
               <a:defRPr sz="2800"/>
             </a:lvl3pPr>
-            <a:lvl4pPr marL="296863" indent="893762">
+            <a:lvl4pPr marL="296863">
               <a:defRPr sz="2800"/>
             </a:lvl4pPr>
-            <a:lvl5pPr marL="296863" indent="1290637">
+            <a:lvl5pPr marL="296863">
               <a:defRPr sz="2800"/>
             </a:lvl5pPr>
           </a:lstStyle>
@@ -17281,7 +17199,7 @@
         </p:nvSpPr>
         <p:spPr>
           <a:xfrm>
-            <a:off x="1514054" y="13438381"/>
+            <a:off x="1514054" y="13438382"/>
             <a:ext cx="9960335" cy="43926591"/>
           </a:xfrm>
           <a:prstGeom prst="rect">
@@ -17292,9 +17210,7 @@
           <a:bodyPr anchor="t"/>
           <a:lstStyle/>
           <a:p>
-            <a:pPr>
-              <a:defRPr sz="1200"/>
-            </a:pPr>
+            <a:pPr/>
           </a:p>
         </p:txBody>
       </p:sp>
@@ -17357,7 +17273,7 @@
         <p:spPr>
           <a:xfrm>
             <a:off x="5933568" y="44952552"/>
-            <a:ext cx="18165712" cy="5306337"/>
+            <a:ext cx="18165712" cy="5306339"/>
           </a:xfrm>
           <a:prstGeom prst="rect">
             <a:avLst/>
@@ -17416,7 +17332,7 @@
         <p:spPr>
           <a:xfrm>
             <a:off x="5933568" y="50258888"/>
-            <a:ext cx="18165712" cy="7537440"/>
+            <a:ext cx="18165712" cy="7537442"/>
           </a:xfrm>
           <a:prstGeom prst="rect">
             <a:avLst/>
@@ -17532,7 +17448,7 @@
         <p:spPr>
           <a:xfrm>
             <a:off x="3294062" y="21369337"/>
-            <a:ext cx="23687089" cy="19118263"/>
+            <a:ext cx="23687091" cy="19118263"/>
           </a:xfrm>
           <a:prstGeom prst="rect">
             <a:avLst/>
@@ -17564,7 +17480,7 @@
         <p:spPr>
           <a:xfrm>
             <a:off x="1892300" y="15230475"/>
-            <a:ext cx="26489025" cy="1270"/>
+            <a:ext cx="26489025" cy="1271"/>
           </a:xfrm>
           <a:prstGeom prst="rect">
             <a:avLst/>
@@ -17576,16 +17492,16 @@
             <a:lvl1pPr marL="296863" indent="-296863">
               <a:defRPr sz="13900"/>
             </a:lvl1pPr>
-            <a:lvl2pPr marL="296863" indent="100011">
+            <a:lvl2pPr marL="296863">
               <a:defRPr sz="13900"/>
             </a:lvl2pPr>
-            <a:lvl3pPr marL="296863" indent="496887">
+            <a:lvl3pPr marL="296863">
               <a:defRPr sz="13900"/>
             </a:lvl3pPr>
-            <a:lvl4pPr marL="296863" indent="893762">
+            <a:lvl4pPr marL="296863">
               <a:defRPr sz="13900"/>
             </a:lvl4pPr>
-            <a:lvl5pPr marL="296863" indent="1290637">
+            <a:lvl5pPr marL="296863">
               <a:defRPr sz="13900"/>
             </a:lvl5pPr>
           </a:lstStyle>
@@ -17680,7 +17596,7 @@
         <p:spPr>
           <a:xfrm>
             <a:off x="21760310" y="15230168"/>
-            <a:ext cx="6621244" cy="25257524"/>
+            <a:ext cx="6621246" cy="25257524"/>
           </a:xfrm>
           <a:prstGeom prst="rect">
             <a:avLst/>
@@ -17724,16 +17640,16 @@
             <a:lvl1pPr marL="296863" indent="-296863">
               <a:defRPr sz="13900"/>
             </a:lvl1pPr>
-            <a:lvl2pPr marL="296863" indent="100011">
+            <a:lvl2pPr marL="296863">
               <a:defRPr sz="13900"/>
             </a:lvl2pPr>
-            <a:lvl3pPr marL="296863" indent="496887">
+            <a:lvl3pPr marL="296863">
               <a:defRPr sz="13900"/>
             </a:lvl3pPr>
-            <a:lvl4pPr marL="296863" indent="893762">
+            <a:lvl4pPr marL="296863">
               <a:defRPr sz="13900"/>
             </a:lvl4pPr>
-            <a:lvl5pPr marL="296863" indent="1290637">
+            <a:lvl5pPr marL="296863">
               <a:defRPr sz="13900"/>
             </a:lvl5pPr>
           </a:lstStyle>
@@ -17827,8 +17743,8 @@
         </p:nvSpPr>
         <p:spPr>
           <a:xfrm>
-            <a:off x="2270350" y="19948532"/>
-            <a:ext cx="25734516" cy="13766214"/>
+            <a:off x="2270349" y="19948532"/>
+            <a:ext cx="25734518" cy="13766217"/>
           </a:xfrm>
           <a:prstGeom prst="rect">
             <a:avLst/>
@@ -17860,7 +17776,7 @@
         <p:spPr>
           <a:xfrm>
             <a:off x="4540698" y="36390476"/>
-            <a:ext cx="21193818" cy="16410091"/>
+            <a:ext cx="21193820" cy="16410092"/>
           </a:xfrm>
           <a:prstGeom prst="rect">
             <a:avLst/>
@@ -18008,7 +17924,7 @@
         <p:spPr>
           <a:xfrm>
             <a:off x="1863725" y="18186400"/>
-            <a:ext cx="13273088" cy="1270"/>
+            <a:ext cx="13273088" cy="1271"/>
           </a:xfrm>
           <a:prstGeom prst="rect">
             <a:avLst/>
@@ -18020,16 +17936,16 @@
             <a:lvl1pPr marL="296863" indent="-296863">
               <a:defRPr sz="13000"/>
             </a:lvl1pPr>
-            <a:lvl2pPr marL="296863" indent="100011">
+            <a:lvl2pPr marL="296863">
               <a:defRPr sz="13000"/>
             </a:lvl2pPr>
-            <a:lvl3pPr marL="296863" indent="496887">
+            <a:lvl3pPr marL="296863">
               <a:defRPr sz="13000"/>
             </a:lvl3pPr>
-            <a:lvl4pPr marL="296863" indent="893762">
+            <a:lvl4pPr marL="296863">
               <a:defRPr sz="13000"/>
             </a:lvl4pPr>
-            <a:lvl5pPr marL="296863" indent="1290637">
+            <a:lvl5pPr marL="296863">
               <a:defRPr sz="13000"/>
             </a:lvl5pPr>
           </a:lstStyle>
@@ -18324,7 +18240,7 @@
         <p:spPr>
           <a:xfrm>
             <a:off x="1863000" y="18185947"/>
-            <a:ext cx="6565763" cy="1271"/>
+            <a:ext cx="6565763" cy="1273"/>
           </a:xfrm>
           <a:prstGeom prst="rect">
             <a:avLst/>
@@ -18336,16 +18252,16 @@
             <a:lvl1pPr marL="296863" indent="-296863">
               <a:defRPr sz="2400"/>
             </a:lvl1pPr>
-            <a:lvl2pPr marL="296863" indent="100011">
+            <a:lvl2pPr marL="296863">
               <a:defRPr sz="2400"/>
             </a:lvl2pPr>
-            <a:lvl3pPr marL="296863" indent="496887">
+            <a:lvl3pPr marL="296863">
               <a:defRPr sz="2400"/>
             </a:lvl3pPr>
-            <a:lvl4pPr marL="296863" indent="893762">
+            <a:lvl4pPr marL="296863">
               <a:defRPr sz="2400"/>
             </a:lvl4pPr>
-            <a:lvl5pPr marL="296863" indent="1290637">
+            <a:lvl5pPr marL="296863">
               <a:defRPr sz="2400"/>
             </a:lvl5pPr>
           </a:lstStyle>
@@ -18439,8 +18355,8 @@
         </p:nvSpPr>
         <p:spPr>
           <a:xfrm>
-            <a:off x="1514053" y="2572206"/>
-            <a:ext cx="27247109" cy="10702926"/>
+            <a:off x="1514053" y="2572205"/>
+            <a:ext cx="27247109" cy="10702928"/>
           </a:xfrm>
           <a:prstGeom prst="rect">
             <a:avLst/>
@@ -18472,7 +18388,7 @@
         <p:spPr>
           <a:xfrm>
             <a:off x="1514053" y="14374091"/>
-            <a:ext cx="13376809" cy="5991197"/>
+            <a:ext cx="13376809" cy="5991199"/>
           </a:xfrm>
           <a:prstGeom prst="rect">
             <a:avLst/>
@@ -18539,8 +18455,8 @@
         </p:nvSpPr>
         <p:spPr>
           <a:xfrm>
-            <a:off x="15379972" y="14374091"/>
-            <a:ext cx="13381191" cy="5991197"/>
+            <a:off x="15379971" y="14374091"/>
+            <a:ext cx="13381194" cy="5991199"/>
           </a:xfrm>
           <a:prstGeom prst="rect">
             <a:avLst/>
@@ -18550,9 +18466,7 @@
           <a:bodyPr/>
           <a:lstStyle/>
           <a:p>
-            <a:pPr>
-              <a:defRPr b="1" sz="2100"/>
-            </a:pPr>
+            <a:pPr/>
           </a:p>
         </p:txBody>
       </p:sp>
@@ -18743,7 +18657,7 @@
         <p:spPr>
           <a:xfrm>
             <a:off x="1514053" y="2556279"/>
-            <a:ext cx="9960336" cy="10882105"/>
+            <a:ext cx="9960338" cy="10882105"/>
           </a:xfrm>
           <a:prstGeom prst="rect">
             <a:avLst/>
@@ -18774,8 +18688,8 @@
         </p:nvSpPr>
         <p:spPr>
           <a:xfrm>
-            <a:off x="11836476" y="2556279"/>
-            <a:ext cx="16924686" cy="54808692"/>
+            <a:off x="11836475" y="2556279"/>
+            <a:ext cx="16924689" cy="54808692"/>
           </a:xfrm>
           <a:prstGeom prst="rect">
             <a:avLst/>
@@ -18787,16 +18701,16 @@
             <a:lvl1pPr marL="296863" indent="-296863">
               <a:defRPr sz="2800"/>
             </a:lvl1pPr>
-            <a:lvl2pPr marL="296863" indent="100011">
+            <a:lvl2pPr marL="296863">
               <a:defRPr sz="2800"/>
             </a:lvl2pPr>
-            <a:lvl3pPr marL="296863" indent="496887">
+            <a:lvl3pPr marL="296863">
               <a:defRPr sz="2800"/>
             </a:lvl3pPr>
-            <a:lvl4pPr marL="296863" indent="893762">
+            <a:lvl4pPr marL="296863">
               <a:defRPr sz="2800"/>
             </a:lvl4pPr>
-            <a:lvl5pPr marL="296863" indent="1290637">
+            <a:lvl5pPr marL="296863">
               <a:defRPr sz="2800"/>
             </a:lvl5pPr>
           </a:lstStyle>
@@ -18842,7 +18756,7 @@
         </p:nvSpPr>
         <p:spPr>
           <a:xfrm>
-            <a:off x="1514054" y="13438381"/>
+            <a:off x="1514054" y="13438382"/>
             <a:ext cx="9960335" cy="43926591"/>
           </a:xfrm>
           <a:prstGeom prst="rect">
@@ -18853,9 +18767,7 @@
           <a:bodyPr anchor="t"/>
           <a:lstStyle/>
           <a:p>
-            <a:pPr>
-              <a:defRPr sz="1200"/>
-            </a:pPr>
+            <a:pPr/>
           </a:p>
         </p:txBody>
       </p:sp>
@@ -18918,7 +18830,7 @@
         <p:spPr>
           <a:xfrm>
             <a:off x="5933568" y="44952552"/>
-            <a:ext cx="18165712" cy="5306337"/>
+            <a:ext cx="18165712" cy="5306339"/>
           </a:xfrm>
           <a:prstGeom prst="rect">
             <a:avLst/>
@@ -18977,7 +18889,7 @@
         <p:spPr>
           <a:xfrm>
             <a:off x="5933568" y="50258888"/>
-            <a:ext cx="18165712" cy="7537440"/>
+            <a:ext cx="18165712" cy="7537442"/>
           </a:xfrm>
           <a:prstGeom prst="rect">
             <a:avLst/>
@@ -19125,7 +19037,7 @@
         <p:spPr>
           <a:xfrm>
             <a:off x="1863725" y="18186400"/>
-            <a:ext cx="13273088" cy="1270"/>
+            <a:ext cx="13273088" cy="1271"/>
           </a:xfrm>
           <a:prstGeom prst="rect">
             <a:avLst/>
@@ -19137,16 +19049,16 @@
             <a:lvl1pPr marL="296863" indent="-296863">
               <a:defRPr sz="13000"/>
             </a:lvl1pPr>
-            <a:lvl2pPr marL="296863" indent="100011">
+            <a:lvl2pPr marL="296863">
               <a:defRPr sz="13000"/>
             </a:lvl2pPr>
-            <a:lvl3pPr marL="296863" indent="496887">
+            <a:lvl3pPr marL="296863">
               <a:defRPr sz="13000"/>
             </a:lvl3pPr>
-            <a:lvl4pPr marL="296863" indent="893762">
+            <a:lvl4pPr marL="296863">
               <a:defRPr sz="13000"/>
             </a:lvl4pPr>
-            <a:lvl5pPr marL="296863" indent="1290637">
+            <a:lvl5pPr marL="296863">
               <a:defRPr sz="13000"/>
             </a:lvl5pPr>
           </a:lstStyle>
@@ -19241,7 +19153,7 @@
         <p:spPr>
           <a:xfrm>
             <a:off x="11818955" y="382248"/>
-            <a:ext cx="3317193" cy="23801532"/>
+            <a:ext cx="3317195" cy="23801532"/>
           </a:xfrm>
           <a:prstGeom prst="rect">
             <a:avLst/>
@@ -19285,16 +19197,16 @@
             <a:lvl1pPr marL="296863" indent="-296863">
               <a:defRPr sz="13000"/>
             </a:lvl1pPr>
-            <a:lvl2pPr marL="296863" indent="100011">
+            <a:lvl2pPr marL="296863">
               <a:defRPr sz="13000"/>
             </a:lvl2pPr>
-            <a:lvl3pPr marL="296863" indent="496887">
+            <a:lvl3pPr marL="296863">
               <a:defRPr sz="13000"/>
             </a:lvl3pPr>
-            <a:lvl4pPr marL="296863" indent="893762">
+            <a:lvl4pPr marL="296863">
               <a:defRPr sz="13000"/>
             </a:lvl4pPr>
-            <a:lvl5pPr marL="296863" indent="1290637">
+            <a:lvl5pPr marL="296863">
               <a:defRPr sz="13000"/>
             </a:lvl5pPr>
           </a:lstStyle>
@@ -19388,8 +19300,8 @@
         </p:nvSpPr>
         <p:spPr>
           <a:xfrm>
-            <a:off x="2270350" y="19948532"/>
-            <a:ext cx="25734516" cy="13766214"/>
+            <a:off x="2270349" y="19948532"/>
+            <a:ext cx="25734518" cy="13766217"/>
           </a:xfrm>
           <a:prstGeom prst="rect">
             <a:avLst/>
@@ -19421,7 +19333,7 @@
         <p:spPr>
           <a:xfrm>
             <a:off x="4540698" y="36390476"/>
-            <a:ext cx="21193818" cy="16410091"/>
+            <a:ext cx="21193820" cy="16410092"/>
           </a:xfrm>
           <a:prstGeom prst="rect">
             <a:avLst/>
@@ -19569,7 +19481,7 @@
         <p:spPr>
           <a:xfrm>
             <a:off x="1863725" y="18186400"/>
-            <a:ext cx="13273088" cy="1270"/>
+            <a:ext cx="13273088" cy="1271"/>
           </a:xfrm>
           <a:prstGeom prst="rect">
             <a:avLst/>
@@ -19581,16 +19493,16 @@
             <a:lvl1pPr marL="296863" indent="-296863">
               <a:defRPr sz="13000"/>
             </a:lvl1pPr>
-            <a:lvl2pPr marL="296863" indent="100011">
+            <a:lvl2pPr marL="296863">
               <a:defRPr sz="13000"/>
             </a:lvl2pPr>
-            <a:lvl3pPr marL="296863" indent="496887">
+            <a:lvl3pPr marL="296863">
               <a:defRPr sz="13000"/>
             </a:lvl3pPr>
-            <a:lvl4pPr marL="296863" indent="893762">
+            <a:lvl4pPr marL="296863">
               <a:defRPr sz="13000"/>
             </a:lvl4pPr>
-            <a:lvl5pPr marL="296863" indent="1290637">
+            <a:lvl5pPr marL="296863">
               <a:defRPr sz="13000"/>
             </a:lvl5pPr>
           </a:lstStyle>
@@ -19685,7 +19597,7 @@
         <p:spPr>
           <a:xfrm>
             <a:off x="1514053" y="2556279"/>
-            <a:ext cx="9960336" cy="10882105"/>
+            <a:ext cx="9960338" cy="10882105"/>
           </a:xfrm>
           <a:prstGeom prst="rect">
             <a:avLst/>
@@ -19716,8 +19628,8 @@
         </p:nvSpPr>
         <p:spPr>
           <a:xfrm>
-            <a:off x="11836476" y="2556279"/>
-            <a:ext cx="16924686" cy="54808692"/>
+            <a:off x="11836475" y="2556279"/>
+            <a:ext cx="16924689" cy="54808692"/>
           </a:xfrm>
           <a:prstGeom prst="rect">
             <a:avLst/>
@@ -19729,16 +19641,16 @@
             <a:lvl1pPr marL="296863" indent="-296863">
               <a:defRPr sz="2800"/>
             </a:lvl1pPr>
-            <a:lvl2pPr marL="296863" indent="100011">
+            <a:lvl2pPr marL="296863">
               <a:defRPr sz="2800"/>
             </a:lvl2pPr>
-            <a:lvl3pPr marL="296863" indent="496887">
+            <a:lvl3pPr marL="296863">
               <a:defRPr sz="2800"/>
             </a:lvl3pPr>
-            <a:lvl4pPr marL="296863" indent="893762">
+            <a:lvl4pPr marL="296863">
               <a:defRPr sz="2800"/>
             </a:lvl4pPr>
-            <a:lvl5pPr marL="296863" indent="1290637">
+            <a:lvl5pPr marL="296863">
               <a:defRPr sz="2800"/>
             </a:lvl5pPr>
           </a:lstStyle>
@@ -19784,7 +19696,7 @@
         </p:nvSpPr>
         <p:spPr>
           <a:xfrm>
-            <a:off x="1514054" y="13438381"/>
+            <a:off x="1514054" y="13438382"/>
             <a:ext cx="9960335" cy="43926591"/>
           </a:xfrm>
           <a:prstGeom prst="rect">
@@ -19795,9 +19707,7 @@
           <a:bodyPr anchor="t"/>
           <a:lstStyle/>
           <a:p>
-            <a:pPr>
-              <a:defRPr sz="1200"/>
-            </a:pPr>
+            <a:pPr/>
           </a:p>
         </p:txBody>
       </p:sp>
@@ -20012,7 +19922,7 @@
         <p:spPr>
           <a:xfrm>
             <a:off x="1863000" y="18185947"/>
-            <a:ext cx="6565763" cy="1271"/>
+            <a:ext cx="6565763" cy="1273"/>
           </a:xfrm>
           <a:prstGeom prst="rect">
             <a:avLst/>
@@ -20024,16 +19934,16 @@
             <a:lvl1pPr marL="296863" indent="-296863">
               <a:defRPr sz="2400"/>
             </a:lvl1pPr>
-            <a:lvl2pPr marL="296863" indent="100011">
+            <a:lvl2pPr marL="296863">
               <a:defRPr sz="2400"/>
             </a:lvl2pPr>
-            <a:lvl3pPr marL="296863" indent="496887">
+            <a:lvl3pPr marL="296863">
               <a:defRPr sz="2400"/>
             </a:lvl3pPr>
-            <a:lvl4pPr marL="296863" indent="893762">
+            <a:lvl4pPr marL="296863">
               <a:defRPr sz="2400"/>
             </a:lvl4pPr>
-            <a:lvl5pPr marL="296863" indent="1290637">
+            <a:lvl5pPr marL="296863">
               <a:defRPr sz="2400"/>
             </a:lvl5pPr>
           </a:lstStyle>
@@ -20127,8 +20037,8 @@
         </p:nvSpPr>
         <p:spPr>
           <a:xfrm>
-            <a:off x="1514053" y="2572206"/>
-            <a:ext cx="27247109" cy="10702926"/>
+            <a:off x="1514053" y="2572205"/>
+            <a:ext cx="27247109" cy="10702928"/>
           </a:xfrm>
           <a:prstGeom prst="rect">
             <a:avLst/>
@@ -20160,7 +20070,7 @@
         <p:spPr>
           <a:xfrm>
             <a:off x="1514053" y="14374091"/>
-            <a:ext cx="13376809" cy="5991197"/>
+            <a:ext cx="13376809" cy="5991199"/>
           </a:xfrm>
           <a:prstGeom prst="rect">
             <a:avLst/>
@@ -20227,8 +20137,8 @@
         </p:nvSpPr>
         <p:spPr>
           <a:xfrm>
-            <a:off x="15379972" y="14374091"/>
-            <a:ext cx="13381191" cy="5991197"/>
+            <a:off x="15379971" y="14374091"/>
+            <a:ext cx="13381194" cy="5991199"/>
           </a:xfrm>
           <a:prstGeom prst="rect">
             <a:avLst/>
@@ -20238,9 +20148,7 @@
           <a:bodyPr/>
           <a:lstStyle/>
           <a:p>
-            <a:pPr>
-              <a:defRPr b="1" sz="2100"/>
-            </a:pPr>
+            <a:pPr/>
           </a:p>
         </p:txBody>
       </p:sp>
@@ -20431,7 +20339,7 @@
         <p:spPr>
           <a:xfrm>
             <a:off x="1514053" y="2556279"/>
-            <a:ext cx="9960336" cy="10882105"/>
+            <a:ext cx="9960338" cy="10882105"/>
           </a:xfrm>
           <a:prstGeom prst="rect">
             <a:avLst/>
@@ -20462,8 +20370,8 @@
         </p:nvSpPr>
         <p:spPr>
           <a:xfrm>
-            <a:off x="11836476" y="2556279"/>
-            <a:ext cx="16924686" cy="54808692"/>
+            <a:off x="11836475" y="2556279"/>
+            <a:ext cx="16924689" cy="54808692"/>
           </a:xfrm>
           <a:prstGeom prst="rect">
             <a:avLst/>
@@ -20475,16 +20383,16 @@
             <a:lvl1pPr marL="296863" indent="-296863">
               <a:defRPr sz="2800"/>
             </a:lvl1pPr>
-            <a:lvl2pPr marL="296863" indent="100011">
+            <a:lvl2pPr marL="296863">
               <a:defRPr sz="2800"/>
             </a:lvl2pPr>
-            <a:lvl3pPr marL="296863" indent="496887">
+            <a:lvl3pPr marL="296863">
               <a:defRPr sz="2800"/>
             </a:lvl3pPr>
-            <a:lvl4pPr marL="296863" indent="893762">
+            <a:lvl4pPr marL="296863">
               <a:defRPr sz="2800"/>
             </a:lvl4pPr>
-            <a:lvl5pPr marL="296863" indent="1290637">
+            <a:lvl5pPr marL="296863">
               <a:defRPr sz="2800"/>
             </a:lvl5pPr>
           </a:lstStyle>
@@ -20530,7 +20438,7 @@
         </p:nvSpPr>
         <p:spPr>
           <a:xfrm>
-            <a:off x="1514054" y="13438381"/>
+            <a:off x="1514054" y="13438382"/>
             <a:ext cx="9960335" cy="43926591"/>
           </a:xfrm>
           <a:prstGeom prst="rect">
@@ -20541,9 +20449,7 @@
           <a:bodyPr anchor="t"/>
           <a:lstStyle/>
           <a:p>
-            <a:pPr>
-              <a:defRPr sz="1200"/>
-            </a:pPr>
+            <a:pPr/>
           </a:p>
         </p:txBody>
       </p:sp>
@@ -20606,7 +20512,7 @@
         <p:spPr>
           <a:xfrm>
             <a:off x="5933568" y="44952552"/>
-            <a:ext cx="18165712" cy="5306337"/>
+            <a:ext cx="18165712" cy="5306339"/>
           </a:xfrm>
           <a:prstGeom prst="rect">
             <a:avLst/>
@@ -20665,7 +20571,7 @@
         <p:spPr>
           <a:xfrm>
             <a:off x="5933568" y="50258888"/>
-            <a:ext cx="18165712" cy="7537440"/>
+            <a:ext cx="18165712" cy="7537442"/>
           </a:xfrm>
           <a:prstGeom prst="rect">
             <a:avLst/>
@@ -20813,7 +20719,7 @@
         <p:spPr>
           <a:xfrm>
             <a:off x="1863725" y="18186400"/>
-            <a:ext cx="13273088" cy="1270"/>
+            <a:ext cx="13273088" cy="1271"/>
           </a:xfrm>
           <a:prstGeom prst="rect">
             <a:avLst/>
@@ -20825,16 +20731,16 @@
             <a:lvl1pPr marL="296863" indent="-296863">
               <a:defRPr sz="13000"/>
             </a:lvl1pPr>
-            <a:lvl2pPr marL="296863" indent="100011">
+            <a:lvl2pPr marL="296863">
               <a:defRPr sz="13000"/>
             </a:lvl2pPr>
-            <a:lvl3pPr marL="296863" indent="496887">
+            <a:lvl3pPr marL="296863">
               <a:defRPr sz="13000"/>
             </a:lvl3pPr>
-            <a:lvl4pPr marL="296863" indent="893762">
+            <a:lvl4pPr marL="296863">
               <a:defRPr sz="13000"/>
             </a:lvl4pPr>
-            <a:lvl5pPr marL="296863" indent="1290637">
+            <a:lvl5pPr marL="296863">
               <a:defRPr sz="13000"/>
             </a:lvl5pPr>
           </a:lstStyle>
@@ -20929,7 +20835,7 @@
         <p:spPr>
           <a:xfrm>
             <a:off x="11818955" y="382248"/>
-            <a:ext cx="3317193" cy="23801532"/>
+            <a:ext cx="3317195" cy="23801532"/>
           </a:xfrm>
           <a:prstGeom prst="rect">
             <a:avLst/>
@@ -20973,16 +20879,16 @@
             <a:lvl1pPr marL="296863" indent="-296863">
               <a:defRPr sz="13000"/>
             </a:lvl1pPr>
-            <a:lvl2pPr marL="296863" indent="100011">
+            <a:lvl2pPr marL="296863">
               <a:defRPr sz="13000"/>
             </a:lvl2pPr>
-            <a:lvl3pPr marL="296863" indent="496887">
+            <a:lvl3pPr marL="296863">
               <a:defRPr sz="13000"/>
             </a:lvl3pPr>
-            <a:lvl4pPr marL="296863" indent="893762">
+            <a:lvl4pPr marL="296863">
               <a:defRPr sz="13000"/>
             </a:lvl4pPr>
-            <a:lvl5pPr marL="296863" indent="1290637">
+            <a:lvl5pPr marL="296863">
               <a:defRPr sz="13000"/>
             </a:lvl5pPr>
           </a:lstStyle>
@@ -21076,8 +20982,8 @@
         </p:nvSpPr>
         <p:spPr>
           <a:xfrm>
-            <a:off x="2270350" y="19948532"/>
-            <a:ext cx="25734516" cy="13766214"/>
+            <a:off x="2270349" y="19948532"/>
+            <a:ext cx="25734518" cy="13766217"/>
           </a:xfrm>
           <a:prstGeom prst="rect">
             <a:avLst/>
@@ -21109,7 +21015,7 @@
         <p:spPr>
           <a:xfrm>
             <a:off x="4540698" y="36390476"/>
-            <a:ext cx="21193818" cy="16410091"/>
+            <a:ext cx="21193820" cy="16410092"/>
           </a:xfrm>
           <a:prstGeom prst="rect">
             <a:avLst/>
@@ -21240,7 +21146,7 @@
         <p:spPr>
           <a:xfrm>
             <a:off x="5933568" y="44952552"/>
-            <a:ext cx="18165712" cy="5306337"/>
+            <a:ext cx="18165712" cy="5306339"/>
           </a:xfrm>
           <a:prstGeom prst="rect">
             <a:avLst/>
@@ -21299,7 +21205,7 @@
         <p:spPr>
           <a:xfrm>
             <a:off x="5933568" y="50258888"/>
-            <a:ext cx="18165712" cy="7537440"/>
+            <a:ext cx="18165712" cy="7537442"/>
           </a:xfrm>
           <a:prstGeom prst="rect">
             <a:avLst/>
@@ -21415,7 +21321,7 @@
         <p:spPr>
           <a:xfrm>
             <a:off x="3294062" y="382588"/>
-            <a:ext cx="23687089" cy="19118263"/>
+            <a:ext cx="23687091" cy="19118263"/>
           </a:xfrm>
           <a:prstGeom prst="rect">
             <a:avLst/>
@@ -21447,7 +21353,7 @@
         <p:spPr>
           <a:xfrm>
             <a:off x="1892300" y="15230475"/>
-            <a:ext cx="26489025" cy="1270"/>
+            <a:ext cx="26489025" cy="1271"/>
           </a:xfrm>
           <a:prstGeom prst="rect">
             <a:avLst/>
@@ -21462,25 +21368,25 @@
               </a:spcBef>
               <a:defRPr sz="16300"/>
             </a:lvl1pPr>
-            <a:lvl2pPr marL="296863" indent="100011" algn="l">
+            <a:lvl2pPr marL="296863" algn="l">
               <a:spcBef>
                 <a:spcPts val="9400"/>
               </a:spcBef>
               <a:defRPr sz="16300"/>
             </a:lvl2pPr>
-            <a:lvl3pPr marL="296863" indent="496887" algn="l">
+            <a:lvl3pPr marL="296863" algn="l">
               <a:spcBef>
                 <a:spcPts val="9400"/>
               </a:spcBef>
               <a:defRPr sz="16300"/>
             </a:lvl3pPr>
-            <a:lvl4pPr marL="296863" indent="893762" algn="l">
+            <a:lvl4pPr marL="296863" algn="l">
               <a:spcBef>
                 <a:spcPts val="9400"/>
               </a:spcBef>
               <a:defRPr sz="16300"/>
             </a:lvl4pPr>
-            <a:lvl5pPr marL="296863" indent="1290637" algn="l">
+            <a:lvl5pPr marL="296863" algn="l">
               <a:spcBef>
                 <a:spcPts val="9400"/>
               </a:spcBef>
@@ -21724,7 +21630,7 @@
         <p:spPr>
           <a:xfrm>
             <a:off x="3294062" y="382588"/>
-            <a:ext cx="23687089" cy="19118263"/>
+            <a:ext cx="23687091" cy="19118263"/>
           </a:xfrm>
           <a:prstGeom prst="rect">
             <a:avLst/>
@@ -21755,8 +21661,8 @@
         </p:nvSpPr>
         <p:spPr>
           <a:xfrm>
-            <a:off x="1892201" y="15230166"/>
-            <a:ext cx="13173867" cy="1271"/>
+            <a:off x="1892200" y="15230166"/>
+            <a:ext cx="13173869" cy="1273"/>
           </a:xfrm>
           <a:prstGeom prst="rect">
             <a:avLst/>
@@ -21771,25 +21677,25 @@
               </a:spcBef>
               <a:defRPr sz="2400"/>
             </a:lvl1pPr>
-            <a:lvl2pPr marL="296863" indent="100011" algn="l">
+            <a:lvl2pPr marL="296863" algn="l">
               <a:spcBef>
                 <a:spcPts val="9400"/>
               </a:spcBef>
               <a:defRPr sz="2400"/>
             </a:lvl2pPr>
-            <a:lvl3pPr marL="296863" indent="496887" algn="l">
+            <a:lvl3pPr marL="296863" algn="l">
               <a:spcBef>
                 <a:spcPts val="9400"/>
               </a:spcBef>
               <a:defRPr sz="2400"/>
             </a:lvl3pPr>
-            <a:lvl4pPr marL="296863" indent="893762" algn="l">
+            <a:lvl4pPr marL="296863" algn="l">
               <a:spcBef>
                 <a:spcPts val="9400"/>
               </a:spcBef>
               <a:defRPr sz="2400"/>
             </a:lvl4pPr>
-            <a:lvl5pPr marL="296863" indent="1290637" algn="l">
+            <a:lvl5pPr marL="296863" algn="l">
               <a:spcBef>
                 <a:spcPts val="9400"/>
               </a:spcBef>
@@ -21886,8 +21792,8 @@
         </p:nvSpPr>
         <p:spPr>
           <a:xfrm>
-            <a:off x="1514053" y="2572206"/>
-            <a:ext cx="27247109" cy="10702926"/>
+            <a:off x="1514053" y="2572205"/>
+            <a:ext cx="27247109" cy="10702928"/>
           </a:xfrm>
           <a:prstGeom prst="rect">
             <a:avLst/>
@@ -21919,7 +21825,7 @@
         <p:spPr>
           <a:xfrm>
             <a:off x="1514053" y="14374091"/>
-            <a:ext cx="13376809" cy="5991197"/>
+            <a:ext cx="13376809" cy="5991199"/>
           </a:xfrm>
           <a:prstGeom prst="rect">
             <a:avLst/>
@@ -22001,8 +21907,8 @@
         </p:nvSpPr>
         <p:spPr>
           <a:xfrm>
-            <a:off x="15379972" y="14374091"/>
-            <a:ext cx="13381191" cy="5991197"/>
+            <a:off x="15379971" y="14374091"/>
+            <a:ext cx="13381194" cy="5991199"/>
           </a:xfrm>
           <a:prstGeom prst="rect">
             <a:avLst/>
@@ -22012,12 +21918,7 @@
           <a:bodyPr/>
           <a:lstStyle/>
           <a:p>
-            <a:pPr algn="l">
-              <a:spcBef>
-                <a:spcPts val="9400"/>
-              </a:spcBef>
-              <a:defRPr b="1" sz="2100"/>
-            </a:pPr>
+            <a:pPr/>
           </a:p>
         </p:txBody>
       </p:sp>
@@ -22080,7 +21981,7 @@
         <p:spPr>
           <a:xfrm>
             <a:off x="3294062" y="382588"/>
-            <a:ext cx="23687089" cy="19118263"/>
+            <a:ext cx="23687091" cy="19118263"/>
           </a:xfrm>
           <a:prstGeom prst="rect">
             <a:avLst/>
@@ -22208,7 +22109,7 @@
         <p:spPr>
           <a:xfrm>
             <a:off x="1514053" y="2556279"/>
-            <a:ext cx="9960336" cy="10882105"/>
+            <a:ext cx="9960338" cy="10882105"/>
           </a:xfrm>
           <a:prstGeom prst="rect">
             <a:avLst/>
@@ -22239,8 +22140,8 @@
         </p:nvSpPr>
         <p:spPr>
           <a:xfrm>
-            <a:off x="11836476" y="2556279"/>
-            <a:ext cx="16924686" cy="54808692"/>
+            <a:off x="11836475" y="2556279"/>
+            <a:ext cx="16924689" cy="54808692"/>
           </a:xfrm>
           <a:prstGeom prst="rect">
             <a:avLst/>
@@ -22255,25 +22156,25 @@
               </a:spcBef>
               <a:defRPr sz="2800"/>
             </a:lvl1pPr>
-            <a:lvl2pPr marL="296863" indent="100011" algn="l">
+            <a:lvl2pPr marL="296863" algn="l">
               <a:spcBef>
                 <a:spcPts val="9400"/>
               </a:spcBef>
               <a:defRPr sz="2800"/>
             </a:lvl2pPr>
-            <a:lvl3pPr marL="296863" indent="496887" algn="l">
+            <a:lvl3pPr marL="296863" algn="l">
               <a:spcBef>
                 <a:spcPts val="9400"/>
               </a:spcBef>
               <a:defRPr sz="2800"/>
             </a:lvl3pPr>
-            <a:lvl4pPr marL="296863" indent="893762" algn="l">
+            <a:lvl4pPr marL="296863" algn="l">
               <a:spcBef>
                 <a:spcPts val="9400"/>
               </a:spcBef>
               <a:defRPr sz="2800"/>
             </a:lvl4pPr>
-            <a:lvl5pPr marL="296863" indent="1290637" algn="l">
+            <a:lvl5pPr marL="296863" algn="l">
               <a:spcBef>
                 <a:spcPts val="9400"/>
               </a:spcBef>
@@ -22322,7 +22223,7 @@
         </p:nvSpPr>
         <p:spPr>
           <a:xfrm>
-            <a:off x="1514054" y="13438381"/>
+            <a:off x="1514054" y="13438382"/>
             <a:ext cx="9960335" cy="43926591"/>
           </a:xfrm>
           <a:prstGeom prst="rect">
@@ -22333,12 +22234,7 @@
           <a:bodyPr anchor="t"/>
           <a:lstStyle/>
           <a:p>
-            <a:pPr algn="l">
-              <a:spcBef>
-                <a:spcPts val="9400"/>
-              </a:spcBef>
-              <a:defRPr sz="1200"/>
-            </a:pPr>
+            <a:pPr/>
           </a:p>
         </p:txBody>
       </p:sp>
@@ -22401,7 +22297,7 @@
         <p:spPr>
           <a:xfrm>
             <a:off x="5933568" y="44952552"/>
-            <a:ext cx="18165712" cy="5306337"/>
+            <a:ext cx="18165712" cy="5306339"/>
           </a:xfrm>
           <a:prstGeom prst="rect">
             <a:avLst/>
@@ -22460,7 +22356,7 @@
         <p:spPr>
           <a:xfrm>
             <a:off x="5933568" y="50258888"/>
-            <a:ext cx="18165712" cy="7537440"/>
+            <a:ext cx="18165712" cy="7537442"/>
           </a:xfrm>
           <a:prstGeom prst="rect">
             <a:avLst/>
@@ -22591,7 +22487,7 @@
         <p:spPr>
           <a:xfrm>
             <a:off x="3294062" y="382588"/>
-            <a:ext cx="23687089" cy="19118263"/>
+            <a:ext cx="23687091" cy="19118263"/>
           </a:xfrm>
           <a:prstGeom prst="rect">
             <a:avLst/>
@@ -22623,7 +22519,7 @@
         <p:spPr>
           <a:xfrm>
             <a:off x="1892300" y="15230475"/>
-            <a:ext cx="26489025" cy="1270"/>
+            <a:ext cx="26489025" cy="1271"/>
           </a:xfrm>
           <a:prstGeom prst="rect">
             <a:avLst/>
@@ -22638,25 +22534,25 @@
               </a:spcBef>
               <a:defRPr sz="16300"/>
             </a:lvl1pPr>
-            <a:lvl2pPr marL="296863" indent="100011" algn="l">
+            <a:lvl2pPr marL="296863" algn="l">
               <a:spcBef>
                 <a:spcPts val="9400"/>
               </a:spcBef>
               <a:defRPr sz="16300"/>
             </a:lvl2pPr>
-            <a:lvl3pPr marL="296863" indent="496887" algn="l">
+            <a:lvl3pPr marL="296863" algn="l">
               <a:spcBef>
                 <a:spcPts val="9400"/>
               </a:spcBef>
               <a:defRPr sz="16300"/>
             </a:lvl3pPr>
-            <a:lvl4pPr marL="296863" indent="893762" algn="l">
+            <a:lvl4pPr marL="296863" algn="l">
               <a:spcBef>
                 <a:spcPts val="9400"/>
               </a:spcBef>
               <a:defRPr sz="16300"/>
             </a:lvl4pPr>
-            <a:lvl5pPr marL="296863" indent="1290637" algn="l">
+            <a:lvl5pPr marL="296863" algn="l">
               <a:spcBef>
                 <a:spcPts val="9400"/>
               </a:spcBef>
@@ -22753,8 +22649,8 @@
         </p:nvSpPr>
         <p:spPr>
           <a:xfrm>
-            <a:off x="21760310" y="382246"/>
-            <a:ext cx="6621244" cy="19119005"/>
+            <a:off x="21760310" y="382245"/>
+            <a:ext cx="6621246" cy="19119007"/>
           </a:xfrm>
           <a:prstGeom prst="rect">
             <a:avLst/>
@@ -22785,8 +22681,8 @@
         </p:nvSpPr>
         <p:spPr>
           <a:xfrm>
-            <a:off x="1892200" y="382246"/>
-            <a:ext cx="19727948" cy="19119005"/>
+            <a:off x="1892200" y="382245"/>
+            <a:ext cx="19727948" cy="19119007"/>
           </a:xfrm>
           <a:prstGeom prst="rect">
             <a:avLst/>
@@ -22801,25 +22697,25 @@
               </a:spcBef>
               <a:defRPr sz="16300"/>
             </a:lvl1pPr>
-            <a:lvl2pPr marL="296863" indent="100011" algn="l">
+            <a:lvl2pPr marL="296863" algn="l">
               <a:spcBef>
                 <a:spcPts val="9400"/>
               </a:spcBef>
               <a:defRPr sz="16300"/>
             </a:lvl2pPr>
-            <a:lvl3pPr marL="296863" indent="496887" algn="l">
+            <a:lvl3pPr marL="296863" algn="l">
               <a:spcBef>
                 <a:spcPts val="9400"/>
               </a:spcBef>
               <a:defRPr sz="16300"/>
             </a:lvl3pPr>
-            <a:lvl4pPr marL="296863" indent="893762" algn="l">
+            <a:lvl4pPr marL="296863" algn="l">
               <a:spcBef>
                 <a:spcPts val="9400"/>
               </a:spcBef>
               <a:defRPr sz="16300"/>
             </a:lvl4pPr>
-            <a:lvl5pPr marL="296863" indent="1290637" algn="l">
+            <a:lvl5pPr marL="296863" algn="l">
               <a:spcBef>
                 <a:spcPts val="9400"/>
               </a:spcBef>
@@ -22895,9 +22791,7 @@
     <p:bg>
       <p:bgPr>
         <a:solidFill>
-          <a:schemeClr val="accent3">
-            <a:lumOff val="44000"/>
-          </a:schemeClr>
+          <a:srgbClr val="FFFFFF"/>
         </a:solidFill>
       </p:bgPr>
     </p:bg>
@@ -22926,7 +22820,7 @@
         <p:spPr>
           <a:xfrm>
             <a:off x="2391533" y="41265456"/>
-            <a:ext cx="25734515" cy="12754851"/>
+            <a:ext cx="25734515" cy="12754853"/>
           </a:xfrm>
           <a:prstGeom prst="rect">
             <a:avLst/>
@@ -22964,7 +22858,7 @@
         <p:spPr>
           <a:xfrm>
             <a:off x="2391533" y="27217870"/>
-            <a:ext cx="25734515" cy="14047590"/>
+            <a:ext cx="25734515" cy="14047593"/>
           </a:xfrm>
           <a:prstGeom prst="rect">
             <a:avLst/>
@@ -23025,8 +22919,8 @@
         </p:nvSpPr>
         <p:spPr>
           <a:xfrm>
-            <a:off x="14627648" y="38540440"/>
-            <a:ext cx="7061624" cy="2279327"/>
+            <a:off x="21432736" y="39545488"/>
+            <a:ext cx="256537" cy="269237"/>
           </a:xfrm>
           <a:prstGeom prst="rect">
             <a:avLst/>
@@ -23036,17 +22930,16 @@
           </a:ln>
         </p:spPr>
         <p:txBody>
-          <a:bodyPr wrap="none" lIns="45719" rIns="45719" anchor="ctr">
+          <a:bodyPr wrap="none" lIns="45718" tIns="45718" rIns="45718" bIns="45718" anchor="ctr">
             <a:spAutoFit/>
           </a:bodyPr>
           <a:lstStyle>
             <a:lvl1pPr algn="r">
               <a:defRPr b="0" sz="1200">
-                <a:solidFill>
-                  <a:schemeClr val="accent3">
-                    <a:lumOff val="44000"/>
-                  </a:schemeClr>
-                </a:solidFill>
+                <a:latin typeface="Gill Sans"/>
+                <a:ea typeface="Gill Sans"/>
+                <a:cs typeface="Gill Sans"/>
+                <a:sym typeface="Gill Sans"/>
               </a:defRPr>
             </a:lvl1pPr>
           </a:lstStyle>
@@ -23363,7 +23256,7 @@
           <a:sym typeface="Gill Sans"/>
         </a:defRPr>
       </a:lvl5pPr>
-      <a:lvl6pPr marL="0" marR="0" indent="1985597" algn="l" defTabSz="396875" rtl="0" latinLnBrk="0">
+      <a:lvl6pPr marL="0" marR="0" indent="0" algn="l" defTabSz="396875" rtl="0" latinLnBrk="0">
         <a:lnSpc>
           <a:spcPct val="97000"/>
         </a:lnSpc>
@@ -23392,7 +23285,7 @@
           <a:sym typeface="Gill Sans"/>
         </a:defRPr>
       </a:lvl6pPr>
-      <a:lvl7pPr marL="0" marR="0" indent="2382716" algn="l" defTabSz="396875" rtl="0" latinLnBrk="0">
+      <a:lvl7pPr marL="0" marR="0" indent="0" algn="l" defTabSz="396875" rtl="0" latinLnBrk="0">
         <a:lnSpc>
           <a:spcPct val="97000"/>
         </a:lnSpc>
@@ -23421,7 +23314,7 @@
           <a:sym typeface="Gill Sans"/>
         </a:defRPr>
       </a:lvl7pPr>
-      <a:lvl8pPr marL="0" marR="0" indent="2779835" algn="l" defTabSz="396875" rtl="0" latinLnBrk="0">
+      <a:lvl8pPr marL="0" marR="0" indent="0" algn="l" defTabSz="396875" rtl="0" latinLnBrk="0">
         <a:lnSpc>
           <a:spcPct val="97000"/>
         </a:lnSpc>
@@ -23450,7 +23343,7 @@
           <a:sym typeface="Gill Sans"/>
         </a:defRPr>
       </a:lvl8pPr>
-      <a:lvl9pPr marL="0" marR="0" indent="3176954" algn="l" defTabSz="396875" rtl="0" latinLnBrk="0">
+      <a:lvl9pPr marL="0" marR="0" indent="0" algn="l" defTabSz="396875" rtl="0" latinLnBrk="0">
         <a:lnSpc>
           <a:spcPct val="97000"/>
         </a:lnSpc>
@@ -23510,7 +23403,7 @@
           <a:sym typeface="Gill Sans"/>
         </a:defRPr>
       </a:lvl1pPr>
-      <a:lvl2pPr marL="0" marR="0" indent="397119" algn="ctr" defTabSz="396875" rtl="0" latinLnBrk="0">
+      <a:lvl2pPr marL="0" marR="0" indent="0" algn="ctr" defTabSz="396875" rtl="0" latinLnBrk="0">
         <a:lnSpc>
           <a:spcPct val="97000"/>
         </a:lnSpc>
@@ -23539,7 +23432,7 @@
           <a:sym typeface="Gill Sans"/>
         </a:defRPr>
       </a:lvl2pPr>
-      <a:lvl3pPr marL="0" marR="0" indent="794239" algn="ctr" defTabSz="396875" rtl="0" latinLnBrk="0">
+      <a:lvl3pPr marL="0" marR="0" indent="0" algn="ctr" defTabSz="396875" rtl="0" latinLnBrk="0">
         <a:lnSpc>
           <a:spcPct val="97000"/>
         </a:lnSpc>
@@ -23568,7 +23461,7 @@
           <a:sym typeface="Gill Sans"/>
         </a:defRPr>
       </a:lvl3pPr>
-      <a:lvl4pPr marL="0" marR="0" indent="1191358" algn="ctr" defTabSz="396875" rtl="0" latinLnBrk="0">
+      <a:lvl4pPr marL="0" marR="0" indent="0" algn="ctr" defTabSz="396875" rtl="0" latinLnBrk="0">
         <a:lnSpc>
           <a:spcPct val="97000"/>
         </a:lnSpc>
@@ -23597,7 +23490,7 @@
           <a:sym typeface="Gill Sans"/>
         </a:defRPr>
       </a:lvl4pPr>
-      <a:lvl5pPr marL="0" marR="0" indent="1588479" algn="ctr" defTabSz="396875" rtl="0" latinLnBrk="0">
+      <a:lvl5pPr marL="0" marR="0" indent="0" algn="ctr" defTabSz="396875" rtl="0" latinLnBrk="0">
         <a:lnSpc>
           <a:spcPct val="97000"/>
         </a:lnSpc>
@@ -23626,7 +23519,7 @@
           <a:sym typeface="Gill Sans"/>
         </a:defRPr>
       </a:lvl5pPr>
-      <a:lvl6pPr marL="0" marR="0" indent="1985597" algn="ctr" defTabSz="396875" rtl="0" latinLnBrk="0">
+      <a:lvl6pPr marL="0" marR="0" indent="0" algn="ctr" defTabSz="396875" rtl="0" latinLnBrk="0">
         <a:lnSpc>
           <a:spcPct val="97000"/>
         </a:lnSpc>
@@ -23655,7 +23548,7 @@
           <a:sym typeface="Gill Sans"/>
         </a:defRPr>
       </a:lvl6pPr>
-      <a:lvl7pPr marL="0" marR="0" indent="2382716" algn="ctr" defTabSz="396875" rtl="0" latinLnBrk="0">
+      <a:lvl7pPr marL="0" marR="0" indent="0" algn="ctr" defTabSz="396875" rtl="0" latinLnBrk="0">
         <a:lnSpc>
           <a:spcPct val="97000"/>
         </a:lnSpc>
@@ -23684,7 +23577,7 @@
           <a:sym typeface="Gill Sans"/>
         </a:defRPr>
       </a:lvl7pPr>
-      <a:lvl8pPr marL="0" marR="0" indent="2779835" algn="ctr" defTabSz="396875" rtl="0" latinLnBrk="0">
+      <a:lvl8pPr marL="0" marR="0" indent="0" algn="ctr" defTabSz="396875" rtl="0" latinLnBrk="0">
         <a:lnSpc>
           <a:spcPct val="97000"/>
         </a:lnSpc>
@@ -23713,7 +23606,7 @@
           <a:sym typeface="Gill Sans"/>
         </a:defRPr>
       </a:lvl8pPr>
-      <a:lvl9pPr marL="0" marR="0" indent="3176956" algn="ctr" defTabSz="396875" rtl="0" latinLnBrk="0">
+      <a:lvl9pPr marL="0" marR="0" indent="0" algn="ctr" defTabSz="396875" rtl="0" latinLnBrk="0">
         <a:lnSpc>
           <a:spcPct val="97000"/>
         </a:lnSpc>
@@ -23773,7 +23666,7 @@
           <a:sym typeface="Gill Sans"/>
         </a:defRPr>
       </a:lvl1pPr>
-      <a:lvl2pPr marL="0" marR="0" indent="396875" algn="r" defTabSz="396875" rtl="0" latinLnBrk="0">
+      <a:lvl2pPr marL="0" marR="0" indent="0" algn="r" defTabSz="396875" rtl="0" latinLnBrk="0">
         <a:lnSpc>
           <a:spcPct val="100000"/>
         </a:lnSpc>
@@ -23802,7 +23695,7 @@
           <a:sym typeface="Gill Sans"/>
         </a:defRPr>
       </a:lvl2pPr>
-      <a:lvl3pPr marL="0" marR="0" indent="793750" algn="r" defTabSz="396875" rtl="0" latinLnBrk="0">
+      <a:lvl3pPr marL="0" marR="0" indent="0" algn="r" defTabSz="396875" rtl="0" latinLnBrk="0">
         <a:lnSpc>
           <a:spcPct val="100000"/>
         </a:lnSpc>
@@ -23831,7 +23724,7 @@
           <a:sym typeface="Gill Sans"/>
         </a:defRPr>
       </a:lvl3pPr>
-      <a:lvl4pPr marL="0" marR="0" indent="1190625" algn="r" defTabSz="396875" rtl="0" latinLnBrk="0">
+      <a:lvl4pPr marL="0" marR="0" indent="0" algn="r" defTabSz="396875" rtl="0" latinLnBrk="0">
         <a:lnSpc>
           <a:spcPct val="100000"/>
         </a:lnSpc>
@@ -23860,7 +23753,7 @@
           <a:sym typeface="Gill Sans"/>
         </a:defRPr>
       </a:lvl4pPr>
-      <a:lvl5pPr marL="0" marR="0" indent="1587500" algn="r" defTabSz="396875" rtl="0" latinLnBrk="0">
+      <a:lvl5pPr marL="0" marR="0" indent="0" algn="r" defTabSz="396875" rtl="0" latinLnBrk="0">
         <a:lnSpc>
           <a:spcPct val="100000"/>
         </a:lnSpc>
@@ -23889,7 +23782,7 @@
           <a:sym typeface="Gill Sans"/>
         </a:defRPr>
       </a:lvl5pPr>
-      <a:lvl6pPr marL="0" marR="0" indent="2286000" algn="r" defTabSz="396875" rtl="0" latinLnBrk="0">
+      <a:lvl6pPr marL="0" marR="0" indent="0" algn="r" defTabSz="396875" rtl="0" latinLnBrk="0">
         <a:lnSpc>
           <a:spcPct val="100000"/>
         </a:lnSpc>
@@ -23918,7 +23811,7 @@
           <a:sym typeface="Gill Sans"/>
         </a:defRPr>
       </a:lvl6pPr>
-      <a:lvl7pPr marL="0" marR="0" indent="2743200" algn="r" defTabSz="396875" rtl="0" latinLnBrk="0">
+      <a:lvl7pPr marL="0" marR="0" indent="0" algn="r" defTabSz="396875" rtl="0" latinLnBrk="0">
         <a:lnSpc>
           <a:spcPct val="100000"/>
         </a:lnSpc>
@@ -23947,7 +23840,7 @@
           <a:sym typeface="Gill Sans"/>
         </a:defRPr>
       </a:lvl7pPr>
-      <a:lvl8pPr marL="0" marR="0" indent="3200400" algn="r" defTabSz="396875" rtl="0" latinLnBrk="0">
+      <a:lvl8pPr marL="0" marR="0" indent="0" algn="r" defTabSz="396875" rtl="0" latinLnBrk="0">
         <a:lnSpc>
           <a:spcPct val="100000"/>
         </a:lnSpc>
@@ -23976,7 +23869,7 @@
           <a:sym typeface="Gill Sans"/>
         </a:defRPr>
       </a:lvl8pPr>
-      <a:lvl9pPr marL="0" marR="0" indent="3657600" algn="r" defTabSz="396875" rtl="0" latinLnBrk="0">
+      <a:lvl9pPr marL="0" marR="0" indent="0" algn="r" defTabSz="396875" rtl="0" latinLnBrk="0">
         <a:lnSpc>
           <a:spcPct val="100000"/>
         </a:lnSpc>
@@ -24049,16 +23942,15 @@
           </a:ln>
         </p:spPr>
         <p:txBody>
-          <a:bodyPr lIns="45719" rIns="45719" anchor="ctr"/>
+          <a:bodyPr lIns="45718" tIns="45718" rIns="45718" bIns="45718" anchor="ctr"/>
           <a:lstStyle/>
           <a:p>
             <a:pPr>
               <a:defRPr b="0" sz="1000">
-                <a:solidFill>
-                  <a:schemeClr val="accent3">
-                    <a:lumOff val="44000"/>
-                  </a:schemeClr>
-                </a:solidFill>
+                <a:latin typeface="Gill Sans"/>
+                <a:ea typeface="Gill Sans"/>
+                <a:cs typeface="Gill Sans"/>
+                <a:sym typeface="Gill Sans"/>
               </a:defRPr>
             </a:pPr>
           </a:p>
@@ -24072,8 +23964,8 @@
         </p:nvSpPr>
         <p:spPr>
           <a:xfrm>
-            <a:off x="420688" y="382587"/>
-            <a:ext cx="29433838" cy="5326064"/>
+            <a:off x="420688" y="382586"/>
+            <a:ext cx="29433838" cy="5326066"/>
           </a:xfrm>
           <a:prstGeom prst="rect">
             <a:avLst/>
@@ -24086,16 +23978,15 @@
           </a:ln>
         </p:spPr>
         <p:txBody>
-          <a:bodyPr lIns="45719" rIns="45719" anchor="ctr"/>
+          <a:bodyPr lIns="45718" tIns="45718" rIns="45718" bIns="45718" anchor="ctr"/>
           <a:lstStyle/>
           <a:p>
             <a:pPr>
               <a:defRPr b="0" sz="1000">
-                <a:solidFill>
-                  <a:schemeClr val="accent3">
-                    <a:lumOff val="44000"/>
-                  </a:schemeClr>
-                </a:solidFill>
+                <a:latin typeface="Gill Sans"/>
+                <a:ea typeface="Gill Sans"/>
+                <a:cs typeface="Gill Sans"/>
+                <a:sym typeface="Gill Sans"/>
               </a:defRPr>
             </a:pPr>
           </a:p>
@@ -24111,8 +24002,8 @@
         </p:nvSpPr>
         <p:spPr>
           <a:xfrm>
-            <a:off x="1001712" y="911640"/>
-            <a:ext cx="28575001" cy="2959101"/>
+            <a:off x="1001712" y="911638"/>
+            <a:ext cx="28575001" cy="2959104"/>
           </a:xfrm>
           <a:prstGeom prst="rect">
             <a:avLst/>
@@ -24160,9 +24051,7 @@
               </a:tabLst>
               <a:defRPr b="1" sz="15000">
                 <a:solidFill>
-                  <a:schemeClr val="accent3">
-                    <a:lumOff val="44000"/>
-                  </a:schemeClr>
+                  <a:srgbClr val="FFFFFF"/>
                 </a:solidFill>
                 <a:latin typeface="Neo Sans Intel"/>
                 <a:ea typeface="Neo Sans Intel"/>
@@ -24187,7 +24076,7 @@
         </p:nvSpPr>
         <p:spPr>
           <a:xfrm>
-            <a:off x="996950" y="4038533"/>
+            <a:off x="996950" y="4038532"/>
             <a:ext cx="28270200" cy="914401"/>
           </a:xfrm>
           <a:prstGeom prst="rect">
@@ -24243,11 +24132,6 @@
                 <a:tab pos="21374100" algn="l"/>
               </a:tabLst>
               <a:defRPr sz="6000">
-                <a:solidFill>
-                  <a:schemeClr val="accent3">
-                    <a:lumOff val="44000"/>
-                  </a:schemeClr>
-                </a:solidFill>
                 <a:latin typeface="Neo Sans Intel"/>
                 <a:ea typeface="Neo Sans Intel"/>
                 <a:cs typeface="Neo Sans Intel"/>
@@ -24272,7 +24156,7 @@
         <p:spPr>
           <a:xfrm>
             <a:off x="963612" y="40819387"/>
-            <a:ext cx="28651201" cy="1249701"/>
+            <a:ext cx="28651201" cy="1249697"/>
           </a:xfrm>
           <a:prstGeom prst="rect">
             <a:avLst/>
@@ -24287,7 +24171,7 @@
           </a:extLst>
         </p:spPr>
         <p:txBody>
-          <a:bodyPr lIns="40649" tIns="40649" rIns="40649" bIns="40649">
+          <a:bodyPr lIns="40648" tIns="40648" rIns="40648" bIns="40648">
             <a:spAutoFit/>
           </a:bodyPr>
           <a:lstStyle/>
@@ -24313,11 +24197,6 @@
                 <a:tab pos="13754100" algn="l"/>
               </a:tabLst>
               <a:defRPr sz="7700">
-                <a:solidFill>
-                  <a:schemeClr val="accent3">
-                    <a:lumOff val="44000"/>
-                  </a:schemeClr>
-                </a:solidFill>
                 <a:latin typeface="Neo Sans Intel"/>
                 <a:ea typeface="Neo Sans Intel"/>
                 <a:cs typeface="Neo Sans Intel"/>
@@ -24347,7 +24226,7 @@
         <p:spPr>
           <a:xfrm>
             <a:off x="415131" y="5831968"/>
-            <a:ext cx="29433838" cy="190501"/>
+            <a:ext cx="29433838" cy="190503"/>
           </a:xfrm>
           <a:prstGeom prst="rect">
             <a:avLst/>
@@ -24362,16 +24241,15 @@
           </a:ln>
         </p:spPr>
         <p:txBody>
-          <a:bodyPr lIns="45719" rIns="45719" anchor="ctr"/>
+          <a:bodyPr lIns="45718" tIns="45718" rIns="45718" bIns="45718" anchor="ctr"/>
           <a:lstStyle/>
           <a:p>
             <a:pPr>
               <a:defRPr b="0" sz="1000">
-                <a:solidFill>
-                  <a:schemeClr val="accent3">
-                    <a:lumOff val="44000"/>
-                  </a:schemeClr>
-                </a:solidFill>
+                <a:latin typeface="Gill Sans"/>
+                <a:ea typeface="Gill Sans"/>
+                <a:cs typeface="Gill Sans"/>
+                <a:sym typeface="Gill Sans"/>
               </a:defRPr>
             </a:pPr>
           </a:p>
@@ -24385,8 +24263,8 @@
         </p:nvSpPr>
         <p:spPr>
           <a:xfrm>
-            <a:off x="444500" y="6792347"/>
-            <a:ext cx="29438600" cy="1959989"/>
+            <a:off x="444500" y="6792345"/>
+            <a:ext cx="29438600" cy="1490086"/>
           </a:xfrm>
           <a:prstGeom prst="rect">
             <a:avLst/>
@@ -24401,7 +24279,7 @@
           </a:extLst>
         </p:spPr>
         <p:txBody>
-          <a:bodyPr lIns="45719" rIns="45719">
+          <a:bodyPr lIns="45718" tIns="45718" rIns="45718" bIns="45718">
             <a:spAutoFit/>
           </a:bodyPr>
           <a:lstStyle/>
@@ -24471,7 +24349,6 @@
           <a:blip r:embed="rId3">
             <a:extLst/>
           </a:blip>
-          <a:srcRect l="0" t="0" r="0" b="0"/>
           <a:stretch>
             <a:fillRect/>
           </a:stretch>
@@ -24479,7 +24356,7 @@
         <p:spPr>
           <a:xfrm>
             <a:off x="7518400" y="23241000"/>
-            <a:ext cx="4772302" cy="6731001"/>
+            <a:ext cx="4772303" cy="6731001"/>
           </a:xfrm>
           <a:prstGeom prst="rect">
             <a:avLst/>
@@ -24497,8 +24374,8 @@
         </p:nvSpPr>
         <p:spPr>
           <a:xfrm>
-            <a:off x="448021" y="5983098"/>
-            <a:ext cx="7620001" cy="828041"/>
+            <a:off x="448021" y="5983096"/>
+            <a:ext cx="7620001" cy="828037"/>
           </a:xfrm>
           <a:prstGeom prst="rect">
             <a:avLst/>
@@ -24513,12 +24390,20 @@
           </a:extLst>
         </p:spPr>
         <p:txBody>
-          <a:bodyPr lIns="45719" rIns="45719">
+          <a:bodyPr lIns="45718" tIns="45718" rIns="45718" bIns="45718">
             <a:spAutoFit/>
           </a:bodyPr>
           <a:lstStyle>
             <a:lvl1pPr>
-              <a:defRPr sz="5000"/>
+              <a:defRPr sz="5000">
+                <a:solidFill>
+                  <a:srgbClr val="2A5FA3"/>
+                </a:solidFill>
+                <a:latin typeface="Gill Sans"/>
+                <a:ea typeface="Gill Sans"/>
+                <a:cs typeface="Gill Sans"/>
+                <a:sym typeface="Gill Sans"/>
+              </a:defRPr>
             </a:lvl1pPr>
           </a:lstStyle>
           <a:p>
@@ -24537,8 +24422,8 @@
         </p:nvSpPr>
         <p:spPr>
           <a:xfrm>
-            <a:off x="444500" y="30480000"/>
-            <a:ext cx="7107798" cy="1490089"/>
+            <a:off x="444500" y="30226000"/>
+            <a:ext cx="7107798" cy="1959985"/>
           </a:xfrm>
           <a:prstGeom prst="rect">
             <a:avLst/>
@@ -24553,7 +24438,7 @@
           </a:extLst>
         </p:spPr>
         <p:txBody>
-          <a:bodyPr lIns="45719" rIns="45719">
+          <a:bodyPr lIns="45718" tIns="45718" rIns="45718" bIns="45718">
             <a:spAutoFit/>
           </a:bodyPr>
           <a:lstStyle/>
@@ -24609,6 +24494,24 @@
               <a:t>Cache with Redis</a:t>
             </a:r>
           </a:p>
+          <a:p>
+            <a:pPr marL="401052" indent="-401052" defTabSz="355600">
+              <a:buSzPct val="100000"/>
+              <a:buAutoNum type="arabicPeriod" startAt="1"/>
+              <a:defRPr sz="3000">
+                <a:solidFill>
+                  <a:srgbClr val="454545"/>
+                </a:solidFill>
+                <a:latin typeface="Helvetica Neue"/>
+                <a:ea typeface="Helvetica Neue"/>
+                <a:cs typeface="Helvetica Neue"/>
+                <a:sym typeface="Helvetica Neue"/>
+              </a:defRPr>
+            </a:pPr>
+            <a:r>
+              <a:t>DB with PostgreSQL</a:t>
+            </a:r>
+          </a:p>
         </p:txBody>
       </p:sp>
       <p:sp>
@@ -24619,8 +24522,8 @@
         </p:nvSpPr>
         <p:spPr>
           <a:xfrm>
-            <a:off x="15963900" y="38472628"/>
-            <a:ext cx="14116280" cy="1716848"/>
+            <a:off x="15963899" y="38472628"/>
+            <a:ext cx="14116281" cy="1716843"/>
           </a:xfrm>
           <a:prstGeom prst="rect">
             <a:avLst/>
@@ -24635,7 +24538,7 @@
           </a:extLst>
         </p:spPr>
         <p:txBody>
-          <a:bodyPr lIns="45719" rIns="45719">
+          <a:bodyPr lIns="45718" tIns="45718" rIns="45718" bIns="45718">
             <a:spAutoFit/>
           </a:bodyPr>
           <a:lstStyle/>
@@ -24645,7 +24548,6 @@
                 <a:srgbClr val="454545"/>
               </a:buClr>
               <a:buSzPct val="100000"/>
-              <a:buFont typeface="Helvetica Neue"/>
               <a:buAutoNum type="arabicPeriod" startAt="1"/>
               <a:defRPr sz="3500">
                 <a:solidFill>
@@ -24658,7 +24560,7 @@
               </a:defRPr>
             </a:pPr>
             <a:r>
-              <a:t>Link with messenger like Slack and KakaoTalk</a:t>
+              <a:t> Link with messenger like Slack and KakaoTalk</a:t>
             </a:r>
           </a:p>
           <a:p>
@@ -24667,7 +24569,6 @@
                 <a:srgbClr val="454545"/>
               </a:buClr>
               <a:buSzPct val="100000"/>
-              <a:buFont typeface="Helvetica Neue"/>
               <a:buAutoNum type="arabicPeriod" startAt="1"/>
               <a:defRPr sz="3500">
                 <a:solidFill>
@@ -24680,6 +24581,9 @@
               </a:defRPr>
             </a:pPr>
             <a:r>
+              <a:t> </a:t>
+            </a:r>
+            <a:r>
               <a:t>Add review of restaurant and menu feature </a:t>
             </a:r>
           </a:p>
@@ -24689,7 +24593,6 @@
                 <a:srgbClr val="454545"/>
               </a:buClr>
               <a:buSzPct val="100000"/>
-              <a:buFont typeface="Helvetica Neue"/>
               <a:buAutoNum type="arabicPeriod" startAt="1"/>
               <a:defRPr sz="3500">
                 <a:solidFill>
@@ -24701,6 +24604,9 @@
                 <a:sym typeface="Helvetica Neue"/>
               </a:defRPr>
             </a:pPr>
+            <a:r>
+              <a:t> </a:t>
+            </a:r>
             <a:r>
               <a:t>Improve service design</a:t>
             </a:r>
@@ -24725,8 +24631,8 @@
         </p:blipFill>
         <p:spPr>
           <a:xfrm>
-            <a:off x="980427" y="14326379"/>
-            <a:ext cx="8467453" cy="3678401"/>
+            <a:off x="980426" y="13310378"/>
+            <a:ext cx="8467454" cy="3678403"/>
           </a:xfrm>
           <a:prstGeom prst="rect">
             <a:avLst/>
@@ -24744,8 +24650,8 @@
         </p:nvSpPr>
         <p:spPr>
           <a:xfrm>
-            <a:off x="444500" y="18763282"/>
-            <a:ext cx="14116280" cy="1959989"/>
+            <a:off x="444499" y="17226582"/>
+            <a:ext cx="9254168" cy="4779385"/>
           </a:xfrm>
           <a:prstGeom prst="rect">
             <a:avLst/>
@@ -24760,7 +24666,7 @@
           </a:extLst>
         </p:spPr>
         <p:txBody>
-          <a:bodyPr lIns="45719" rIns="45719">
+          <a:bodyPr lIns="45718" tIns="45718" rIns="45718" bIns="45718">
             <a:spAutoFit/>
           </a:bodyPr>
           <a:lstStyle/>
@@ -24795,7 +24701,43 @@
               </a:defRPr>
             </a:pPr>
             <a:r>
-              <a:t>Docker and docker-compose for deploying</a:t>
+              <a:t>Docker and Docker-Compose for deploying</a:t>
+            </a:r>
+          </a:p>
+          <a:p>
+            <a:pPr lvl="1" marL="681789" indent="-300789" defTabSz="355600">
+              <a:buSzPct val="100000"/>
+              <a:buChar char="•"/>
+              <a:defRPr sz="3000">
+                <a:solidFill>
+                  <a:srgbClr val="454545"/>
+                </a:solidFill>
+                <a:latin typeface="Helvetica Neue"/>
+                <a:ea typeface="Helvetica Neue"/>
+                <a:cs typeface="Helvetica Neue"/>
+                <a:sym typeface="Helvetica Neue"/>
+              </a:defRPr>
+            </a:pPr>
+            <a:r>
+              <a:t>Easy to deploy</a:t>
+            </a:r>
+          </a:p>
+          <a:p>
+            <a:pPr lvl="1" marL="681789" indent="-300789" defTabSz="355600">
+              <a:buSzPct val="100000"/>
+              <a:buChar char="•"/>
+              <a:defRPr sz="3000">
+                <a:solidFill>
+                  <a:srgbClr val="454545"/>
+                </a:solidFill>
+                <a:latin typeface="Helvetica Neue"/>
+                <a:ea typeface="Helvetica Neue"/>
+                <a:cs typeface="Helvetica Neue"/>
+                <a:sym typeface="Helvetica Neue"/>
+              </a:defRPr>
+            </a:pPr>
+            <a:r>
+              <a:t>Easy to scale (scale up with Docker Swarm)</a:t>
             </a:r>
           </a:p>
           <a:p>
@@ -24813,7 +24755,43 @@
               </a:defRPr>
             </a:pPr>
             <a:r>
-              <a:t>Unicorn or WSGI (Supports Websocket)</a:t>
+              <a:t>Uvicorn for ASGI</a:t>
+            </a:r>
+          </a:p>
+          <a:p>
+            <a:pPr lvl="1" marL="681789" indent="-300789" defTabSz="355600">
+              <a:buSzPct val="100000"/>
+              <a:buChar char="•"/>
+              <a:defRPr sz="3000">
+                <a:solidFill>
+                  <a:srgbClr val="454545"/>
+                </a:solidFill>
+                <a:latin typeface="Helvetica Neue"/>
+                <a:ea typeface="Helvetica Neue"/>
+                <a:cs typeface="Helvetica Neue"/>
+                <a:sym typeface="Helvetica Neue"/>
+              </a:defRPr>
+            </a:pPr>
+            <a:r>
+              <a:t>Blazing Fast ASGI Server</a:t>
+            </a:r>
+          </a:p>
+          <a:p>
+            <a:pPr lvl="1" marL="681789" indent="-300789" defTabSz="355600">
+              <a:buSzPct val="100000"/>
+              <a:buChar char="•"/>
+              <a:defRPr sz="3000">
+                <a:solidFill>
+                  <a:srgbClr val="454545"/>
+                </a:solidFill>
+                <a:latin typeface="Helvetica Neue"/>
+                <a:ea typeface="Helvetica Neue"/>
+                <a:cs typeface="Helvetica Neue"/>
+                <a:sym typeface="Helvetica Neue"/>
+              </a:defRPr>
+            </a:pPr>
+            <a:r>
+              <a:t>Supports Websocket</a:t>
             </a:r>
           </a:p>
           <a:p>
@@ -24831,7 +24809,43 @@
               </a:defRPr>
             </a:pPr>
             <a:r>
-              <a:t>Caddy for Web Server (Automatic HTTPS)</a:t>
+              <a:t>Caddy for Web Server</a:t>
+            </a:r>
+          </a:p>
+          <a:p>
+            <a:pPr lvl="1" marL="681789" indent="-300789" defTabSz="355600">
+              <a:buSzPct val="100000"/>
+              <a:buChar char="•"/>
+              <a:defRPr sz="3000">
+                <a:solidFill>
+                  <a:srgbClr val="454545"/>
+                </a:solidFill>
+                <a:latin typeface="Helvetica Neue"/>
+                <a:ea typeface="Helvetica Neue"/>
+                <a:cs typeface="Helvetica Neue"/>
+                <a:sym typeface="Helvetica Neue"/>
+              </a:defRPr>
+            </a:pPr>
+            <a:r>
+              <a:t>Easy configuration</a:t>
+            </a:r>
+          </a:p>
+          <a:p>
+            <a:pPr lvl="1" marL="681789" indent="-300789" defTabSz="355600">
+              <a:buSzPct val="100000"/>
+              <a:buChar char="•"/>
+              <a:defRPr sz="3000">
+                <a:solidFill>
+                  <a:srgbClr val="454545"/>
+                </a:solidFill>
+                <a:latin typeface="Helvetica Neue"/>
+                <a:ea typeface="Helvetica Neue"/>
+                <a:cs typeface="Helvetica Neue"/>
+                <a:sym typeface="Helvetica Neue"/>
+              </a:defRPr>
+            </a:pPr>
+            <a:r>
+              <a:t>Automatic HTTPS</a:t>
             </a:r>
           </a:p>
         </p:txBody>
@@ -24848,15 +24862,15 @@
           <a:blip r:embed="rId5">
             <a:extLst/>
           </a:blip>
-          <a:srcRect l="4312" t="33405" r="4312" b="7"/>
+          <a:srcRect l="4312" t="33405" r="4312" b="5"/>
           <a:stretch>
             <a:fillRect/>
           </a:stretch>
         </p:blipFill>
         <p:spPr>
           <a:xfrm>
-            <a:off x="10282407" y="12803838"/>
-            <a:ext cx="9357759" cy="3950072"/>
+            <a:off x="10282407" y="12803836"/>
+            <a:ext cx="9357761" cy="3950076"/>
           </a:xfrm>
           <a:prstGeom prst="rect">
             <a:avLst/>
@@ -24878,15 +24892,15 @@
           <a:blip r:embed="rId6">
             <a:extLst/>
           </a:blip>
-          <a:srcRect l="0" t="0" r="3303" b="3708"/>
+          <a:srcRect l="0" t="0" r="3302" b="3708"/>
           <a:stretch>
             <a:fillRect/>
           </a:stretch>
         </p:blipFill>
         <p:spPr>
           <a:xfrm>
-            <a:off x="10287000" y="17895619"/>
-            <a:ext cx="5349131" cy="3224240"/>
+            <a:off x="10286999" y="17044719"/>
+            <a:ext cx="5349132" cy="3224242"/>
           </a:xfrm>
           <a:prstGeom prst="rect">
             <a:avLst/>
@@ -24908,15 +24922,15 @@
           <a:blip r:embed="rId7">
             <a:extLst/>
           </a:blip>
-          <a:srcRect l="0" t="0" r="0" b="19358"/>
+          <a:srcRect l="0" t="0" r="0" b="19357"/>
           <a:stretch>
             <a:fillRect/>
           </a:stretch>
         </p:blipFill>
         <p:spPr>
           <a:xfrm>
-            <a:off x="20320000" y="12435948"/>
-            <a:ext cx="8824677" cy="4455525"/>
+            <a:off x="20320000" y="12435947"/>
+            <a:ext cx="8824677" cy="4455528"/>
           </a:xfrm>
           <a:prstGeom prst="rect">
             <a:avLst/>
@@ -24945,8 +24959,8 @@
         </p:blipFill>
         <p:spPr>
           <a:xfrm>
-            <a:off x="20320000" y="17817293"/>
-            <a:ext cx="6554977" cy="2046322"/>
+            <a:off x="20320000" y="17817292"/>
+            <a:ext cx="6554977" cy="2046324"/>
           </a:xfrm>
           <a:prstGeom prst="rect">
             <a:avLst/>
@@ -24958,14 +24972,14 @@
       </p:pic>
       <p:sp>
         <p:nvSpPr>
-          <p:cNvPr id="1417" name="SSL test report"/>
+          <p:cNvPr id="1417" name="docker automated build"/>
           <p:cNvSpPr txBox="1"/>
           <p:nvPr/>
         </p:nvSpPr>
         <p:spPr>
           <a:xfrm>
-            <a:off x="10287000" y="16959960"/>
-            <a:ext cx="7536255" cy="550289"/>
+            <a:off x="20320000" y="20446999"/>
+            <a:ext cx="8237529" cy="1490086"/>
           </a:xfrm>
           <a:prstGeom prst="rect">
             <a:avLst/>
@@ -24980,16 +24994,13 @@
           </a:extLst>
         </p:spPr>
         <p:txBody>
-          <a:bodyPr lIns="45719" rIns="45719">
+          <a:bodyPr lIns="45718" tIns="45718" rIns="45718" bIns="45718">
             <a:spAutoFit/>
           </a:bodyPr>
-          <a:lstStyle>
-            <a:lvl1pPr marL="426719" indent="-426719" defTabSz="355600">
-              <a:buClr>
-                <a:srgbClr val="454545"/>
-              </a:buClr>
+          <a:lstStyle/>
+          <a:p>
+            <a:pPr marL="300789" indent="-300789" defTabSz="355600">
               <a:buSzPct val="100000"/>
-              <a:buFont typeface="Menlo"/>
               <a:buChar char="•"/>
               <a:defRPr i="1" sz="3000">
                 <a:solidFill>
@@ -25000,50 +25011,14 @@
                 <a:cs typeface="Helvetica Neue"/>
                 <a:sym typeface="Helvetica Neue"/>
               </a:defRPr>
-            </a:lvl1pPr>
-          </a:lstStyle>
-          <a:p>
-            <a:pPr/>
-            <a:r>
-              <a:t>SSL test report</a:t>
-            </a:r>
-          </a:p>
-        </p:txBody>
-      </p:sp>
-      <p:sp>
-        <p:nvSpPr>
-          <p:cNvPr id="1418" name="docker automated build"/>
-          <p:cNvSpPr txBox="1"/>
-          <p:nvPr/>
-        </p:nvSpPr>
-        <p:spPr>
-          <a:xfrm>
-            <a:off x="20320000" y="20318967"/>
-            <a:ext cx="6882335" cy="550289"/>
-          </a:xfrm>
-          <a:prstGeom prst="rect">
-            <a:avLst/>
-          </a:prstGeom>
-          <a:ln w="12700">
-            <a:miter lim="400000"/>
-          </a:ln>
-          <a:extLst>
-            <a:ext uri="{C572A759-6A51-4108-AA02-DFA0A04FC94B}">
-              <ma14:wrappingTextBoxFlag xmlns:ma14="http://schemas.microsoft.com/office/mac/drawingml/2011/main" val="1"/>
-            </a:ext>
-          </a:extLst>
-        </p:spPr>
-        <p:txBody>
-          <a:bodyPr lIns="45719" rIns="45719">
-            <a:spAutoFit/>
-          </a:bodyPr>
-          <a:lstStyle>
-            <a:lvl1pPr marL="426719" indent="-426719" defTabSz="355600">
-              <a:buClr>
-                <a:srgbClr val="454545"/>
-              </a:buClr>
+            </a:pPr>
+            <a:r>
+              <a:t>Easy and Fast Deployment with Docker</a:t>
+            </a:r>
+          </a:p>
+          <a:p>
+            <a:pPr marL="300789" indent="-300789" defTabSz="355600">
               <a:buSzPct val="100000"/>
-              <a:buFont typeface="Menlo"/>
               <a:buChar char="•"/>
               <a:defRPr i="1" sz="3000">
                 <a:solidFill>
@@ -25054,19 +25029,16 @@
                 <a:cs typeface="Helvetica Neue"/>
                 <a:sym typeface="Helvetica Neue"/>
               </a:defRPr>
-            </a:lvl1pPr>
-          </a:lstStyle>
-          <a:p>
-            <a:pPr/>
-            <a:r>
-              <a:t>docker automated build</a:t>
+            </a:pPr>
+            <a:r>
+              <a:t>Docker Image is built with Docker Hub Automated Build</a:t>
             </a:r>
           </a:p>
         </p:txBody>
       </p:sp>
       <p:pic>
         <p:nvPicPr>
-          <p:cNvPr id="1419" name="이미지" descr="이미지"/>
+          <p:cNvPr id="1418" name="이미지" descr="이미지"/>
           <p:cNvPicPr>
             <a:picLocks noChangeAspect="1"/>
           </p:cNvPicPr>
@@ -25083,8 +25055,8 @@
         </p:blipFill>
         <p:spPr>
           <a:xfrm>
-            <a:off x="444499" y="34209176"/>
-            <a:ext cx="6093220" cy="3997735"/>
+            <a:off x="444499" y="34209177"/>
+            <a:ext cx="6093220" cy="3997736"/>
           </a:xfrm>
           <a:prstGeom prst="rect">
             <a:avLst/>
@@ -25096,7 +25068,7 @@
       </p:pic>
       <p:pic>
         <p:nvPicPr>
-          <p:cNvPr id="1420" name="이미지" descr="이미지"/>
+          <p:cNvPr id="1419" name="이미지" descr="이미지"/>
           <p:cNvPicPr>
             <a:picLocks noChangeAspect="1"/>
           </p:cNvPicPr>
@@ -25113,7 +25085,7 @@
         <p:spPr>
           <a:xfrm>
             <a:off x="7518400" y="34728487"/>
-            <a:ext cx="6342535" cy="2959101"/>
+            <a:ext cx="6342535" cy="2959103"/>
           </a:xfrm>
           <a:prstGeom prst="rect">
             <a:avLst/>
@@ -25125,14 +25097,14 @@
       </p:pic>
       <p:sp>
         <p:nvSpPr>
-          <p:cNvPr id="1421" name="Test Tool: CircleCI &amp; Codecov…"/>
+          <p:cNvPr id="1420" name="Test Tool: CircleCI &amp; Codecov…"/>
           <p:cNvSpPr txBox="1"/>
           <p:nvPr/>
         </p:nvSpPr>
         <p:spPr>
           <a:xfrm>
-            <a:off x="444500" y="38589385"/>
-            <a:ext cx="15240000" cy="1490089"/>
+            <a:off x="444500" y="38589384"/>
+            <a:ext cx="15240000" cy="1020185"/>
           </a:xfrm>
           <a:prstGeom prst="rect">
             <a:avLst/>
@@ -25147,7 +25119,7 @@
           </a:extLst>
         </p:spPr>
         <p:txBody>
-          <a:bodyPr lIns="45719" rIns="45719">
+          <a:bodyPr lIns="45718" tIns="45718" rIns="45718" bIns="45718">
             <a:spAutoFit/>
           </a:bodyPr>
           <a:lstStyle/>
@@ -25187,14 +25159,14 @@
       </p:sp>
       <p:sp>
         <p:nvSpPr>
-          <p:cNvPr id="1422" name="Rectangle 2"/>
+          <p:cNvPr id="1421" name="Rectangle 2"/>
           <p:cNvSpPr/>
           <p:nvPr/>
         </p:nvSpPr>
         <p:spPr>
           <a:xfrm>
             <a:off x="542131" y="8638668"/>
-            <a:ext cx="29433838" cy="190501"/>
+            <a:ext cx="29433838" cy="190503"/>
           </a:xfrm>
           <a:prstGeom prst="rect">
             <a:avLst/>
@@ -25209,16 +25181,15 @@
           </a:ln>
         </p:spPr>
         <p:txBody>
-          <a:bodyPr lIns="45719" rIns="45719" anchor="ctr"/>
+          <a:bodyPr lIns="45718" tIns="45718" rIns="45718" bIns="45718" anchor="ctr"/>
           <a:lstStyle/>
           <a:p>
             <a:pPr>
               <a:defRPr b="0" sz="1000">
-                <a:solidFill>
-                  <a:schemeClr val="accent3">
-                    <a:lumOff val="44000"/>
-                  </a:schemeClr>
-                </a:solidFill>
+                <a:latin typeface="Gill Sans"/>
+                <a:ea typeface="Gill Sans"/>
+                <a:cs typeface="Gill Sans"/>
+                <a:sym typeface="Gill Sans"/>
               </a:defRPr>
             </a:pPr>
           </a:p>
@@ -25226,14 +25197,14 @@
       </p:sp>
       <p:sp>
         <p:nvSpPr>
-          <p:cNvPr id="1423" name="Key Features"/>
+          <p:cNvPr id="1422" name="Key Features"/>
           <p:cNvSpPr txBox="1"/>
           <p:nvPr/>
         </p:nvSpPr>
         <p:spPr>
           <a:xfrm>
-            <a:off x="448021" y="8920344"/>
-            <a:ext cx="7620001" cy="828041"/>
+            <a:off x="448021" y="8920343"/>
+            <a:ext cx="7620001" cy="828037"/>
           </a:xfrm>
           <a:prstGeom prst="rect">
             <a:avLst/>
@@ -25248,12 +25219,20 @@
           </a:extLst>
         </p:spPr>
         <p:txBody>
-          <a:bodyPr lIns="45719" rIns="45719">
+          <a:bodyPr lIns="45718" tIns="45718" rIns="45718" bIns="45718">
             <a:spAutoFit/>
           </a:bodyPr>
           <a:lstStyle>
             <a:lvl1pPr>
-              <a:defRPr sz="5000"/>
+              <a:defRPr sz="5000">
+                <a:solidFill>
+                  <a:srgbClr val="2A5FA3"/>
+                </a:solidFill>
+                <a:latin typeface="Gill Sans"/>
+                <a:ea typeface="Gill Sans"/>
+                <a:cs typeface="Gill Sans"/>
+                <a:sym typeface="Gill Sans"/>
+              </a:defRPr>
             </a:lvl1pPr>
           </a:lstStyle>
           <a:p>
@@ -25266,13 +25245,13 @@
       </p:sp>
       <p:graphicFrame>
         <p:nvGraphicFramePr>
-          <p:cNvPr id="1424" name="표"/>
+          <p:cNvPr id="1423" name="표"/>
           <p:cNvGraphicFramePr/>
           <p:nvPr/>
         </p:nvGraphicFramePr>
         <p:xfrm>
-          <a:off x="466485" y="9831112"/>
-          <a:ext cx="29183559" cy="1893949"/>
+          <a:off x="466483" y="9831112"/>
+          <a:ext cx="29183563" cy="1893951"/>
         </p:xfrm>
         <a:graphic xmlns:a="http://schemas.openxmlformats.org/drawingml/2006/main">
           <a:graphicData uri="http://schemas.openxmlformats.org/drawingml/2006/table">
@@ -25296,7 +25275,6 @@
                           <a:srgbClr val="454545"/>
                         </a:buClr>
                         <a:buSzPct val="100000"/>
-                        <a:buFont typeface="Helvetica Neue"/>
                         <a:buAutoNum type="arabicPeriod" startAt="1"/>
                         <a:defRPr b="1" sz="3000">
                           <a:solidFill>
@@ -25313,14 +25291,10 @@
                       </a:r>
                     </a:p>
                     <a:p>
-                      <a:pPr marL="426719" indent="-426719" algn="l" defTabSz="355600">
-                        <a:buClr>
-                          <a:srgbClr val="454545"/>
-                        </a:buClr>
+                      <a:pPr marL="300789" indent="-300789" algn="l" defTabSz="355600">
                         <a:buSzPct val="100000"/>
-                        <a:buFont typeface="Menlo"/>
                         <a:buChar char="•"/>
-                        <a:defRPr b="1" sz="3000">
+                        <a:defRPr b="1" i="1" sz="3000">
                           <a:solidFill>
                             <a:srgbClr val="454545"/>
                           </a:solidFill>
@@ -25331,22 +25305,22 @@
                         </a:defRPr>
                       </a:pPr>
                       <a:r>
-                        <a:rPr i="1"/>
                         <a:t>Party </a:t>
                       </a:r>
                       <a:r>
+                        <a:rPr i="0"/>
                         <a:t>is an unit of people who want to eat together (e.g. CSE club room supper Chinese food party).</a:t>
                       </a:r>
                     </a:p>
                   </a:txBody>
                   <a:tcPr marL="0" marR="0" marT="0" marB="0" anchor="t" anchorCtr="0" horzOverflow="overflow">
-                    <a:lnL w="0">
+                    <a:lnL w="12700">
                       <a:miter lim="400000"/>
                     </a:lnL>
-                    <a:lnT w="0">
+                    <a:lnT w="12700">
                       <a:miter lim="400000"/>
                     </a:lnT>
-                    <a:lnB w="0">
+                    <a:lnB w="12700">
                       <a:miter lim="400000"/>
                     </a:lnB>
                     <a:noFill/>
@@ -25373,12 +25347,8 @@
                       </a:r>
                     </a:p>
                     <a:p>
-                      <a:pPr marL="426719" indent="-426719" algn="l" defTabSz="355600">
-                        <a:buClr>
-                          <a:srgbClr val="454545"/>
-                        </a:buClr>
+                      <a:pPr marL="300789" indent="-300789" algn="l" defTabSz="355600">
                         <a:buSzPct val="100000"/>
-                        <a:buFont typeface="Menlo"/>
                         <a:buChar char="•"/>
                         <a:defRPr b="1" sz="3000">
                           <a:solidFill>
@@ -25396,10 +25366,10 @@
                     </a:p>
                   </a:txBody>
                   <a:tcPr marL="0" marR="0" marT="0" marB="0" anchor="t" anchorCtr="0" horzOverflow="overflow">
-                    <a:lnT w="0">
+                    <a:lnT w="12700">
                       <a:miter lim="400000"/>
                     </a:lnT>
-                    <a:lnB w="0">
+                    <a:lnB w="12700">
                       <a:miter lim="400000"/>
                     </a:lnB>
                     <a:noFill/>
@@ -25426,12 +25396,8 @@
                       </a:r>
                     </a:p>
                     <a:p>
-                      <a:pPr marL="426719" indent="-426719" algn="l" defTabSz="355600">
-                        <a:buClr>
-                          <a:srgbClr val="454545"/>
-                        </a:buClr>
+                      <a:pPr marL="300789" indent="-300789" algn="l" defTabSz="355600">
                         <a:buSzPct val="100000"/>
-                        <a:buFont typeface="Menlo"/>
                         <a:buChar char="•"/>
                         <a:defRPr b="1" sz="3000">
                           <a:solidFill>
@@ -25449,13 +25415,13 @@
                     </a:p>
                   </a:txBody>
                   <a:tcPr marL="0" marR="0" marT="0" marB="0" anchor="t" anchorCtr="0" horzOverflow="overflow">
-                    <a:lnR w="0">
+                    <a:lnR w="12700">
                       <a:miter lim="400000"/>
                     </a:lnR>
-                    <a:lnT w="0">
+                    <a:lnT w="12700">
                       <a:miter lim="400000"/>
                     </a:lnT>
-                    <a:lnB w="0">
+                    <a:lnB w="12700">
                       <a:miter lim="400000"/>
                     </a:lnB>
                     <a:noFill/>
@@ -25468,14 +25434,14 @@
       </p:graphicFrame>
       <p:sp>
         <p:nvSpPr>
-          <p:cNvPr id="1425" name="Rectangle 2"/>
+          <p:cNvPr id="1424" name="Rectangle 2"/>
           <p:cNvSpPr/>
           <p:nvPr/>
         </p:nvSpPr>
         <p:spPr>
           <a:xfrm>
-            <a:off x="542131" y="11911587"/>
-            <a:ext cx="29433838" cy="190501"/>
+            <a:off x="542131" y="11911586"/>
+            <a:ext cx="29433838" cy="190503"/>
           </a:xfrm>
           <a:prstGeom prst="rect">
             <a:avLst/>
@@ -25490,16 +25456,15 @@
           </a:ln>
         </p:spPr>
         <p:txBody>
-          <a:bodyPr lIns="45719" rIns="45719" anchor="ctr"/>
+          <a:bodyPr lIns="45718" tIns="45718" rIns="45718" bIns="45718" anchor="ctr"/>
           <a:lstStyle/>
           <a:p>
             <a:pPr>
               <a:defRPr b="0" sz="1000">
-                <a:solidFill>
-                  <a:schemeClr val="accent3">
-                    <a:lumOff val="44000"/>
-                  </a:schemeClr>
-                </a:solidFill>
+                <a:latin typeface="Gill Sans"/>
+                <a:ea typeface="Gill Sans"/>
+                <a:cs typeface="Gill Sans"/>
+                <a:sym typeface="Gill Sans"/>
               </a:defRPr>
             </a:pPr>
           </a:p>
@@ -25507,14 +25472,14 @@
       </p:sp>
       <p:sp>
         <p:nvSpPr>
-          <p:cNvPr id="1426" name="System Architecture"/>
+          <p:cNvPr id="1425" name="System Architecture"/>
           <p:cNvSpPr txBox="1"/>
           <p:nvPr/>
         </p:nvSpPr>
         <p:spPr>
           <a:xfrm>
             <a:off x="448021" y="12238245"/>
-            <a:ext cx="7620001" cy="828041"/>
+            <a:ext cx="7620001" cy="828037"/>
           </a:xfrm>
           <a:prstGeom prst="rect">
             <a:avLst/>
@@ -25529,12 +25494,20 @@
           </a:extLst>
         </p:spPr>
         <p:txBody>
-          <a:bodyPr lIns="45719" rIns="45719">
+          <a:bodyPr lIns="45718" tIns="45718" rIns="45718" bIns="45718">
             <a:spAutoFit/>
           </a:bodyPr>
           <a:lstStyle>
             <a:lvl1pPr>
-              <a:defRPr sz="5000"/>
+              <a:defRPr sz="5000">
+                <a:solidFill>
+                  <a:srgbClr val="2A5FA3"/>
+                </a:solidFill>
+                <a:latin typeface="Gill Sans"/>
+                <a:ea typeface="Gill Sans"/>
+                <a:cs typeface="Gill Sans"/>
+                <a:sym typeface="Gill Sans"/>
+              </a:defRPr>
             </a:lvl1pPr>
           </a:lstStyle>
           <a:p>
@@ -25547,14 +25520,14 @@
       </p:sp>
       <p:sp>
         <p:nvSpPr>
-          <p:cNvPr id="1427" name="Frontend Architecture…"/>
+          <p:cNvPr id="1426" name="Frontend Architecture…"/>
           <p:cNvSpPr txBox="1"/>
           <p:nvPr/>
         </p:nvSpPr>
         <p:spPr>
           <a:xfrm>
-            <a:off x="7522079" y="30480000"/>
-            <a:ext cx="8237530" cy="1490089"/>
+            <a:off x="7522078" y="30225999"/>
+            <a:ext cx="8237530" cy="1490086"/>
           </a:xfrm>
           <a:prstGeom prst="rect">
             <a:avLst/>
@@ -25569,7 +25542,7 @@
           </a:extLst>
         </p:spPr>
         <p:txBody>
-          <a:bodyPr lIns="45719" rIns="45719">
+          <a:bodyPr lIns="45718" tIns="45718" rIns="45718" bIns="45718">
             <a:spAutoFit/>
           </a:bodyPr>
           <a:lstStyle/>
@@ -25629,14 +25602,14 @@
       </p:sp>
       <p:sp>
         <p:nvSpPr>
-          <p:cNvPr id="1428" name="HTTPS"/>
+          <p:cNvPr id="1427" name="HTTPS"/>
           <p:cNvSpPr txBox="1"/>
           <p:nvPr/>
         </p:nvSpPr>
         <p:spPr>
           <a:xfrm>
-            <a:off x="10287000" y="21433833"/>
-            <a:ext cx="7536255" cy="550290"/>
+            <a:off x="10287000" y="20446999"/>
+            <a:ext cx="7536254" cy="1490086"/>
           </a:xfrm>
           <a:prstGeom prst="rect">
             <a:avLst/>
@@ -25651,16 +25624,13 @@
           </a:extLst>
         </p:spPr>
         <p:txBody>
-          <a:bodyPr lIns="45719" rIns="45719">
+          <a:bodyPr lIns="45718" tIns="45718" rIns="45718" bIns="45718">
             <a:spAutoFit/>
           </a:bodyPr>
-          <a:lstStyle>
-            <a:lvl1pPr marL="426719" indent="-426719" defTabSz="355600">
-              <a:buClr>
-                <a:srgbClr val="454545"/>
-              </a:buClr>
+          <a:lstStyle/>
+          <a:p>
+            <a:pPr marL="300789" indent="-300789" defTabSz="355600">
               <a:buSzPct val="100000"/>
-              <a:buFont typeface="Menlo"/>
               <a:buChar char="•"/>
               <a:defRPr i="1" sz="3000">
                 <a:solidFill>
@@ -25671,26 +25641,73 @@
                 <a:cs typeface="Helvetica Neue"/>
                 <a:sym typeface="Helvetica Neue"/>
               </a:defRPr>
-            </a:lvl1pPr>
-          </a:lstStyle>
-          <a:p>
-            <a:pPr/>
-            <a:r>
-              <a:t>HTTPS</a:t>
-            </a:r>
-          </a:p>
-        </p:txBody>
-      </p:sp>
-      <p:sp>
-        <p:nvSpPr>
-          <p:cNvPr id="1429" name="Rectangle 2"/>
+            </a:pPr>
+            <a:r>
+              <a:t>Dedicated domain </a:t>
+            </a:r>
+            <a:r>
+              <a:rPr u="sng">
+                <a:solidFill>
+                  <a:srgbClr val="0000FF"/>
+                </a:solidFill>
+                <a:uFill>
+                  <a:solidFill>
+                    <a:srgbClr val="0000FF"/>
+                  </a:solidFill>
+                </a:uFill>
+                <a:hlinkClick r:id="rId11" invalidUrl="" action="" tgtFrame="" tooltip="" history="1" highlightClick="0" endSnd="0"/>
+              </a:rPr>
+              <a:t>www.moyobob.me</a:t>
+            </a:r>
+          </a:p>
+          <a:p>
+            <a:pPr marL="300789" indent="-300789" defTabSz="355600">
+              <a:buSzPct val="100000"/>
+              <a:buChar char="•"/>
+              <a:defRPr i="1" sz="3000">
+                <a:solidFill>
+                  <a:srgbClr val="454545"/>
+                </a:solidFill>
+                <a:latin typeface="Helvetica Neue"/>
+                <a:ea typeface="Helvetica Neue"/>
+                <a:cs typeface="Helvetica Neue"/>
+                <a:sym typeface="Helvetica Neue"/>
+              </a:defRPr>
+            </a:pPr>
+            <a:r>
+              <a:t>Full HTTPS support with Caddy</a:t>
+            </a:r>
+          </a:p>
+          <a:p>
+            <a:pPr lvl="1" marL="681789" indent="-300789" defTabSz="355600">
+              <a:buSzPct val="100000"/>
+              <a:buChar char="•"/>
+              <a:defRPr i="1" sz="3000">
+                <a:solidFill>
+                  <a:srgbClr val="454545"/>
+                </a:solidFill>
+                <a:latin typeface="Helvetica Neue"/>
+                <a:ea typeface="Helvetica Neue"/>
+                <a:cs typeface="Helvetica Neue"/>
+                <a:sym typeface="Helvetica Neue"/>
+              </a:defRPr>
+            </a:pPr>
+            <a:r>
+              <a:t>‘A’ rated by Qualys SSL Test</a:t>
+            </a:r>
+          </a:p>
+        </p:txBody>
+      </p:sp>
+      <p:sp>
+        <p:nvSpPr>
+          <p:cNvPr id="1428" name="Rectangle 2"/>
           <p:cNvSpPr/>
           <p:nvPr/>
         </p:nvSpPr>
         <p:spPr>
           <a:xfrm>
-            <a:off x="415131" y="22240841"/>
-            <a:ext cx="29433838" cy="190501"/>
+            <a:off x="415131" y="22240839"/>
+            <a:ext cx="29433838" cy="190503"/>
           </a:xfrm>
           <a:prstGeom prst="rect">
             <a:avLst/>
@@ -25705,16 +25722,15 @@
           </a:ln>
         </p:spPr>
         <p:txBody>
-          <a:bodyPr lIns="45719" rIns="45719" anchor="ctr"/>
+          <a:bodyPr lIns="45718" tIns="45718" rIns="45718" bIns="45718" anchor="ctr"/>
           <a:lstStyle/>
           <a:p>
             <a:pPr>
               <a:defRPr b="0" sz="1000">
-                <a:solidFill>
-                  <a:schemeClr val="accent3">
-                    <a:lumOff val="44000"/>
-                  </a:schemeClr>
-                </a:solidFill>
+                <a:latin typeface="Gill Sans"/>
+                <a:ea typeface="Gill Sans"/>
+                <a:cs typeface="Gill Sans"/>
+                <a:sym typeface="Gill Sans"/>
               </a:defRPr>
             </a:pPr>
           </a:p>
@@ -25722,14 +25738,14 @@
       </p:sp>
       <p:sp>
         <p:nvSpPr>
-          <p:cNvPr id="1430" name="Test Coverage"/>
+          <p:cNvPr id="1429" name="Test Coverage"/>
           <p:cNvSpPr txBox="1"/>
           <p:nvPr/>
         </p:nvSpPr>
         <p:spPr>
           <a:xfrm>
-            <a:off x="444500" y="32947122"/>
-            <a:ext cx="7620000" cy="828041"/>
+            <a:off x="444500" y="32947120"/>
+            <a:ext cx="7620000" cy="828037"/>
           </a:xfrm>
           <a:prstGeom prst="rect">
             <a:avLst/>
@@ -25744,12 +25760,20 @@
           </a:extLst>
         </p:spPr>
         <p:txBody>
-          <a:bodyPr lIns="45719" rIns="45719">
+          <a:bodyPr lIns="45718" tIns="45718" rIns="45718" bIns="45718">
             <a:spAutoFit/>
           </a:bodyPr>
           <a:lstStyle>
             <a:lvl1pPr>
-              <a:defRPr sz="5000"/>
+              <a:defRPr sz="5000">
+                <a:solidFill>
+                  <a:srgbClr val="2A5FA3"/>
+                </a:solidFill>
+                <a:latin typeface="Gill Sans"/>
+                <a:ea typeface="Gill Sans"/>
+                <a:cs typeface="Gill Sans"/>
+                <a:sym typeface="Gill Sans"/>
+              </a:defRPr>
             </a:lvl1pPr>
           </a:lstStyle>
           <a:p>
@@ -25762,14 +25786,14 @@
       </p:sp>
       <p:sp>
         <p:nvSpPr>
-          <p:cNvPr id="1431" name="Rectangle 2"/>
+          <p:cNvPr id="1430" name="Rectangle 2"/>
           <p:cNvSpPr/>
           <p:nvPr/>
         </p:nvSpPr>
         <p:spPr>
           <a:xfrm>
-            <a:off x="572294" y="32541979"/>
-            <a:ext cx="14794082" cy="190501"/>
+            <a:off x="572293" y="32541979"/>
+            <a:ext cx="14794084" cy="190503"/>
           </a:xfrm>
           <a:prstGeom prst="rect">
             <a:avLst/>
@@ -25784,16 +25808,15 @@
           </a:ln>
         </p:spPr>
         <p:txBody>
-          <a:bodyPr lIns="45719" rIns="45719" anchor="ctr"/>
+          <a:bodyPr lIns="45718" tIns="45718" rIns="45718" bIns="45718" anchor="ctr"/>
           <a:lstStyle/>
           <a:p>
             <a:pPr>
               <a:defRPr b="0" sz="1000">
-                <a:solidFill>
-                  <a:schemeClr val="accent3">
-                    <a:lumOff val="44000"/>
-                  </a:schemeClr>
-                </a:solidFill>
+                <a:latin typeface="Gill Sans"/>
+                <a:ea typeface="Gill Sans"/>
+                <a:cs typeface="Gill Sans"/>
+                <a:sym typeface="Gill Sans"/>
               </a:defRPr>
             </a:pPr>
           </a:p>
@@ -25801,14 +25824,14 @@
       </p:sp>
       <p:sp>
         <p:nvSpPr>
-          <p:cNvPr id="1432" name="User Interface"/>
+          <p:cNvPr id="1431" name="User Interface"/>
           <p:cNvSpPr txBox="1"/>
           <p:nvPr/>
         </p:nvSpPr>
         <p:spPr>
           <a:xfrm>
-            <a:off x="15969808" y="22742491"/>
-            <a:ext cx="7620001" cy="828041"/>
+            <a:off x="15969808" y="22742489"/>
+            <a:ext cx="7620002" cy="828037"/>
           </a:xfrm>
           <a:prstGeom prst="rect">
             <a:avLst/>
@@ -25823,12 +25846,20 @@
           </a:extLst>
         </p:spPr>
         <p:txBody>
-          <a:bodyPr lIns="45719" rIns="45719">
+          <a:bodyPr lIns="45718" tIns="45718" rIns="45718" bIns="45718">
             <a:spAutoFit/>
           </a:bodyPr>
           <a:lstStyle>
             <a:lvl1pPr>
-              <a:defRPr sz="5000"/>
+              <a:defRPr sz="5000">
+                <a:solidFill>
+                  <a:srgbClr val="2A5FA3"/>
+                </a:solidFill>
+                <a:latin typeface="Gill Sans"/>
+                <a:ea typeface="Gill Sans"/>
+                <a:cs typeface="Gill Sans"/>
+                <a:sym typeface="Gill Sans"/>
+              </a:defRPr>
             </a:lvl1pPr>
           </a:lstStyle>
           <a:p>
@@ -25841,14 +25872,14 @@
       </p:sp>
       <p:sp>
         <p:nvSpPr>
-          <p:cNvPr id="1433" name="Rectangle 2"/>
+          <p:cNvPr id="1432" name="Rectangle 2"/>
           <p:cNvSpPr/>
           <p:nvPr/>
         </p:nvSpPr>
         <p:spPr>
           <a:xfrm>
-            <a:off x="16007177" y="37207470"/>
-            <a:ext cx="13670799" cy="190501"/>
+            <a:off x="16007176" y="37207471"/>
+            <a:ext cx="13670802" cy="190503"/>
           </a:xfrm>
           <a:prstGeom prst="rect">
             <a:avLst/>
@@ -25863,16 +25894,15 @@
           </a:ln>
         </p:spPr>
         <p:txBody>
-          <a:bodyPr lIns="45719" rIns="45719" anchor="ctr"/>
+          <a:bodyPr lIns="45718" tIns="45718" rIns="45718" bIns="45718" anchor="ctr"/>
           <a:lstStyle/>
           <a:p>
             <a:pPr>
               <a:defRPr b="0" sz="1000">
-                <a:solidFill>
-                  <a:schemeClr val="accent3">
-                    <a:lumOff val="44000"/>
-                  </a:schemeClr>
-                </a:solidFill>
+                <a:latin typeface="Gill Sans"/>
+                <a:ea typeface="Gill Sans"/>
+                <a:cs typeface="Gill Sans"/>
+                <a:sym typeface="Gill Sans"/>
               </a:defRPr>
             </a:pPr>
           </a:p>
@@ -25880,14 +25910,14 @@
       </p:sp>
       <p:sp>
         <p:nvSpPr>
-          <p:cNvPr id="1434" name="Future Work"/>
+          <p:cNvPr id="1433" name="Future Work"/>
           <p:cNvSpPr txBox="1"/>
           <p:nvPr/>
         </p:nvSpPr>
         <p:spPr>
           <a:xfrm>
-            <a:off x="15963900" y="37521279"/>
-            <a:ext cx="7620000" cy="828041"/>
+            <a:off x="15963900" y="37521278"/>
+            <a:ext cx="7620000" cy="828037"/>
           </a:xfrm>
           <a:prstGeom prst="rect">
             <a:avLst/>
@@ -25902,12 +25932,20 @@
           </a:extLst>
         </p:spPr>
         <p:txBody>
-          <a:bodyPr lIns="45719" rIns="45719">
+          <a:bodyPr lIns="45718" tIns="45718" rIns="45718" bIns="45718">
             <a:spAutoFit/>
           </a:bodyPr>
           <a:lstStyle>
             <a:lvl1pPr>
-              <a:defRPr sz="5000"/>
+              <a:defRPr sz="5000">
+                <a:solidFill>
+                  <a:srgbClr val="2A5FA3"/>
+                </a:solidFill>
+                <a:latin typeface="Gill Sans"/>
+                <a:ea typeface="Gill Sans"/>
+                <a:cs typeface="Gill Sans"/>
+                <a:sym typeface="Gill Sans"/>
+              </a:defRPr>
             </a:lvl1pPr>
           </a:lstStyle>
           <a:p>
@@ -25935,7 +25973,7 @@
         <a:srgbClr val="FFFFFF"/>
       </a:dk1>
       <a:lt1>
-        <a:srgbClr val="2A5FA3"/>
+        <a:srgbClr val="FFFFFF"/>
       </a:lt1>
       <a:dk2>
         <a:srgbClr val="A7A7A7"/>
@@ -25970,14 +26008,14 @@
     </a:clrScheme>
     <a:fontScheme name="Office Theme">
       <a:majorFont>
+        <a:latin typeface="Helvetica"/>
+        <a:ea typeface="Helvetica"/>
+        <a:cs typeface="Helvetica"/>
+      </a:majorFont>
+      <a:minorFont>
         <a:latin typeface="Times New Roman"/>
         <a:ea typeface="Times New Roman"/>
         <a:cs typeface="Times New Roman"/>
-      </a:majorFont>
-      <a:minorFont>
-        <a:latin typeface="Helvetica"/>
-        <a:ea typeface="Helvetica"/>
-        <a:cs typeface="Helvetica"/>
       </a:minorFont>
     </a:fontScheme>
     <a:fmtScheme name="Office Theme">
@@ -26059,13 +26097,7 @@
           <a:effectLst/>
         </a:effectStyle>
         <a:effectStyle>
-          <a:effectLst>
-            <a:outerShdw sx="100000" sy="100000" kx="0" ky="0" algn="b" rotWithShape="0" blurRad="38100" dist="20000" dir="5400000">
-              <a:srgbClr val="000000">
-                <a:alpha val="38000"/>
-              </a:srgbClr>
-            </a:outerShdw>
-          </a:effectLst>
+          <a:effectLst/>
         </a:effectStyle>
       </a:effectStyleLst>
       <a:bgFillStyleLst>
@@ -26124,9 +26156,7 @@
     <a:spDef>
       <a:spPr>
         <a:solidFill>
-          <a:schemeClr val="accent3">
-            <a:lumOff val="44000"/>
-          </a:schemeClr>
+          <a:srgbClr val="FFFFFF"/>
         </a:solidFill>
         <a:ln w="25400" cap="flat">
           <a:solidFill>
@@ -26138,7 +26168,7 @@
         <a:effectLst/>
         <a:sp3d/>
       </a:spPr>
-      <a:bodyPr rot="0" spcFirstLastPara="1" vertOverflow="overflow" horzOverflow="overflow" vert="horz" wrap="square" lIns="45719" tIns="45719" rIns="45719" bIns="45719" numCol="1" spcCol="38100" rtlCol="0" anchor="t" upright="0">
+      <a:bodyPr rot="0" spcFirstLastPara="1" vertOverflow="overflow" horzOverflow="overflow" vert="horz" wrap="square" lIns="45718" tIns="45718" rIns="45718" bIns="45718" numCol="1" spcCol="38100" rtlCol="0" anchor="t" upright="0">
         <a:spAutoFit/>
       </a:bodyPr>
       <a:lstStyle>
@@ -26157,19 +26187,19 @@
           <a:buFontTx/>
           <a:buNone/>
           <a:tabLst/>
-          <a:defRPr b="0" baseline="0" cap="none" i="0" spc="0" strike="noStrike" sz="1000" u="none" kumimoji="0" normalizeH="0">
+          <a:defRPr b="1" baseline="0" cap="none" i="0" spc="0" strike="noStrike" sz="7000" u="none" kumimoji="0" normalizeH="0">
             <a:ln>
               <a:noFill/>
             </a:ln>
             <a:solidFill>
-              <a:srgbClr val="000000"/>
+              <a:srgbClr val="FFFFFF"/>
             </a:solidFill>
             <a:effectLst/>
             <a:uFillTx/>
-            <a:latin typeface="Gill Sans"/>
-            <a:ea typeface="Gill Sans"/>
-            <a:cs typeface="Gill Sans"/>
-            <a:sym typeface="Gill Sans"/>
+            <a:latin typeface="+mj-lt"/>
+            <a:ea typeface="+mj-ea"/>
+            <a:cs typeface="+mj-cs"/>
+            <a:sym typeface="Helvetica"/>
           </a:defRPr>
         </a:defPPr>
         <a:lvl1pPr marL="0" marR="0" indent="0" algn="l" defTabSz="914400" rtl="0" fontAlgn="auto" latinLnBrk="1" hangingPunct="0">
@@ -26424,13 +26454,7 @@
           <a:prstDash val="solid"/>
           <a:round/>
         </a:ln>
-        <a:effectLst>
-          <a:outerShdw sx="100000" sy="100000" kx="0" ky="0" algn="b" rotWithShape="0" blurRad="38100" dist="20000" dir="5400000">
-            <a:srgbClr val="000000">
-              <a:alpha val="38000"/>
-            </a:srgbClr>
-          </a:outerShdw>
-        </a:effectLst>
+        <a:effectLst/>
         <a:sp3d/>
       </a:spPr>
       <a:bodyPr rot="0" spcFirstLastPara="1" vertOverflow="overflow" horzOverflow="overflow" vert="horz" wrap="square" lIns="91439" tIns="45719" rIns="91439" bIns="45719" numCol="1" spcCol="38100" rtlCol="0" anchor="t" upright="0">
@@ -26715,7 +26739,7 @@
         <a:effectLst/>
         <a:sp3d/>
       </a:spPr>
-      <a:bodyPr rot="0" spcFirstLastPara="1" vertOverflow="overflow" horzOverflow="overflow" vert="horz" wrap="square" lIns="45719" tIns="45719" rIns="45719" bIns="45719" numCol="1" spcCol="38100" rtlCol="0" anchor="t" upright="0">
+      <a:bodyPr rot="0" spcFirstLastPara="1" vertOverflow="overflow" horzOverflow="overflow" vert="horz" wrap="square" lIns="45718" tIns="45718" rIns="45718" bIns="45718" numCol="1" spcCol="38100" rtlCol="0" anchor="t" upright="0">
         <a:spAutoFit/>
       </a:bodyPr>
       <a:lstStyle>
@@ -26739,14 +26763,14 @@
               <a:noFill/>
             </a:ln>
             <a:solidFill>
-              <a:srgbClr val="2A5FA3"/>
+              <a:srgbClr val="FFFFFF"/>
             </a:solidFill>
             <a:effectLst/>
             <a:uFillTx/>
-            <a:latin typeface="Gill Sans"/>
-            <a:ea typeface="Gill Sans"/>
-            <a:cs typeface="Gill Sans"/>
-            <a:sym typeface="Gill Sans"/>
+            <a:latin typeface="+mj-lt"/>
+            <a:ea typeface="+mj-ea"/>
+            <a:cs typeface="+mj-cs"/>
+            <a:sym typeface="Helvetica"/>
           </a:defRPr>
         </a:defPPr>
         <a:lvl1pPr marL="0" marR="0" indent="0" algn="l" defTabSz="914400" rtl="0" fontAlgn="auto" latinLnBrk="1" hangingPunct="0">
@@ -27038,14 +27062,14 @@
     </a:clrScheme>
     <a:fontScheme name="Office Theme">
       <a:majorFont>
+        <a:latin typeface="Helvetica"/>
+        <a:ea typeface="Helvetica"/>
+        <a:cs typeface="Helvetica"/>
+      </a:majorFont>
+      <a:minorFont>
         <a:latin typeface="Times New Roman"/>
         <a:ea typeface="Times New Roman"/>
         <a:cs typeface="Times New Roman"/>
-      </a:majorFont>
-      <a:minorFont>
-        <a:latin typeface="Helvetica"/>
-        <a:ea typeface="Helvetica"/>
-        <a:cs typeface="Helvetica"/>
       </a:minorFont>
     </a:fontScheme>
     <a:fmtScheme name="Office Theme">
@@ -27127,13 +27151,7 @@
           <a:effectLst/>
         </a:effectStyle>
         <a:effectStyle>
-          <a:effectLst>
-            <a:outerShdw sx="100000" sy="100000" kx="0" ky="0" algn="b" rotWithShape="0" blurRad="38100" dist="20000" dir="5400000">
-              <a:srgbClr val="000000">
-                <a:alpha val="38000"/>
-              </a:srgbClr>
-            </a:outerShdw>
-          </a:effectLst>
+          <a:effectLst/>
         </a:effectStyle>
       </a:effectStyleLst>
       <a:bgFillStyleLst>
@@ -27192,9 +27210,7 @@
     <a:spDef>
       <a:spPr>
         <a:solidFill>
-          <a:schemeClr val="accent3">
-            <a:lumOff val="44000"/>
-          </a:schemeClr>
+          <a:srgbClr val="FFFFFF"/>
         </a:solidFill>
         <a:ln w="25400" cap="flat">
           <a:solidFill>
@@ -27206,7 +27222,7 @@
         <a:effectLst/>
         <a:sp3d/>
       </a:spPr>
-      <a:bodyPr rot="0" spcFirstLastPara="1" vertOverflow="overflow" horzOverflow="overflow" vert="horz" wrap="square" lIns="45719" tIns="45719" rIns="45719" bIns="45719" numCol="1" spcCol="38100" rtlCol="0" anchor="t" upright="0">
+      <a:bodyPr rot="0" spcFirstLastPara="1" vertOverflow="overflow" horzOverflow="overflow" vert="horz" wrap="square" lIns="45718" tIns="45718" rIns="45718" bIns="45718" numCol="1" spcCol="38100" rtlCol="0" anchor="t" upright="0">
         <a:spAutoFit/>
       </a:bodyPr>
       <a:lstStyle>
@@ -27225,19 +27241,19 @@
           <a:buFontTx/>
           <a:buNone/>
           <a:tabLst/>
-          <a:defRPr b="0" baseline="0" cap="none" i="0" spc="0" strike="noStrike" sz="1000" u="none" kumimoji="0" normalizeH="0">
+          <a:defRPr b="1" baseline="0" cap="none" i="0" spc="0" strike="noStrike" sz="7000" u="none" kumimoji="0" normalizeH="0">
             <a:ln>
               <a:noFill/>
             </a:ln>
             <a:solidFill>
-              <a:srgbClr val="000000"/>
+              <a:srgbClr val="FFFFFF"/>
             </a:solidFill>
             <a:effectLst/>
             <a:uFillTx/>
-            <a:latin typeface="Gill Sans"/>
-            <a:ea typeface="Gill Sans"/>
-            <a:cs typeface="Gill Sans"/>
-            <a:sym typeface="Gill Sans"/>
+            <a:latin typeface="+mj-lt"/>
+            <a:ea typeface="+mj-ea"/>
+            <a:cs typeface="+mj-cs"/>
+            <a:sym typeface="Helvetica"/>
           </a:defRPr>
         </a:defPPr>
         <a:lvl1pPr marL="0" marR="0" indent="0" algn="l" defTabSz="914400" rtl="0" fontAlgn="auto" latinLnBrk="1" hangingPunct="0">
@@ -27492,13 +27508,7 @@
           <a:prstDash val="solid"/>
           <a:round/>
         </a:ln>
-        <a:effectLst>
-          <a:outerShdw sx="100000" sy="100000" kx="0" ky="0" algn="b" rotWithShape="0" blurRad="38100" dist="20000" dir="5400000">
-            <a:srgbClr val="000000">
-              <a:alpha val="38000"/>
-            </a:srgbClr>
-          </a:outerShdw>
-        </a:effectLst>
+        <a:effectLst/>
         <a:sp3d/>
       </a:spPr>
       <a:bodyPr rot="0" spcFirstLastPara="1" vertOverflow="overflow" horzOverflow="overflow" vert="horz" wrap="square" lIns="91439" tIns="45719" rIns="91439" bIns="45719" numCol="1" spcCol="38100" rtlCol="0" anchor="t" upright="0">
@@ -27783,7 +27793,7 @@
         <a:effectLst/>
         <a:sp3d/>
       </a:spPr>
-      <a:bodyPr rot="0" spcFirstLastPara="1" vertOverflow="overflow" horzOverflow="overflow" vert="horz" wrap="square" lIns="45719" tIns="45719" rIns="45719" bIns="45719" numCol="1" spcCol="38100" rtlCol="0" anchor="t" upright="0">
+      <a:bodyPr rot="0" spcFirstLastPara="1" vertOverflow="overflow" horzOverflow="overflow" vert="horz" wrap="square" lIns="45718" tIns="45718" rIns="45718" bIns="45718" numCol="1" spcCol="38100" rtlCol="0" anchor="t" upright="0">
         <a:spAutoFit/>
       </a:bodyPr>
       <a:lstStyle>
@@ -27807,14 +27817,14 @@
               <a:noFill/>
             </a:ln>
             <a:solidFill>
-              <a:srgbClr val="2A5FA3"/>
+              <a:srgbClr val="FFFFFF"/>
             </a:solidFill>
             <a:effectLst/>
             <a:uFillTx/>
-            <a:latin typeface="Gill Sans"/>
-            <a:ea typeface="Gill Sans"/>
-            <a:cs typeface="Gill Sans"/>
-            <a:sym typeface="Gill Sans"/>
+            <a:latin typeface="+mj-lt"/>
+            <a:ea typeface="+mj-ea"/>
+            <a:cs typeface="+mj-cs"/>
+            <a:sym typeface="Helvetica"/>
           </a:defRPr>
         </a:defPPr>
         <a:lvl1pPr marL="0" marR="0" indent="0" algn="l" defTabSz="914400" rtl="0" fontAlgn="auto" latinLnBrk="1" hangingPunct="0">
